--- a/c_c++_learnings.pptx
+++ b/c_c++_learnings.pptx
@@ -1,24 +1,134 @@
 
 <file path=ppt/presentation.xml><?xml version="1.0" encoding="utf-8"?>
-<p:presentation xmlns:a="http://schemas.openxmlformats.org/drawingml/2006/main" xmlns:p="http://schemas.openxmlformats.org/presentationml/2006/main" xmlns:r="http://schemas.openxmlformats.org/officeDocument/2006/relationships" xmlns:p14="http://schemas.microsoft.com/office/powerpoint/2010/main" xmlns:p15="http://schemas.microsoft.com/office/powerpoint/2012/main" xmlns:mc="http://schemas.openxmlformats.org/markup-compatibility/2006">
+<p:presentation xmlns:a="http://schemas.openxmlformats.org/drawingml/2006/main" xmlns:r="http://schemas.openxmlformats.org/officeDocument/2006/relationships" xmlns:p="http://schemas.openxmlformats.org/presentationml/2006/main">
   <p:sldMasterIdLst>
-    <p:sldMasterId id="2147483648" r:id="rId2"/>
-    <p:sldMasterId id="2147483661" r:id="rId3"/>
-    <p:sldMasterId id="2147483674" r:id="rId4"/>
+    <p:sldMasterId id="2147483648" r:id="rId1"/>
+    <p:sldMasterId id="2147483661" r:id="rId2"/>
+    <p:sldMasterId id="2147483674" r:id="rId3"/>
   </p:sldMasterIdLst>
   <p:sldIdLst>
-    <p:sldId id="256" r:id="rId5"/>
-    <p:sldId id="257" r:id="rId6"/>
-    <p:sldId id="258" r:id="rId7"/>
-    <p:sldId id="259" r:id="rId8"/>
+    <p:sldId id="256" r:id="rId4"/>
+    <p:sldId id="257" r:id="rId5"/>
+    <p:sldId id="258" r:id="rId6"/>
+    <p:sldId id="259" r:id="rId7"/>
+    <p:sldId id="264" r:id="rId8"/>
+    <p:sldId id="260" r:id="rId9"/>
+    <p:sldId id="261" r:id="rId10"/>
+    <p:sldId id="262" r:id="rId11"/>
+    <p:sldId id="263" r:id="rId12"/>
+    <p:sldId id="265" r:id="rId13"/>
+    <p:sldId id="266" r:id="rId14"/>
+    <p:sldId id="267" r:id="rId15"/>
+    <p:sldId id="268" r:id="rId16"/>
+    <p:sldId id="269" r:id="rId17"/>
   </p:sldIdLst>
   <p:sldSz cx="10080625" cy="7559675"/>
   <p:notesSz cx="7772400" cy="10058400"/>
+  <p:defaultTextStyle>
+    <a:defPPr>
+      <a:defRPr lang="en-US"/>
+    </a:defPPr>
+    <a:lvl1pPr marL="0" algn="l" defTabSz="914400" rtl="0" eaLnBrk="1" latinLnBrk="0" hangingPunct="1">
+      <a:defRPr sz="1800" kern="1200">
+        <a:solidFill>
+          <a:schemeClr val="tx1"/>
+        </a:solidFill>
+        <a:latin typeface="+mn-lt"/>
+        <a:ea typeface="+mn-ea"/>
+        <a:cs typeface="+mn-cs"/>
+      </a:defRPr>
+    </a:lvl1pPr>
+    <a:lvl2pPr marL="457200" algn="l" defTabSz="914400" rtl="0" eaLnBrk="1" latinLnBrk="0" hangingPunct="1">
+      <a:defRPr sz="1800" kern="1200">
+        <a:solidFill>
+          <a:schemeClr val="tx1"/>
+        </a:solidFill>
+        <a:latin typeface="+mn-lt"/>
+        <a:ea typeface="+mn-ea"/>
+        <a:cs typeface="+mn-cs"/>
+      </a:defRPr>
+    </a:lvl2pPr>
+    <a:lvl3pPr marL="914400" algn="l" defTabSz="914400" rtl="0" eaLnBrk="1" latinLnBrk="0" hangingPunct="1">
+      <a:defRPr sz="1800" kern="1200">
+        <a:solidFill>
+          <a:schemeClr val="tx1"/>
+        </a:solidFill>
+        <a:latin typeface="+mn-lt"/>
+        <a:ea typeface="+mn-ea"/>
+        <a:cs typeface="+mn-cs"/>
+      </a:defRPr>
+    </a:lvl3pPr>
+    <a:lvl4pPr marL="1371600" algn="l" defTabSz="914400" rtl="0" eaLnBrk="1" latinLnBrk="0" hangingPunct="1">
+      <a:defRPr sz="1800" kern="1200">
+        <a:solidFill>
+          <a:schemeClr val="tx1"/>
+        </a:solidFill>
+        <a:latin typeface="+mn-lt"/>
+        <a:ea typeface="+mn-ea"/>
+        <a:cs typeface="+mn-cs"/>
+      </a:defRPr>
+    </a:lvl4pPr>
+    <a:lvl5pPr marL="1828800" algn="l" defTabSz="914400" rtl="0" eaLnBrk="1" latinLnBrk="0" hangingPunct="1">
+      <a:defRPr sz="1800" kern="1200">
+        <a:solidFill>
+          <a:schemeClr val="tx1"/>
+        </a:solidFill>
+        <a:latin typeface="+mn-lt"/>
+        <a:ea typeface="+mn-ea"/>
+        <a:cs typeface="+mn-cs"/>
+      </a:defRPr>
+    </a:lvl5pPr>
+    <a:lvl6pPr marL="2286000" algn="l" defTabSz="914400" rtl="0" eaLnBrk="1" latinLnBrk="0" hangingPunct="1">
+      <a:defRPr sz="1800" kern="1200">
+        <a:solidFill>
+          <a:schemeClr val="tx1"/>
+        </a:solidFill>
+        <a:latin typeface="+mn-lt"/>
+        <a:ea typeface="+mn-ea"/>
+        <a:cs typeface="+mn-cs"/>
+      </a:defRPr>
+    </a:lvl6pPr>
+    <a:lvl7pPr marL="2743200" algn="l" defTabSz="914400" rtl="0" eaLnBrk="1" latinLnBrk="0" hangingPunct="1">
+      <a:defRPr sz="1800" kern="1200">
+        <a:solidFill>
+          <a:schemeClr val="tx1"/>
+        </a:solidFill>
+        <a:latin typeface="+mn-lt"/>
+        <a:ea typeface="+mn-ea"/>
+        <a:cs typeface="+mn-cs"/>
+      </a:defRPr>
+    </a:lvl7pPr>
+    <a:lvl8pPr marL="3200400" algn="l" defTabSz="914400" rtl="0" eaLnBrk="1" latinLnBrk="0" hangingPunct="1">
+      <a:defRPr sz="1800" kern="1200">
+        <a:solidFill>
+          <a:schemeClr val="tx1"/>
+        </a:solidFill>
+        <a:latin typeface="+mn-lt"/>
+        <a:ea typeface="+mn-ea"/>
+        <a:cs typeface="+mn-cs"/>
+      </a:defRPr>
+    </a:lvl8pPr>
+    <a:lvl9pPr marL="3657600" algn="l" defTabSz="914400" rtl="0" eaLnBrk="1" latinLnBrk="0" hangingPunct="1">
+      <a:defRPr sz="1800" kern="1200">
+        <a:solidFill>
+          <a:schemeClr val="tx1"/>
+        </a:solidFill>
+        <a:latin typeface="+mn-lt"/>
+        <a:ea typeface="+mn-ea"/>
+        <a:cs typeface="+mn-cs"/>
+      </a:defRPr>
+    </a:lvl9pPr>
+  </p:defaultTextStyle>
+  <p:extLst>
+    <p:ext uri="{EFAFB233-063F-42B5-8137-9DF3F51BA10A}">
+      <p15:sldGuideLst xmlns:p15="http://schemas.microsoft.com/office/powerpoint/2012/main"/>
+    </p:ext>
+  </p:extLst>
 </p:presentation>
 </file>
 
 <file path=ppt/slideLayouts/slideLayout1.xml><?xml version="1.0" encoding="utf-8"?>
-<p:sldLayout xmlns:a="http://schemas.openxmlformats.org/drawingml/2006/main" xmlns:p="http://schemas.openxmlformats.org/presentationml/2006/main" xmlns:r="http://schemas.openxmlformats.org/officeDocument/2006/relationships" xmlns:p14="http://schemas.microsoft.com/office/powerpoint/2010/main" xmlns:p15="http://schemas.microsoft.com/office/powerpoint/2012/main" xmlns:mc="http://schemas.openxmlformats.org/markup-compatibility/2006" type="blank" preserve="1">
+<p:sldLayout xmlns:a="http://schemas.openxmlformats.org/drawingml/2006/main" xmlns:r="http://schemas.openxmlformats.org/officeDocument/2006/relationships" xmlns:p="http://schemas.openxmlformats.org/presentationml/2006/main" type="blank" preserve="1">
   <p:cSld name="Blank Slide">
     <p:spTree>
       <p:nvGrpSpPr>
@@ -36,11 +146,14 @@
       </p:grpSpPr>
     </p:spTree>
   </p:cSld>
+  <p:clrMapOvr>
+    <a:masterClrMapping/>
+  </p:clrMapOvr>
 </p:sldLayout>
 </file>
 
 <file path=ppt/slideLayouts/slideLayout10.xml><?xml version="1.0" encoding="utf-8"?>
-<p:sldLayout xmlns:a="http://schemas.openxmlformats.org/drawingml/2006/main" xmlns:p="http://schemas.openxmlformats.org/presentationml/2006/main" xmlns:r="http://schemas.openxmlformats.org/officeDocument/2006/relationships" xmlns:p14="http://schemas.microsoft.com/office/powerpoint/2010/main" xmlns:p15="http://schemas.microsoft.com/office/powerpoint/2012/main" xmlns:mc="http://schemas.openxmlformats.org/markup-compatibility/2006" type="objOverTx" preserve="1">
+<p:sldLayout xmlns:a="http://schemas.openxmlformats.org/drawingml/2006/main" xmlns:r="http://schemas.openxmlformats.org/officeDocument/2006/relationships" xmlns:p="http://schemas.openxmlformats.org/presentationml/2006/main" type="objOverTx" preserve="1">
   <p:cSld name="Title, Content over Content">
     <p:spTree>
       <p:nvGrpSpPr>
@@ -76,10 +189,11 @@
           </a:prstGeom>
         </p:spPr>
         <p:txBody>
-          <a:bodyPr lIns="0" rIns="0" tIns="0" bIns="0" anchor="ctr"/>
+          <a:bodyPr lIns="0" tIns="0" rIns="0" bIns="0" anchor="ctr"/>
+          <a:lstStyle/>
           <a:p>
             <a:pPr algn="ctr"/>
-            <a:endParaRPr b="0" lang="en-US" sz="4400" spc="-1" strike="noStrike">
+            <a:endParaRPr lang="en-US" sz="4400" b="0" strike="noStrike" spc="-1">
               <a:latin typeface="Arial"/>
             </a:endParaRPr>
           </a:p>
@@ -105,11 +219,12 @@
           </a:prstGeom>
         </p:spPr>
         <p:txBody>
-          <a:bodyPr lIns="0" rIns="0" tIns="0" bIns="0">
+          <a:bodyPr lIns="0" tIns="0" rIns="0" bIns="0">
             <a:normAutofit/>
           </a:bodyPr>
-          <a:p>
-            <a:endParaRPr b="0" lang="en-US" sz="3200" spc="-1" strike="noStrike">
+          <a:lstStyle/>
+          <a:p>
+            <a:endParaRPr lang="en-US" sz="3200" b="0" strike="noStrike" spc="-1">
               <a:latin typeface="Arial"/>
             </a:endParaRPr>
           </a:p>
@@ -135,11 +250,12 @@
           </a:prstGeom>
         </p:spPr>
         <p:txBody>
-          <a:bodyPr lIns="0" rIns="0" tIns="0" bIns="0">
+          <a:bodyPr lIns="0" tIns="0" rIns="0" bIns="0">
             <a:normAutofit/>
           </a:bodyPr>
-          <a:p>
-            <a:endParaRPr b="0" lang="en-US" sz="3200" spc="-1" strike="noStrike">
+          <a:lstStyle/>
+          <a:p>
+            <a:endParaRPr lang="en-US" sz="3200" b="0" strike="noStrike" spc="-1">
               <a:latin typeface="Arial"/>
             </a:endParaRPr>
           </a:p>
@@ -147,11 +263,14 @@
       </p:sp>
     </p:spTree>
   </p:cSld>
+  <p:clrMapOvr>
+    <a:masterClrMapping/>
+  </p:clrMapOvr>
 </p:sldLayout>
 </file>
 
 <file path=ppt/slideLayouts/slideLayout11.xml><?xml version="1.0" encoding="utf-8"?>
-<p:sldLayout xmlns:a="http://schemas.openxmlformats.org/drawingml/2006/main" xmlns:p="http://schemas.openxmlformats.org/presentationml/2006/main" xmlns:r="http://schemas.openxmlformats.org/officeDocument/2006/relationships" xmlns:p14="http://schemas.microsoft.com/office/powerpoint/2010/main" xmlns:p15="http://schemas.microsoft.com/office/powerpoint/2012/main" xmlns:mc="http://schemas.openxmlformats.org/markup-compatibility/2006" type="fourObj" preserve="1">
+<p:sldLayout xmlns:a="http://schemas.openxmlformats.org/drawingml/2006/main" xmlns:r="http://schemas.openxmlformats.org/officeDocument/2006/relationships" xmlns:p="http://schemas.openxmlformats.org/presentationml/2006/main" type="fourObj" preserve="1">
   <p:cSld name="Title, 4 Content">
     <p:spTree>
       <p:nvGrpSpPr>
@@ -187,10 +306,11 @@
           </a:prstGeom>
         </p:spPr>
         <p:txBody>
-          <a:bodyPr lIns="0" rIns="0" tIns="0" bIns="0" anchor="ctr"/>
+          <a:bodyPr lIns="0" tIns="0" rIns="0" bIns="0" anchor="ctr"/>
+          <a:lstStyle/>
           <a:p>
             <a:pPr algn="ctr"/>
-            <a:endParaRPr b="0" lang="en-US" sz="4400" spc="-1" strike="noStrike">
+            <a:endParaRPr lang="en-US" sz="4400" b="0" strike="noStrike" spc="-1">
               <a:latin typeface="Arial"/>
             </a:endParaRPr>
           </a:p>
@@ -216,11 +336,12 @@
           </a:prstGeom>
         </p:spPr>
         <p:txBody>
-          <a:bodyPr lIns="0" rIns="0" tIns="0" bIns="0">
+          <a:bodyPr lIns="0" tIns="0" rIns="0" bIns="0">
             <a:normAutofit/>
           </a:bodyPr>
-          <a:p>
-            <a:endParaRPr b="0" lang="en-US" sz="3200" spc="-1" strike="noStrike">
+          <a:lstStyle/>
+          <a:p>
+            <a:endParaRPr lang="en-US" sz="3200" b="0" strike="noStrike" spc="-1">
               <a:latin typeface="Arial"/>
             </a:endParaRPr>
           </a:p>
@@ -246,11 +367,12 @@
           </a:prstGeom>
         </p:spPr>
         <p:txBody>
-          <a:bodyPr lIns="0" rIns="0" tIns="0" bIns="0">
+          <a:bodyPr lIns="0" tIns="0" rIns="0" bIns="0">
             <a:normAutofit/>
           </a:bodyPr>
-          <a:p>
-            <a:endParaRPr b="0" lang="en-US" sz="3200" spc="-1" strike="noStrike">
+          <a:lstStyle/>
+          <a:p>
+            <a:endParaRPr lang="en-US" sz="3200" b="0" strike="noStrike" spc="-1">
               <a:latin typeface="Arial"/>
             </a:endParaRPr>
           </a:p>
@@ -276,11 +398,12 @@
           </a:prstGeom>
         </p:spPr>
         <p:txBody>
-          <a:bodyPr lIns="0" rIns="0" tIns="0" bIns="0">
+          <a:bodyPr lIns="0" tIns="0" rIns="0" bIns="0">
             <a:normAutofit/>
           </a:bodyPr>
-          <a:p>
-            <a:endParaRPr b="0" lang="en-US" sz="3200" spc="-1" strike="noStrike">
+          <a:lstStyle/>
+          <a:p>
+            <a:endParaRPr lang="en-US" sz="3200" b="0" strike="noStrike" spc="-1">
               <a:latin typeface="Arial"/>
             </a:endParaRPr>
           </a:p>
@@ -306,11 +429,12 @@
           </a:prstGeom>
         </p:spPr>
         <p:txBody>
-          <a:bodyPr lIns="0" rIns="0" tIns="0" bIns="0">
+          <a:bodyPr lIns="0" tIns="0" rIns="0" bIns="0">
             <a:normAutofit/>
           </a:bodyPr>
-          <a:p>
-            <a:endParaRPr b="0" lang="en-US" sz="3200" spc="-1" strike="noStrike">
+          <a:lstStyle/>
+          <a:p>
+            <a:endParaRPr lang="en-US" sz="3200" b="0" strike="noStrike" spc="-1">
               <a:latin typeface="Arial"/>
             </a:endParaRPr>
           </a:p>
@@ -318,11 +442,14 @@
       </p:sp>
     </p:spTree>
   </p:cSld>
+  <p:clrMapOvr>
+    <a:masterClrMapping/>
+  </p:clrMapOvr>
 </p:sldLayout>
 </file>
 
 <file path=ppt/slideLayouts/slideLayout12.xml><?xml version="1.0" encoding="utf-8"?>
-<p:sldLayout xmlns:a="http://schemas.openxmlformats.org/drawingml/2006/main" xmlns:p="http://schemas.openxmlformats.org/presentationml/2006/main" xmlns:r="http://schemas.openxmlformats.org/officeDocument/2006/relationships" xmlns:p14="http://schemas.microsoft.com/office/powerpoint/2010/main" xmlns:p15="http://schemas.microsoft.com/office/powerpoint/2012/main" xmlns:mc="http://schemas.openxmlformats.org/markup-compatibility/2006" type="blank" preserve="1">
+<p:sldLayout xmlns:a="http://schemas.openxmlformats.org/drawingml/2006/main" xmlns:r="http://schemas.openxmlformats.org/officeDocument/2006/relationships" xmlns:p="http://schemas.openxmlformats.org/presentationml/2006/main" type="blank" preserve="1">
   <p:cSld name="Title, 6 Content">
     <p:spTree>
       <p:nvGrpSpPr>
@@ -358,10 +485,11 @@
           </a:prstGeom>
         </p:spPr>
         <p:txBody>
-          <a:bodyPr lIns="0" rIns="0" tIns="0" bIns="0" anchor="ctr"/>
+          <a:bodyPr lIns="0" tIns="0" rIns="0" bIns="0" anchor="ctr"/>
+          <a:lstStyle/>
           <a:p>
             <a:pPr algn="ctr"/>
-            <a:endParaRPr b="0" lang="en-US" sz="4400" spc="-1" strike="noStrike">
+            <a:endParaRPr lang="en-US" sz="4400" b="0" strike="noStrike" spc="-1">
               <a:latin typeface="Arial"/>
             </a:endParaRPr>
           </a:p>
@@ -387,11 +515,12 @@
           </a:prstGeom>
         </p:spPr>
         <p:txBody>
-          <a:bodyPr lIns="0" rIns="0" tIns="0" bIns="0">
+          <a:bodyPr lIns="0" tIns="0" rIns="0" bIns="0">
             <a:normAutofit/>
           </a:bodyPr>
-          <a:p>
-            <a:endParaRPr b="0" lang="en-US" sz="3200" spc="-1" strike="noStrike">
+          <a:lstStyle/>
+          <a:p>
+            <a:endParaRPr lang="en-US" sz="3200" b="0" strike="noStrike" spc="-1">
               <a:latin typeface="Arial"/>
             </a:endParaRPr>
           </a:p>
@@ -417,11 +546,12 @@
           </a:prstGeom>
         </p:spPr>
         <p:txBody>
-          <a:bodyPr lIns="0" rIns="0" tIns="0" bIns="0">
+          <a:bodyPr lIns="0" tIns="0" rIns="0" bIns="0">
             <a:normAutofit/>
           </a:bodyPr>
-          <a:p>
-            <a:endParaRPr b="0" lang="en-US" sz="3200" spc="-1" strike="noStrike">
+          <a:lstStyle/>
+          <a:p>
+            <a:endParaRPr lang="en-US" sz="3200" b="0" strike="noStrike" spc="-1">
               <a:latin typeface="Arial"/>
             </a:endParaRPr>
           </a:p>
@@ -447,11 +577,12 @@
           </a:prstGeom>
         </p:spPr>
         <p:txBody>
-          <a:bodyPr lIns="0" rIns="0" tIns="0" bIns="0">
+          <a:bodyPr lIns="0" tIns="0" rIns="0" bIns="0">
             <a:normAutofit/>
           </a:bodyPr>
-          <a:p>
-            <a:endParaRPr b="0" lang="en-US" sz="3200" spc="-1" strike="noStrike">
+          <a:lstStyle/>
+          <a:p>
+            <a:endParaRPr lang="en-US" sz="3200" b="0" strike="noStrike" spc="-1">
               <a:latin typeface="Arial"/>
             </a:endParaRPr>
           </a:p>
@@ -477,11 +608,12 @@
           </a:prstGeom>
         </p:spPr>
         <p:txBody>
-          <a:bodyPr lIns="0" rIns="0" tIns="0" bIns="0">
+          <a:bodyPr lIns="0" tIns="0" rIns="0" bIns="0">
             <a:normAutofit/>
           </a:bodyPr>
-          <a:p>
-            <a:endParaRPr b="0" lang="en-US" sz="3200" spc="-1" strike="noStrike">
+          <a:lstStyle/>
+          <a:p>
+            <a:endParaRPr lang="en-US" sz="3200" b="0" strike="noStrike" spc="-1">
               <a:latin typeface="Arial"/>
             </a:endParaRPr>
           </a:p>
@@ -507,11 +639,12 @@
           </a:prstGeom>
         </p:spPr>
         <p:txBody>
-          <a:bodyPr lIns="0" rIns="0" tIns="0" bIns="0">
+          <a:bodyPr lIns="0" tIns="0" rIns="0" bIns="0">
             <a:normAutofit/>
           </a:bodyPr>
-          <a:p>
-            <a:endParaRPr b="0" lang="en-US" sz="3200" spc="-1" strike="noStrike">
+          <a:lstStyle/>
+          <a:p>
+            <a:endParaRPr lang="en-US" sz="3200" b="0" strike="noStrike" spc="-1">
               <a:latin typeface="Arial"/>
             </a:endParaRPr>
           </a:p>
@@ -537,11 +670,12 @@
           </a:prstGeom>
         </p:spPr>
         <p:txBody>
-          <a:bodyPr lIns="0" rIns="0" tIns="0" bIns="0">
+          <a:bodyPr lIns="0" tIns="0" rIns="0" bIns="0">
             <a:normAutofit/>
           </a:bodyPr>
-          <a:p>
-            <a:endParaRPr b="0" lang="en-US" sz="3200" spc="-1" strike="noStrike">
+          <a:lstStyle/>
+          <a:p>
+            <a:endParaRPr lang="en-US" sz="3200" b="0" strike="noStrike" spc="-1">
               <a:latin typeface="Arial"/>
             </a:endParaRPr>
           </a:p>
@@ -549,11 +683,14 @@
       </p:sp>
     </p:spTree>
   </p:cSld>
+  <p:clrMapOvr>
+    <a:masterClrMapping/>
+  </p:clrMapOvr>
 </p:sldLayout>
 </file>
 
 <file path=ppt/slideLayouts/slideLayout13.xml><?xml version="1.0" encoding="utf-8"?>
-<p:sldLayout xmlns:a="http://schemas.openxmlformats.org/drawingml/2006/main" xmlns:p="http://schemas.openxmlformats.org/presentationml/2006/main" xmlns:r="http://schemas.openxmlformats.org/officeDocument/2006/relationships" xmlns:p14="http://schemas.microsoft.com/office/powerpoint/2010/main" xmlns:p15="http://schemas.microsoft.com/office/powerpoint/2012/main" xmlns:mc="http://schemas.openxmlformats.org/markup-compatibility/2006" type="blank" preserve="1">
+<p:sldLayout xmlns:a="http://schemas.openxmlformats.org/drawingml/2006/main" xmlns:r="http://schemas.openxmlformats.org/officeDocument/2006/relationships" xmlns:p="http://schemas.openxmlformats.org/presentationml/2006/main" type="blank" preserve="1">
   <p:cSld name="Blank Slide">
     <p:spTree>
       <p:nvGrpSpPr>
@@ -571,11 +708,14 @@
       </p:grpSpPr>
     </p:spTree>
   </p:cSld>
+  <p:clrMapOvr>
+    <a:masterClrMapping/>
+  </p:clrMapOvr>
 </p:sldLayout>
 </file>
 
 <file path=ppt/slideLayouts/slideLayout14.xml><?xml version="1.0" encoding="utf-8"?>
-<p:sldLayout xmlns:a="http://schemas.openxmlformats.org/drawingml/2006/main" xmlns:p="http://schemas.openxmlformats.org/presentationml/2006/main" xmlns:r="http://schemas.openxmlformats.org/officeDocument/2006/relationships" xmlns:p14="http://schemas.microsoft.com/office/powerpoint/2010/main" xmlns:p15="http://schemas.microsoft.com/office/powerpoint/2012/main" xmlns:mc="http://schemas.openxmlformats.org/markup-compatibility/2006" type="tx" preserve="1">
+<p:sldLayout xmlns:a="http://schemas.openxmlformats.org/drawingml/2006/main" xmlns:r="http://schemas.openxmlformats.org/officeDocument/2006/relationships" xmlns:p="http://schemas.openxmlformats.org/presentationml/2006/main" type="tx" preserve="1">
   <p:cSld name="Title Slide">
     <p:spTree>
       <p:nvGrpSpPr>
@@ -611,10 +751,11 @@
           </a:prstGeom>
         </p:spPr>
         <p:txBody>
-          <a:bodyPr lIns="0" rIns="0" tIns="0" bIns="0" anchor="ctr"/>
+          <a:bodyPr lIns="0" tIns="0" rIns="0" bIns="0" anchor="ctr"/>
+          <a:lstStyle/>
           <a:p>
             <a:pPr algn="ctr"/>
-            <a:endParaRPr b="0" lang="en-US" sz="4400" spc="-1" strike="noStrike">
+            <a:endParaRPr lang="en-US" sz="4400" b="0" strike="noStrike" spc="-1">
               <a:latin typeface="Arial"/>
             </a:endParaRPr>
           </a:p>
@@ -640,10 +781,11 @@
           </a:prstGeom>
         </p:spPr>
         <p:txBody>
-          <a:bodyPr lIns="0" rIns="0" tIns="0" bIns="0" anchor="ctr"/>
+          <a:bodyPr lIns="0" tIns="0" rIns="0" bIns="0" anchor="ctr"/>
+          <a:lstStyle/>
           <a:p>
             <a:pPr algn="ctr"/>
-            <a:endParaRPr b="0" lang="en-US" sz="3200" spc="-1" strike="noStrike">
+            <a:endParaRPr lang="en-US" sz="3200" b="0" strike="noStrike" spc="-1">
               <a:latin typeface="Arial"/>
             </a:endParaRPr>
           </a:p>
@@ -651,11 +793,14 @@
       </p:sp>
     </p:spTree>
   </p:cSld>
+  <p:clrMapOvr>
+    <a:masterClrMapping/>
+  </p:clrMapOvr>
 </p:sldLayout>
 </file>
 
 <file path=ppt/slideLayouts/slideLayout15.xml><?xml version="1.0" encoding="utf-8"?>
-<p:sldLayout xmlns:a="http://schemas.openxmlformats.org/drawingml/2006/main" xmlns:p="http://schemas.openxmlformats.org/presentationml/2006/main" xmlns:r="http://schemas.openxmlformats.org/officeDocument/2006/relationships" xmlns:p14="http://schemas.microsoft.com/office/powerpoint/2010/main" xmlns:p15="http://schemas.microsoft.com/office/powerpoint/2012/main" xmlns:mc="http://schemas.openxmlformats.org/markup-compatibility/2006" type="obj" preserve="1">
+<p:sldLayout xmlns:a="http://schemas.openxmlformats.org/drawingml/2006/main" xmlns:r="http://schemas.openxmlformats.org/officeDocument/2006/relationships" xmlns:p="http://schemas.openxmlformats.org/presentationml/2006/main" type="obj" preserve="1">
   <p:cSld name="Title, Content">
     <p:spTree>
       <p:nvGrpSpPr>
@@ -691,10 +836,11 @@
           </a:prstGeom>
         </p:spPr>
         <p:txBody>
-          <a:bodyPr lIns="0" rIns="0" tIns="0" bIns="0" anchor="ctr"/>
+          <a:bodyPr lIns="0" tIns="0" rIns="0" bIns="0" anchor="ctr"/>
+          <a:lstStyle/>
           <a:p>
             <a:pPr algn="ctr"/>
-            <a:endParaRPr b="0" lang="en-US" sz="4400" spc="-1" strike="noStrike">
+            <a:endParaRPr lang="en-US" sz="4400" b="0" strike="noStrike" spc="-1">
               <a:latin typeface="Arial"/>
             </a:endParaRPr>
           </a:p>
@@ -720,11 +866,12 @@
           </a:prstGeom>
         </p:spPr>
         <p:txBody>
-          <a:bodyPr lIns="0" rIns="0" tIns="0" bIns="0">
+          <a:bodyPr lIns="0" tIns="0" rIns="0" bIns="0">
             <a:normAutofit/>
           </a:bodyPr>
-          <a:p>
-            <a:endParaRPr b="0" lang="en-US" sz="3200" spc="-1" strike="noStrike">
+          <a:lstStyle/>
+          <a:p>
+            <a:endParaRPr lang="en-US" sz="3200" b="0" strike="noStrike" spc="-1">
               <a:latin typeface="Arial"/>
             </a:endParaRPr>
           </a:p>
@@ -732,11 +879,14 @@
       </p:sp>
     </p:spTree>
   </p:cSld>
+  <p:clrMapOvr>
+    <a:masterClrMapping/>
+  </p:clrMapOvr>
 </p:sldLayout>
 </file>
 
 <file path=ppt/slideLayouts/slideLayout16.xml><?xml version="1.0" encoding="utf-8"?>
-<p:sldLayout xmlns:a="http://schemas.openxmlformats.org/drawingml/2006/main" xmlns:p="http://schemas.openxmlformats.org/presentationml/2006/main" xmlns:r="http://schemas.openxmlformats.org/officeDocument/2006/relationships" xmlns:p14="http://schemas.microsoft.com/office/powerpoint/2010/main" xmlns:p15="http://schemas.microsoft.com/office/powerpoint/2012/main" xmlns:mc="http://schemas.openxmlformats.org/markup-compatibility/2006" type="twoObj" preserve="1">
+<p:sldLayout xmlns:a="http://schemas.openxmlformats.org/drawingml/2006/main" xmlns:r="http://schemas.openxmlformats.org/officeDocument/2006/relationships" xmlns:p="http://schemas.openxmlformats.org/presentationml/2006/main" type="twoObj" preserve="1">
   <p:cSld name="Title, 2 Content">
     <p:spTree>
       <p:nvGrpSpPr>
@@ -772,10 +922,11 @@
           </a:prstGeom>
         </p:spPr>
         <p:txBody>
-          <a:bodyPr lIns="0" rIns="0" tIns="0" bIns="0" anchor="ctr"/>
+          <a:bodyPr lIns="0" tIns="0" rIns="0" bIns="0" anchor="ctr"/>
+          <a:lstStyle/>
           <a:p>
             <a:pPr algn="ctr"/>
-            <a:endParaRPr b="0" lang="en-US" sz="4400" spc="-1" strike="noStrike">
+            <a:endParaRPr lang="en-US" sz="4400" b="0" strike="noStrike" spc="-1">
               <a:latin typeface="Arial"/>
             </a:endParaRPr>
           </a:p>
@@ -801,11 +952,12 @@
           </a:prstGeom>
         </p:spPr>
         <p:txBody>
-          <a:bodyPr lIns="0" rIns="0" tIns="0" bIns="0">
+          <a:bodyPr lIns="0" tIns="0" rIns="0" bIns="0">
             <a:normAutofit/>
           </a:bodyPr>
-          <a:p>
-            <a:endParaRPr b="0" lang="en-US" sz="3200" spc="-1" strike="noStrike">
+          <a:lstStyle/>
+          <a:p>
+            <a:endParaRPr lang="en-US" sz="3200" b="0" strike="noStrike" spc="-1">
               <a:latin typeface="Arial"/>
             </a:endParaRPr>
           </a:p>
@@ -831,11 +983,12 @@
           </a:prstGeom>
         </p:spPr>
         <p:txBody>
-          <a:bodyPr lIns="0" rIns="0" tIns="0" bIns="0">
+          <a:bodyPr lIns="0" tIns="0" rIns="0" bIns="0">
             <a:normAutofit/>
           </a:bodyPr>
-          <a:p>
-            <a:endParaRPr b="0" lang="en-US" sz="3200" spc="-1" strike="noStrike">
+          <a:lstStyle/>
+          <a:p>
+            <a:endParaRPr lang="en-US" sz="3200" b="0" strike="noStrike" spc="-1">
               <a:latin typeface="Arial"/>
             </a:endParaRPr>
           </a:p>
@@ -843,11 +996,14 @@
       </p:sp>
     </p:spTree>
   </p:cSld>
+  <p:clrMapOvr>
+    <a:masterClrMapping/>
+  </p:clrMapOvr>
 </p:sldLayout>
 </file>
 
 <file path=ppt/slideLayouts/slideLayout17.xml><?xml version="1.0" encoding="utf-8"?>
-<p:sldLayout xmlns:a="http://schemas.openxmlformats.org/drawingml/2006/main" xmlns:p="http://schemas.openxmlformats.org/presentationml/2006/main" xmlns:r="http://schemas.openxmlformats.org/officeDocument/2006/relationships" xmlns:p14="http://schemas.microsoft.com/office/powerpoint/2010/main" xmlns:p15="http://schemas.microsoft.com/office/powerpoint/2012/main" xmlns:mc="http://schemas.openxmlformats.org/markup-compatibility/2006" type="titleOnly" preserve="1">
+<p:sldLayout xmlns:a="http://schemas.openxmlformats.org/drawingml/2006/main" xmlns:r="http://schemas.openxmlformats.org/officeDocument/2006/relationships" xmlns:p="http://schemas.openxmlformats.org/presentationml/2006/main" type="titleOnly" preserve="1">
   <p:cSld name="Title Only">
     <p:spTree>
       <p:nvGrpSpPr>
@@ -883,10 +1039,11 @@
           </a:prstGeom>
         </p:spPr>
         <p:txBody>
-          <a:bodyPr lIns="0" rIns="0" tIns="0" bIns="0" anchor="ctr"/>
+          <a:bodyPr lIns="0" tIns="0" rIns="0" bIns="0" anchor="ctr"/>
+          <a:lstStyle/>
           <a:p>
             <a:pPr algn="ctr"/>
-            <a:endParaRPr b="0" lang="en-US" sz="4400" spc="-1" strike="noStrike">
+            <a:endParaRPr lang="en-US" sz="4400" b="0" strike="noStrike" spc="-1">
               <a:latin typeface="Arial"/>
             </a:endParaRPr>
           </a:p>
@@ -894,11 +1051,14 @@
       </p:sp>
     </p:spTree>
   </p:cSld>
+  <p:clrMapOvr>
+    <a:masterClrMapping/>
+  </p:clrMapOvr>
 </p:sldLayout>
 </file>
 
 <file path=ppt/slideLayouts/slideLayout18.xml><?xml version="1.0" encoding="utf-8"?>
-<p:sldLayout xmlns:a="http://schemas.openxmlformats.org/drawingml/2006/main" xmlns:p="http://schemas.openxmlformats.org/presentationml/2006/main" xmlns:r="http://schemas.openxmlformats.org/officeDocument/2006/relationships" xmlns:p14="http://schemas.microsoft.com/office/powerpoint/2010/main" xmlns:p15="http://schemas.microsoft.com/office/powerpoint/2012/main" xmlns:mc="http://schemas.openxmlformats.org/markup-compatibility/2006" type="objOnly" preserve="1">
+<p:sldLayout xmlns:a="http://schemas.openxmlformats.org/drawingml/2006/main" xmlns:r="http://schemas.openxmlformats.org/officeDocument/2006/relationships" xmlns:p="http://schemas.openxmlformats.org/presentationml/2006/main" type="objOnly" preserve="1">
   <p:cSld name="Centered Text">
     <p:spTree>
       <p:nvGrpSpPr>
@@ -934,10 +1094,11 @@
           </a:prstGeom>
         </p:spPr>
         <p:txBody>
-          <a:bodyPr lIns="0" rIns="0" tIns="0" bIns="0" anchor="ctr"/>
+          <a:bodyPr lIns="0" tIns="0" rIns="0" bIns="0" anchor="ctr"/>
+          <a:lstStyle/>
           <a:p>
             <a:pPr algn="ctr"/>
-            <a:endParaRPr b="0" lang="en-US" sz="3200" spc="-1" strike="noStrike">
+            <a:endParaRPr lang="en-US" sz="3200" b="0" strike="noStrike" spc="-1">
               <a:latin typeface="Arial"/>
             </a:endParaRPr>
           </a:p>
@@ -945,11 +1106,14 @@
       </p:sp>
     </p:spTree>
   </p:cSld>
+  <p:clrMapOvr>
+    <a:masterClrMapping/>
+  </p:clrMapOvr>
 </p:sldLayout>
 </file>
 
 <file path=ppt/slideLayouts/slideLayout19.xml><?xml version="1.0" encoding="utf-8"?>
-<p:sldLayout xmlns:a="http://schemas.openxmlformats.org/drawingml/2006/main" xmlns:p="http://schemas.openxmlformats.org/presentationml/2006/main" xmlns:r="http://schemas.openxmlformats.org/officeDocument/2006/relationships" xmlns:p14="http://schemas.microsoft.com/office/powerpoint/2010/main" xmlns:p15="http://schemas.microsoft.com/office/powerpoint/2012/main" xmlns:mc="http://schemas.openxmlformats.org/markup-compatibility/2006" type="twoObjAndObj" preserve="1">
+<p:sldLayout xmlns:a="http://schemas.openxmlformats.org/drawingml/2006/main" xmlns:r="http://schemas.openxmlformats.org/officeDocument/2006/relationships" xmlns:p="http://schemas.openxmlformats.org/presentationml/2006/main" type="twoObjAndObj" preserve="1">
   <p:cSld name="Title, 2 Content and Content">
     <p:spTree>
       <p:nvGrpSpPr>
@@ -985,10 +1149,11 @@
           </a:prstGeom>
         </p:spPr>
         <p:txBody>
-          <a:bodyPr lIns="0" rIns="0" tIns="0" bIns="0" anchor="ctr"/>
+          <a:bodyPr lIns="0" tIns="0" rIns="0" bIns="0" anchor="ctr"/>
+          <a:lstStyle/>
           <a:p>
             <a:pPr algn="ctr"/>
-            <a:endParaRPr b="0" lang="en-US" sz="4400" spc="-1" strike="noStrike">
+            <a:endParaRPr lang="en-US" sz="4400" b="0" strike="noStrike" spc="-1">
               <a:latin typeface="Arial"/>
             </a:endParaRPr>
           </a:p>
@@ -1014,11 +1179,12 @@
           </a:prstGeom>
         </p:spPr>
         <p:txBody>
-          <a:bodyPr lIns="0" rIns="0" tIns="0" bIns="0">
+          <a:bodyPr lIns="0" tIns="0" rIns="0" bIns="0">
             <a:normAutofit/>
           </a:bodyPr>
-          <a:p>
-            <a:endParaRPr b="0" lang="en-US" sz="3200" spc="-1" strike="noStrike">
+          <a:lstStyle/>
+          <a:p>
+            <a:endParaRPr lang="en-US" sz="3200" b="0" strike="noStrike" spc="-1">
               <a:latin typeface="Arial"/>
             </a:endParaRPr>
           </a:p>
@@ -1044,11 +1210,12 @@
           </a:prstGeom>
         </p:spPr>
         <p:txBody>
-          <a:bodyPr lIns="0" rIns="0" tIns="0" bIns="0">
+          <a:bodyPr lIns="0" tIns="0" rIns="0" bIns="0">
             <a:normAutofit/>
           </a:bodyPr>
-          <a:p>
-            <a:endParaRPr b="0" lang="en-US" sz="3200" spc="-1" strike="noStrike">
+          <a:lstStyle/>
+          <a:p>
+            <a:endParaRPr lang="en-US" sz="3200" b="0" strike="noStrike" spc="-1">
               <a:latin typeface="Arial"/>
             </a:endParaRPr>
           </a:p>
@@ -1074,11 +1241,12 @@
           </a:prstGeom>
         </p:spPr>
         <p:txBody>
-          <a:bodyPr lIns="0" rIns="0" tIns="0" bIns="0">
+          <a:bodyPr lIns="0" tIns="0" rIns="0" bIns="0">
             <a:normAutofit/>
           </a:bodyPr>
-          <a:p>
-            <a:endParaRPr b="0" lang="en-US" sz="3200" spc="-1" strike="noStrike">
+          <a:lstStyle/>
+          <a:p>
+            <a:endParaRPr lang="en-US" sz="3200" b="0" strike="noStrike" spc="-1">
               <a:latin typeface="Arial"/>
             </a:endParaRPr>
           </a:p>
@@ -1086,11 +1254,14 @@
       </p:sp>
     </p:spTree>
   </p:cSld>
+  <p:clrMapOvr>
+    <a:masterClrMapping/>
+  </p:clrMapOvr>
 </p:sldLayout>
 </file>
 
 <file path=ppt/slideLayouts/slideLayout2.xml><?xml version="1.0" encoding="utf-8"?>
-<p:sldLayout xmlns:a="http://schemas.openxmlformats.org/drawingml/2006/main" xmlns:p="http://schemas.openxmlformats.org/presentationml/2006/main" xmlns:r="http://schemas.openxmlformats.org/officeDocument/2006/relationships" xmlns:p14="http://schemas.microsoft.com/office/powerpoint/2010/main" xmlns:p15="http://schemas.microsoft.com/office/powerpoint/2012/main" xmlns:mc="http://schemas.openxmlformats.org/markup-compatibility/2006" type="tx" preserve="1">
+<p:sldLayout xmlns:a="http://schemas.openxmlformats.org/drawingml/2006/main" xmlns:r="http://schemas.openxmlformats.org/officeDocument/2006/relationships" xmlns:p="http://schemas.openxmlformats.org/presentationml/2006/main" type="tx" preserve="1">
   <p:cSld name="Title Slide">
     <p:spTree>
       <p:nvGrpSpPr>
@@ -1126,10 +1297,11 @@
           </a:prstGeom>
         </p:spPr>
         <p:txBody>
-          <a:bodyPr lIns="0" rIns="0" tIns="0" bIns="0" anchor="ctr"/>
+          <a:bodyPr lIns="0" tIns="0" rIns="0" bIns="0" anchor="ctr"/>
+          <a:lstStyle/>
           <a:p>
             <a:pPr algn="ctr"/>
-            <a:endParaRPr b="0" lang="en-US" sz="4400" spc="-1" strike="noStrike">
+            <a:endParaRPr lang="en-US" sz="4400" b="0" strike="noStrike" spc="-1">
               <a:latin typeface="Arial"/>
             </a:endParaRPr>
           </a:p>
@@ -1155,10 +1327,11 @@
           </a:prstGeom>
         </p:spPr>
         <p:txBody>
-          <a:bodyPr lIns="0" rIns="0" tIns="0" bIns="0" anchor="ctr"/>
+          <a:bodyPr lIns="0" tIns="0" rIns="0" bIns="0" anchor="ctr"/>
+          <a:lstStyle/>
           <a:p>
             <a:pPr algn="ctr"/>
-            <a:endParaRPr b="0" lang="en-US" sz="3200" spc="-1" strike="noStrike">
+            <a:endParaRPr lang="en-US" sz="3200" b="0" strike="noStrike" spc="-1">
               <a:latin typeface="Arial"/>
             </a:endParaRPr>
           </a:p>
@@ -1166,11 +1339,14 @@
       </p:sp>
     </p:spTree>
   </p:cSld>
+  <p:clrMapOvr>
+    <a:masterClrMapping/>
+  </p:clrMapOvr>
 </p:sldLayout>
 </file>
 
 <file path=ppt/slideLayouts/slideLayout20.xml><?xml version="1.0" encoding="utf-8"?>
-<p:sldLayout xmlns:a="http://schemas.openxmlformats.org/drawingml/2006/main" xmlns:p="http://schemas.openxmlformats.org/presentationml/2006/main" xmlns:r="http://schemas.openxmlformats.org/officeDocument/2006/relationships" xmlns:p14="http://schemas.microsoft.com/office/powerpoint/2010/main" xmlns:p15="http://schemas.microsoft.com/office/powerpoint/2012/main" xmlns:mc="http://schemas.openxmlformats.org/markup-compatibility/2006" type="objAndTwoObj" preserve="1">
+<p:sldLayout xmlns:a="http://schemas.openxmlformats.org/drawingml/2006/main" xmlns:r="http://schemas.openxmlformats.org/officeDocument/2006/relationships" xmlns:p="http://schemas.openxmlformats.org/presentationml/2006/main" type="objAndTwoObj" preserve="1">
   <p:cSld name="Title Content and 2 Content">
     <p:spTree>
       <p:nvGrpSpPr>
@@ -1206,10 +1382,11 @@
           </a:prstGeom>
         </p:spPr>
         <p:txBody>
-          <a:bodyPr lIns="0" rIns="0" tIns="0" bIns="0" anchor="ctr"/>
+          <a:bodyPr lIns="0" tIns="0" rIns="0" bIns="0" anchor="ctr"/>
+          <a:lstStyle/>
           <a:p>
             <a:pPr algn="ctr"/>
-            <a:endParaRPr b="0" lang="en-US" sz="4400" spc="-1" strike="noStrike">
+            <a:endParaRPr lang="en-US" sz="4400" b="0" strike="noStrike" spc="-1">
               <a:latin typeface="Arial"/>
             </a:endParaRPr>
           </a:p>
@@ -1235,11 +1412,12 @@
           </a:prstGeom>
         </p:spPr>
         <p:txBody>
-          <a:bodyPr lIns="0" rIns="0" tIns="0" bIns="0">
+          <a:bodyPr lIns="0" tIns="0" rIns="0" bIns="0">
             <a:normAutofit/>
           </a:bodyPr>
-          <a:p>
-            <a:endParaRPr b="0" lang="en-US" sz="3200" spc="-1" strike="noStrike">
+          <a:lstStyle/>
+          <a:p>
+            <a:endParaRPr lang="en-US" sz="3200" b="0" strike="noStrike" spc="-1">
               <a:latin typeface="Arial"/>
             </a:endParaRPr>
           </a:p>
@@ -1265,11 +1443,12 @@
           </a:prstGeom>
         </p:spPr>
         <p:txBody>
-          <a:bodyPr lIns="0" rIns="0" tIns="0" bIns="0">
+          <a:bodyPr lIns="0" tIns="0" rIns="0" bIns="0">
             <a:normAutofit/>
           </a:bodyPr>
-          <a:p>
-            <a:endParaRPr b="0" lang="en-US" sz="3200" spc="-1" strike="noStrike">
+          <a:lstStyle/>
+          <a:p>
+            <a:endParaRPr lang="en-US" sz="3200" b="0" strike="noStrike" spc="-1">
               <a:latin typeface="Arial"/>
             </a:endParaRPr>
           </a:p>
@@ -1295,11 +1474,12 @@
           </a:prstGeom>
         </p:spPr>
         <p:txBody>
-          <a:bodyPr lIns="0" rIns="0" tIns="0" bIns="0">
+          <a:bodyPr lIns="0" tIns="0" rIns="0" bIns="0">
             <a:normAutofit/>
           </a:bodyPr>
-          <a:p>
-            <a:endParaRPr b="0" lang="en-US" sz="3200" spc="-1" strike="noStrike">
+          <a:lstStyle/>
+          <a:p>
+            <a:endParaRPr lang="en-US" sz="3200" b="0" strike="noStrike" spc="-1">
               <a:latin typeface="Arial"/>
             </a:endParaRPr>
           </a:p>
@@ -1307,11 +1487,14 @@
       </p:sp>
     </p:spTree>
   </p:cSld>
+  <p:clrMapOvr>
+    <a:masterClrMapping/>
+  </p:clrMapOvr>
 </p:sldLayout>
 </file>
 
 <file path=ppt/slideLayouts/slideLayout21.xml><?xml version="1.0" encoding="utf-8"?>
-<p:sldLayout xmlns:a="http://schemas.openxmlformats.org/drawingml/2006/main" xmlns:p="http://schemas.openxmlformats.org/presentationml/2006/main" xmlns:r="http://schemas.openxmlformats.org/officeDocument/2006/relationships" xmlns:p14="http://schemas.microsoft.com/office/powerpoint/2010/main" xmlns:p15="http://schemas.microsoft.com/office/powerpoint/2012/main" xmlns:mc="http://schemas.openxmlformats.org/markup-compatibility/2006" type="twoObjOverTx" preserve="1">
+<p:sldLayout xmlns:a="http://schemas.openxmlformats.org/drawingml/2006/main" xmlns:r="http://schemas.openxmlformats.org/officeDocument/2006/relationships" xmlns:p="http://schemas.openxmlformats.org/presentationml/2006/main" type="twoObjOverTx" preserve="1">
   <p:cSld name="Title, 2 Content over Content">
     <p:spTree>
       <p:nvGrpSpPr>
@@ -1347,10 +1530,11 @@
           </a:prstGeom>
         </p:spPr>
         <p:txBody>
-          <a:bodyPr lIns="0" rIns="0" tIns="0" bIns="0" anchor="ctr"/>
+          <a:bodyPr lIns="0" tIns="0" rIns="0" bIns="0" anchor="ctr"/>
+          <a:lstStyle/>
           <a:p>
             <a:pPr algn="ctr"/>
-            <a:endParaRPr b="0" lang="en-US" sz="4400" spc="-1" strike="noStrike">
+            <a:endParaRPr lang="en-US" sz="4400" b="0" strike="noStrike" spc="-1">
               <a:latin typeface="Arial"/>
             </a:endParaRPr>
           </a:p>
@@ -1376,11 +1560,12 @@
           </a:prstGeom>
         </p:spPr>
         <p:txBody>
-          <a:bodyPr lIns="0" rIns="0" tIns="0" bIns="0">
+          <a:bodyPr lIns="0" tIns="0" rIns="0" bIns="0">
             <a:normAutofit/>
           </a:bodyPr>
-          <a:p>
-            <a:endParaRPr b="0" lang="en-US" sz="3200" spc="-1" strike="noStrike">
+          <a:lstStyle/>
+          <a:p>
+            <a:endParaRPr lang="en-US" sz="3200" b="0" strike="noStrike" spc="-1">
               <a:latin typeface="Arial"/>
             </a:endParaRPr>
           </a:p>
@@ -1406,11 +1591,12 @@
           </a:prstGeom>
         </p:spPr>
         <p:txBody>
-          <a:bodyPr lIns="0" rIns="0" tIns="0" bIns="0">
+          <a:bodyPr lIns="0" tIns="0" rIns="0" bIns="0">
             <a:normAutofit/>
           </a:bodyPr>
-          <a:p>
-            <a:endParaRPr b="0" lang="en-US" sz="3200" spc="-1" strike="noStrike">
+          <a:lstStyle/>
+          <a:p>
+            <a:endParaRPr lang="en-US" sz="3200" b="0" strike="noStrike" spc="-1">
               <a:latin typeface="Arial"/>
             </a:endParaRPr>
           </a:p>
@@ -1436,11 +1622,12 @@
           </a:prstGeom>
         </p:spPr>
         <p:txBody>
-          <a:bodyPr lIns="0" rIns="0" tIns="0" bIns="0">
+          <a:bodyPr lIns="0" tIns="0" rIns="0" bIns="0">
             <a:normAutofit/>
           </a:bodyPr>
-          <a:p>
-            <a:endParaRPr b="0" lang="en-US" sz="3200" spc="-1" strike="noStrike">
+          <a:lstStyle/>
+          <a:p>
+            <a:endParaRPr lang="en-US" sz="3200" b="0" strike="noStrike" spc="-1">
               <a:latin typeface="Arial"/>
             </a:endParaRPr>
           </a:p>
@@ -1448,11 +1635,14 @@
       </p:sp>
     </p:spTree>
   </p:cSld>
+  <p:clrMapOvr>
+    <a:masterClrMapping/>
+  </p:clrMapOvr>
 </p:sldLayout>
 </file>
 
 <file path=ppt/slideLayouts/slideLayout22.xml><?xml version="1.0" encoding="utf-8"?>
-<p:sldLayout xmlns:a="http://schemas.openxmlformats.org/drawingml/2006/main" xmlns:p="http://schemas.openxmlformats.org/presentationml/2006/main" xmlns:r="http://schemas.openxmlformats.org/officeDocument/2006/relationships" xmlns:p14="http://schemas.microsoft.com/office/powerpoint/2010/main" xmlns:p15="http://schemas.microsoft.com/office/powerpoint/2012/main" xmlns:mc="http://schemas.openxmlformats.org/markup-compatibility/2006" type="objOverTx" preserve="1">
+<p:sldLayout xmlns:a="http://schemas.openxmlformats.org/drawingml/2006/main" xmlns:r="http://schemas.openxmlformats.org/officeDocument/2006/relationships" xmlns:p="http://schemas.openxmlformats.org/presentationml/2006/main" type="objOverTx" preserve="1">
   <p:cSld name="Title, Content over Content">
     <p:spTree>
       <p:nvGrpSpPr>
@@ -1488,10 +1678,11 @@
           </a:prstGeom>
         </p:spPr>
         <p:txBody>
-          <a:bodyPr lIns="0" rIns="0" tIns="0" bIns="0" anchor="ctr"/>
+          <a:bodyPr lIns="0" tIns="0" rIns="0" bIns="0" anchor="ctr"/>
+          <a:lstStyle/>
           <a:p>
             <a:pPr algn="ctr"/>
-            <a:endParaRPr b="0" lang="en-US" sz="4400" spc="-1" strike="noStrike">
+            <a:endParaRPr lang="en-US" sz="4400" b="0" strike="noStrike" spc="-1">
               <a:latin typeface="Arial"/>
             </a:endParaRPr>
           </a:p>
@@ -1517,11 +1708,12 @@
           </a:prstGeom>
         </p:spPr>
         <p:txBody>
-          <a:bodyPr lIns="0" rIns="0" tIns="0" bIns="0">
+          <a:bodyPr lIns="0" tIns="0" rIns="0" bIns="0">
             <a:normAutofit/>
           </a:bodyPr>
-          <a:p>
-            <a:endParaRPr b="0" lang="en-US" sz="3200" spc="-1" strike="noStrike">
+          <a:lstStyle/>
+          <a:p>
+            <a:endParaRPr lang="en-US" sz="3200" b="0" strike="noStrike" spc="-1">
               <a:latin typeface="Arial"/>
             </a:endParaRPr>
           </a:p>
@@ -1547,11 +1739,12 @@
           </a:prstGeom>
         </p:spPr>
         <p:txBody>
-          <a:bodyPr lIns="0" rIns="0" tIns="0" bIns="0">
+          <a:bodyPr lIns="0" tIns="0" rIns="0" bIns="0">
             <a:normAutofit/>
           </a:bodyPr>
-          <a:p>
-            <a:endParaRPr b="0" lang="en-US" sz="3200" spc="-1" strike="noStrike">
+          <a:lstStyle/>
+          <a:p>
+            <a:endParaRPr lang="en-US" sz="3200" b="0" strike="noStrike" spc="-1">
               <a:latin typeface="Arial"/>
             </a:endParaRPr>
           </a:p>
@@ -1559,11 +1752,14 @@
       </p:sp>
     </p:spTree>
   </p:cSld>
+  <p:clrMapOvr>
+    <a:masterClrMapping/>
+  </p:clrMapOvr>
 </p:sldLayout>
 </file>
 
 <file path=ppt/slideLayouts/slideLayout23.xml><?xml version="1.0" encoding="utf-8"?>
-<p:sldLayout xmlns:a="http://schemas.openxmlformats.org/drawingml/2006/main" xmlns:p="http://schemas.openxmlformats.org/presentationml/2006/main" xmlns:r="http://schemas.openxmlformats.org/officeDocument/2006/relationships" xmlns:p14="http://schemas.microsoft.com/office/powerpoint/2010/main" xmlns:p15="http://schemas.microsoft.com/office/powerpoint/2012/main" xmlns:mc="http://schemas.openxmlformats.org/markup-compatibility/2006" type="fourObj" preserve="1">
+<p:sldLayout xmlns:a="http://schemas.openxmlformats.org/drawingml/2006/main" xmlns:r="http://schemas.openxmlformats.org/officeDocument/2006/relationships" xmlns:p="http://schemas.openxmlformats.org/presentationml/2006/main" type="fourObj" preserve="1">
   <p:cSld name="Title, 4 Content">
     <p:spTree>
       <p:nvGrpSpPr>
@@ -1599,10 +1795,11 @@
           </a:prstGeom>
         </p:spPr>
         <p:txBody>
-          <a:bodyPr lIns="0" rIns="0" tIns="0" bIns="0" anchor="ctr"/>
+          <a:bodyPr lIns="0" tIns="0" rIns="0" bIns="0" anchor="ctr"/>
+          <a:lstStyle/>
           <a:p>
             <a:pPr algn="ctr"/>
-            <a:endParaRPr b="0" lang="en-US" sz="4400" spc="-1" strike="noStrike">
+            <a:endParaRPr lang="en-US" sz="4400" b="0" strike="noStrike" spc="-1">
               <a:latin typeface="Arial"/>
             </a:endParaRPr>
           </a:p>
@@ -1628,11 +1825,12 @@
           </a:prstGeom>
         </p:spPr>
         <p:txBody>
-          <a:bodyPr lIns="0" rIns="0" tIns="0" bIns="0">
+          <a:bodyPr lIns="0" tIns="0" rIns="0" bIns="0">
             <a:normAutofit/>
           </a:bodyPr>
-          <a:p>
-            <a:endParaRPr b="0" lang="en-US" sz="3200" spc="-1" strike="noStrike">
+          <a:lstStyle/>
+          <a:p>
+            <a:endParaRPr lang="en-US" sz="3200" b="0" strike="noStrike" spc="-1">
               <a:latin typeface="Arial"/>
             </a:endParaRPr>
           </a:p>
@@ -1658,11 +1856,12 @@
           </a:prstGeom>
         </p:spPr>
         <p:txBody>
-          <a:bodyPr lIns="0" rIns="0" tIns="0" bIns="0">
+          <a:bodyPr lIns="0" tIns="0" rIns="0" bIns="0">
             <a:normAutofit/>
           </a:bodyPr>
-          <a:p>
-            <a:endParaRPr b="0" lang="en-US" sz="3200" spc="-1" strike="noStrike">
+          <a:lstStyle/>
+          <a:p>
+            <a:endParaRPr lang="en-US" sz="3200" b="0" strike="noStrike" spc="-1">
               <a:latin typeface="Arial"/>
             </a:endParaRPr>
           </a:p>
@@ -1688,11 +1887,12 @@
           </a:prstGeom>
         </p:spPr>
         <p:txBody>
-          <a:bodyPr lIns="0" rIns="0" tIns="0" bIns="0">
+          <a:bodyPr lIns="0" tIns="0" rIns="0" bIns="0">
             <a:normAutofit/>
           </a:bodyPr>
-          <a:p>
-            <a:endParaRPr b="0" lang="en-US" sz="3200" spc="-1" strike="noStrike">
+          <a:lstStyle/>
+          <a:p>
+            <a:endParaRPr lang="en-US" sz="3200" b="0" strike="noStrike" spc="-1">
               <a:latin typeface="Arial"/>
             </a:endParaRPr>
           </a:p>
@@ -1718,11 +1918,12 @@
           </a:prstGeom>
         </p:spPr>
         <p:txBody>
-          <a:bodyPr lIns="0" rIns="0" tIns="0" bIns="0">
+          <a:bodyPr lIns="0" tIns="0" rIns="0" bIns="0">
             <a:normAutofit/>
           </a:bodyPr>
-          <a:p>
-            <a:endParaRPr b="0" lang="en-US" sz="3200" spc="-1" strike="noStrike">
+          <a:lstStyle/>
+          <a:p>
+            <a:endParaRPr lang="en-US" sz="3200" b="0" strike="noStrike" spc="-1">
               <a:latin typeface="Arial"/>
             </a:endParaRPr>
           </a:p>
@@ -1730,11 +1931,14 @@
       </p:sp>
     </p:spTree>
   </p:cSld>
+  <p:clrMapOvr>
+    <a:masterClrMapping/>
+  </p:clrMapOvr>
 </p:sldLayout>
 </file>
 
 <file path=ppt/slideLayouts/slideLayout24.xml><?xml version="1.0" encoding="utf-8"?>
-<p:sldLayout xmlns:a="http://schemas.openxmlformats.org/drawingml/2006/main" xmlns:p="http://schemas.openxmlformats.org/presentationml/2006/main" xmlns:r="http://schemas.openxmlformats.org/officeDocument/2006/relationships" xmlns:p14="http://schemas.microsoft.com/office/powerpoint/2010/main" xmlns:p15="http://schemas.microsoft.com/office/powerpoint/2012/main" xmlns:mc="http://schemas.openxmlformats.org/markup-compatibility/2006" type="blank" preserve="1">
+<p:sldLayout xmlns:a="http://schemas.openxmlformats.org/drawingml/2006/main" xmlns:r="http://schemas.openxmlformats.org/officeDocument/2006/relationships" xmlns:p="http://schemas.openxmlformats.org/presentationml/2006/main" type="blank" preserve="1">
   <p:cSld name="Title, 6 Content">
     <p:spTree>
       <p:nvGrpSpPr>
@@ -1770,10 +1974,11 @@
           </a:prstGeom>
         </p:spPr>
         <p:txBody>
-          <a:bodyPr lIns="0" rIns="0" tIns="0" bIns="0" anchor="ctr"/>
+          <a:bodyPr lIns="0" tIns="0" rIns="0" bIns="0" anchor="ctr"/>
+          <a:lstStyle/>
           <a:p>
             <a:pPr algn="ctr"/>
-            <a:endParaRPr b="0" lang="en-US" sz="4400" spc="-1" strike="noStrike">
+            <a:endParaRPr lang="en-US" sz="4400" b="0" strike="noStrike" spc="-1">
               <a:latin typeface="Arial"/>
             </a:endParaRPr>
           </a:p>
@@ -1799,11 +2004,12 @@
           </a:prstGeom>
         </p:spPr>
         <p:txBody>
-          <a:bodyPr lIns="0" rIns="0" tIns="0" bIns="0">
+          <a:bodyPr lIns="0" tIns="0" rIns="0" bIns="0">
             <a:normAutofit/>
           </a:bodyPr>
-          <a:p>
-            <a:endParaRPr b="0" lang="en-US" sz="3200" spc="-1" strike="noStrike">
+          <a:lstStyle/>
+          <a:p>
+            <a:endParaRPr lang="en-US" sz="3200" b="0" strike="noStrike" spc="-1">
               <a:latin typeface="Arial"/>
             </a:endParaRPr>
           </a:p>
@@ -1829,11 +2035,12 @@
           </a:prstGeom>
         </p:spPr>
         <p:txBody>
-          <a:bodyPr lIns="0" rIns="0" tIns="0" bIns="0">
+          <a:bodyPr lIns="0" tIns="0" rIns="0" bIns="0">
             <a:normAutofit/>
           </a:bodyPr>
-          <a:p>
-            <a:endParaRPr b="0" lang="en-US" sz="3200" spc="-1" strike="noStrike">
+          <a:lstStyle/>
+          <a:p>
+            <a:endParaRPr lang="en-US" sz="3200" b="0" strike="noStrike" spc="-1">
               <a:latin typeface="Arial"/>
             </a:endParaRPr>
           </a:p>
@@ -1859,11 +2066,12 @@
           </a:prstGeom>
         </p:spPr>
         <p:txBody>
-          <a:bodyPr lIns="0" rIns="0" tIns="0" bIns="0">
+          <a:bodyPr lIns="0" tIns="0" rIns="0" bIns="0">
             <a:normAutofit/>
           </a:bodyPr>
-          <a:p>
-            <a:endParaRPr b="0" lang="en-US" sz="3200" spc="-1" strike="noStrike">
+          <a:lstStyle/>
+          <a:p>
+            <a:endParaRPr lang="en-US" sz="3200" b="0" strike="noStrike" spc="-1">
               <a:latin typeface="Arial"/>
             </a:endParaRPr>
           </a:p>
@@ -1889,11 +2097,12 @@
           </a:prstGeom>
         </p:spPr>
         <p:txBody>
-          <a:bodyPr lIns="0" rIns="0" tIns="0" bIns="0">
+          <a:bodyPr lIns="0" tIns="0" rIns="0" bIns="0">
             <a:normAutofit/>
           </a:bodyPr>
-          <a:p>
-            <a:endParaRPr b="0" lang="en-US" sz="3200" spc="-1" strike="noStrike">
+          <a:lstStyle/>
+          <a:p>
+            <a:endParaRPr lang="en-US" sz="3200" b="0" strike="noStrike" spc="-1">
               <a:latin typeface="Arial"/>
             </a:endParaRPr>
           </a:p>
@@ -1919,11 +2128,12 @@
           </a:prstGeom>
         </p:spPr>
         <p:txBody>
-          <a:bodyPr lIns="0" rIns="0" tIns="0" bIns="0">
+          <a:bodyPr lIns="0" tIns="0" rIns="0" bIns="0">
             <a:normAutofit/>
           </a:bodyPr>
-          <a:p>
-            <a:endParaRPr b="0" lang="en-US" sz="3200" spc="-1" strike="noStrike">
+          <a:lstStyle/>
+          <a:p>
+            <a:endParaRPr lang="en-US" sz="3200" b="0" strike="noStrike" spc="-1">
               <a:latin typeface="Arial"/>
             </a:endParaRPr>
           </a:p>
@@ -1949,11 +2159,12 @@
           </a:prstGeom>
         </p:spPr>
         <p:txBody>
-          <a:bodyPr lIns="0" rIns="0" tIns="0" bIns="0">
+          <a:bodyPr lIns="0" tIns="0" rIns="0" bIns="0">
             <a:normAutofit/>
           </a:bodyPr>
-          <a:p>
-            <a:endParaRPr b="0" lang="en-US" sz="3200" spc="-1" strike="noStrike">
+          <a:lstStyle/>
+          <a:p>
+            <a:endParaRPr lang="en-US" sz="3200" b="0" strike="noStrike" spc="-1">
               <a:latin typeface="Arial"/>
             </a:endParaRPr>
           </a:p>
@@ -1961,11 +2172,14 @@
       </p:sp>
     </p:spTree>
   </p:cSld>
+  <p:clrMapOvr>
+    <a:masterClrMapping/>
+  </p:clrMapOvr>
 </p:sldLayout>
 </file>
 
 <file path=ppt/slideLayouts/slideLayout25.xml><?xml version="1.0" encoding="utf-8"?>
-<p:sldLayout xmlns:a="http://schemas.openxmlformats.org/drawingml/2006/main" xmlns:p="http://schemas.openxmlformats.org/presentationml/2006/main" xmlns:r="http://schemas.openxmlformats.org/officeDocument/2006/relationships" xmlns:p14="http://schemas.microsoft.com/office/powerpoint/2010/main" xmlns:p15="http://schemas.microsoft.com/office/powerpoint/2012/main" xmlns:mc="http://schemas.openxmlformats.org/markup-compatibility/2006" type="blank" preserve="1">
+<p:sldLayout xmlns:a="http://schemas.openxmlformats.org/drawingml/2006/main" xmlns:r="http://schemas.openxmlformats.org/officeDocument/2006/relationships" xmlns:p="http://schemas.openxmlformats.org/presentationml/2006/main" type="blank" preserve="1">
   <p:cSld name="Blank Slide">
     <p:spTree>
       <p:nvGrpSpPr>
@@ -1983,11 +2197,14 @@
       </p:grpSpPr>
     </p:spTree>
   </p:cSld>
+  <p:clrMapOvr>
+    <a:masterClrMapping/>
+  </p:clrMapOvr>
 </p:sldLayout>
 </file>
 
 <file path=ppt/slideLayouts/slideLayout26.xml><?xml version="1.0" encoding="utf-8"?>
-<p:sldLayout xmlns:a="http://schemas.openxmlformats.org/drawingml/2006/main" xmlns:p="http://schemas.openxmlformats.org/presentationml/2006/main" xmlns:r="http://schemas.openxmlformats.org/officeDocument/2006/relationships" xmlns:p14="http://schemas.microsoft.com/office/powerpoint/2010/main" xmlns:p15="http://schemas.microsoft.com/office/powerpoint/2012/main" xmlns:mc="http://schemas.openxmlformats.org/markup-compatibility/2006" type="tx" preserve="1">
+<p:sldLayout xmlns:a="http://schemas.openxmlformats.org/drawingml/2006/main" xmlns:r="http://schemas.openxmlformats.org/officeDocument/2006/relationships" xmlns:p="http://schemas.openxmlformats.org/presentationml/2006/main" type="tx" preserve="1">
   <p:cSld name="Title Slide">
     <p:spTree>
       <p:nvGrpSpPr>
@@ -2023,10 +2240,11 @@
           </a:prstGeom>
         </p:spPr>
         <p:txBody>
-          <a:bodyPr lIns="0" rIns="0" tIns="0" bIns="0" anchor="ctr"/>
+          <a:bodyPr lIns="0" tIns="0" rIns="0" bIns="0" anchor="ctr"/>
+          <a:lstStyle/>
           <a:p>
             <a:pPr algn="ctr"/>
-            <a:endParaRPr b="0" lang="en-US" sz="4400" spc="-1" strike="noStrike">
+            <a:endParaRPr lang="en-US" sz="4400" b="0" strike="noStrike" spc="-1">
               <a:latin typeface="Arial"/>
             </a:endParaRPr>
           </a:p>
@@ -2052,10 +2270,11 @@
           </a:prstGeom>
         </p:spPr>
         <p:txBody>
-          <a:bodyPr lIns="0" rIns="0" tIns="0" bIns="0" anchor="ctr"/>
+          <a:bodyPr lIns="0" tIns="0" rIns="0" bIns="0" anchor="ctr"/>
+          <a:lstStyle/>
           <a:p>
             <a:pPr algn="ctr"/>
-            <a:endParaRPr b="0" lang="en-US" sz="3200" spc="-1" strike="noStrike">
+            <a:endParaRPr lang="en-US" sz="3200" b="0" strike="noStrike" spc="-1">
               <a:latin typeface="Arial"/>
             </a:endParaRPr>
           </a:p>
@@ -2063,11 +2282,14 @@
       </p:sp>
     </p:spTree>
   </p:cSld>
+  <p:clrMapOvr>
+    <a:masterClrMapping/>
+  </p:clrMapOvr>
 </p:sldLayout>
 </file>
 
 <file path=ppt/slideLayouts/slideLayout27.xml><?xml version="1.0" encoding="utf-8"?>
-<p:sldLayout xmlns:a="http://schemas.openxmlformats.org/drawingml/2006/main" xmlns:p="http://schemas.openxmlformats.org/presentationml/2006/main" xmlns:r="http://schemas.openxmlformats.org/officeDocument/2006/relationships" xmlns:p14="http://schemas.microsoft.com/office/powerpoint/2010/main" xmlns:p15="http://schemas.microsoft.com/office/powerpoint/2012/main" xmlns:mc="http://schemas.openxmlformats.org/markup-compatibility/2006" type="obj" preserve="1">
+<p:sldLayout xmlns:a="http://schemas.openxmlformats.org/drawingml/2006/main" xmlns:r="http://schemas.openxmlformats.org/officeDocument/2006/relationships" xmlns:p="http://schemas.openxmlformats.org/presentationml/2006/main" type="obj" preserve="1">
   <p:cSld name="Title, Content">
     <p:spTree>
       <p:nvGrpSpPr>
@@ -2103,10 +2325,11 @@
           </a:prstGeom>
         </p:spPr>
         <p:txBody>
-          <a:bodyPr lIns="0" rIns="0" tIns="0" bIns="0" anchor="ctr"/>
+          <a:bodyPr lIns="0" tIns="0" rIns="0" bIns="0" anchor="ctr"/>
+          <a:lstStyle/>
           <a:p>
             <a:pPr algn="ctr"/>
-            <a:endParaRPr b="0" lang="en-US" sz="4400" spc="-1" strike="noStrike">
+            <a:endParaRPr lang="en-US" sz="4400" b="0" strike="noStrike" spc="-1">
               <a:latin typeface="Arial"/>
             </a:endParaRPr>
           </a:p>
@@ -2132,11 +2355,12 @@
           </a:prstGeom>
         </p:spPr>
         <p:txBody>
-          <a:bodyPr lIns="0" rIns="0" tIns="0" bIns="0">
+          <a:bodyPr lIns="0" tIns="0" rIns="0" bIns="0">
             <a:normAutofit/>
           </a:bodyPr>
-          <a:p>
-            <a:endParaRPr b="0" lang="en-US" sz="3200" spc="-1" strike="noStrike">
+          <a:lstStyle/>
+          <a:p>
+            <a:endParaRPr lang="en-US" sz="3200" b="0" strike="noStrike" spc="-1">
               <a:latin typeface="Arial"/>
             </a:endParaRPr>
           </a:p>
@@ -2144,11 +2368,14 @@
       </p:sp>
     </p:spTree>
   </p:cSld>
+  <p:clrMapOvr>
+    <a:masterClrMapping/>
+  </p:clrMapOvr>
 </p:sldLayout>
 </file>
 
 <file path=ppt/slideLayouts/slideLayout28.xml><?xml version="1.0" encoding="utf-8"?>
-<p:sldLayout xmlns:a="http://schemas.openxmlformats.org/drawingml/2006/main" xmlns:p="http://schemas.openxmlformats.org/presentationml/2006/main" xmlns:r="http://schemas.openxmlformats.org/officeDocument/2006/relationships" xmlns:p14="http://schemas.microsoft.com/office/powerpoint/2010/main" xmlns:p15="http://schemas.microsoft.com/office/powerpoint/2012/main" xmlns:mc="http://schemas.openxmlformats.org/markup-compatibility/2006" type="twoObj" preserve="1">
+<p:sldLayout xmlns:a="http://schemas.openxmlformats.org/drawingml/2006/main" xmlns:r="http://schemas.openxmlformats.org/officeDocument/2006/relationships" xmlns:p="http://schemas.openxmlformats.org/presentationml/2006/main" type="twoObj" preserve="1">
   <p:cSld name="Title, 2 Content">
     <p:spTree>
       <p:nvGrpSpPr>
@@ -2184,10 +2411,11 @@
           </a:prstGeom>
         </p:spPr>
         <p:txBody>
-          <a:bodyPr lIns="0" rIns="0" tIns="0" bIns="0" anchor="ctr"/>
+          <a:bodyPr lIns="0" tIns="0" rIns="0" bIns="0" anchor="ctr"/>
+          <a:lstStyle/>
           <a:p>
             <a:pPr algn="ctr"/>
-            <a:endParaRPr b="0" lang="en-US" sz="4400" spc="-1" strike="noStrike">
+            <a:endParaRPr lang="en-US" sz="4400" b="0" strike="noStrike" spc="-1">
               <a:latin typeface="Arial"/>
             </a:endParaRPr>
           </a:p>
@@ -2213,11 +2441,12 @@
           </a:prstGeom>
         </p:spPr>
         <p:txBody>
-          <a:bodyPr lIns="0" rIns="0" tIns="0" bIns="0">
+          <a:bodyPr lIns="0" tIns="0" rIns="0" bIns="0">
             <a:normAutofit/>
           </a:bodyPr>
-          <a:p>
-            <a:endParaRPr b="0" lang="en-US" sz="3200" spc="-1" strike="noStrike">
+          <a:lstStyle/>
+          <a:p>
+            <a:endParaRPr lang="en-US" sz="3200" b="0" strike="noStrike" spc="-1">
               <a:latin typeface="Arial"/>
             </a:endParaRPr>
           </a:p>
@@ -2243,11 +2472,12 @@
           </a:prstGeom>
         </p:spPr>
         <p:txBody>
-          <a:bodyPr lIns="0" rIns="0" tIns="0" bIns="0">
+          <a:bodyPr lIns="0" tIns="0" rIns="0" bIns="0">
             <a:normAutofit/>
           </a:bodyPr>
-          <a:p>
-            <a:endParaRPr b="0" lang="en-US" sz="3200" spc="-1" strike="noStrike">
+          <a:lstStyle/>
+          <a:p>
+            <a:endParaRPr lang="en-US" sz="3200" b="0" strike="noStrike" spc="-1">
               <a:latin typeface="Arial"/>
             </a:endParaRPr>
           </a:p>
@@ -2255,11 +2485,14 @@
       </p:sp>
     </p:spTree>
   </p:cSld>
+  <p:clrMapOvr>
+    <a:masterClrMapping/>
+  </p:clrMapOvr>
 </p:sldLayout>
 </file>
 
 <file path=ppt/slideLayouts/slideLayout29.xml><?xml version="1.0" encoding="utf-8"?>
-<p:sldLayout xmlns:a="http://schemas.openxmlformats.org/drawingml/2006/main" xmlns:p="http://schemas.openxmlformats.org/presentationml/2006/main" xmlns:r="http://schemas.openxmlformats.org/officeDocument/2006/relationships" xmlns:p14="http://schemas.microsoft.com/office/powerpoint/2010/main" xmlns:p15="http://schemas.microsoft.com/office/powerpoint/2012/main" xmlns:mc="http://schemas.openxmlformats.org/markup-compatibility/2006" type="titleOnly" preserve="1">
+<p:sldLayout xmlns:a="http://schemas.openxmlformats.org/drawingml/2006/main" xmlns:r="http://schemas.openxmlformats.org/officeDocument/2006/relationships" xmlns:p="http://schemas.openxmlformats.org/presentationml/2006/main" type="titleOnly" preserve="1">
   <p:cSld name="Title Only">
     <p:spTree>
       <p:nvGrpSpPr>
@@ -2295,10 +2528,11 @@
           </a:prstGeom>
         </p:spPr>
         <p:txBody>
-          <a:bodyPr lIns="0" rIns="0" tIns="0" bIns="0" anchor="ctr"/>
+          <a:bodyPr lIns="0" tIns="0" rIns="0" bIns="0" anchor="ctr"/>
+          <a:lstStyle/>
           <a:p>
             <a:pPr algn="ctr"/>
-            <a:endParaRPr b="0" lang="en-US" sz="4400" spc="-1" strike="noStrike">
+            <a:endParaRPr lang="en-US" sz="4400" b="0" strike="noStrike" spc="-1">
               <a:latin typeface="Arial"/>
             </a:endParaRPr>
           </a:p>
@@ -2306,11 +2540,14 @@
       </p:sp>
     </p:spTree>
   </p:cSld>
+  <p:clrMapOvr>
+    <a:masterClrMapping/>
+  </p:clrMapOvr>
 </p:sldLayout>
 </file>
 
 <file path=ppt/slideLayouts/slideLayout3.xml><?xml version="1.0" encoding="utf-8"?>
-<p:sldLayout xmlns:a="http://schemas.openxmlformats.org/drawingml/2006/main" xmlns:p="http://schemas.openxmlformats.org/presentationml/2006/main" xmlns:r="http://schemas.openxmlformats.org/officeDocument/2006/relationships" xmlns:p14="http://schemas.microsoft.com/office/powerpoint/2010/main" xmlns:p15="http://schemas.microsoft.com/office/powerpoint/2012/main" xmlns:mc="http://schemas.openxmlformats.org/markup-compatibility/2006" type="obj" preserve="1">
+<p:sldLayout xmlns:a="http://schemas.openxmlformats.org/drawingml/2006/main" xmlns:r="http://schemas.openxmlformats.org/officeDocument/2006/relationships" xmlns:p="http://schemas.openxmlformats.org/presentationml/2006/main" type="obj" preserve="1">
   <p:cSld name="Title, Content">
     <p:spTree>
       <p:nvGrpSpPr>
@@ -2346,10 +2583,11 @@
           </a:prstGeom>
         </p:spPr>
         <p:txBody>
-          <a:bodyPr lIns="0" rIns="0" tIns="0" bIns="0" anchor="ctr"/>
+          <a:bodyPr lIns="0" tIns="0" rIns="0" bIns="0" anchor="ctr"/>
+          <a:lstStyle/>
           <a:p>
             <a:pPr algn="ctr"/>
-            <a:endParaRPr b="0" lang="en-US" sz="4400" spc="-1" strike="noStrike">
+            <a:endParaRPr lang="en-US" sz="4400" b="0" strike="noStrike" spc="-1">
               <a:latin typeface="Arial"/>
             </a:endParaRPr>
           </a:p>
@@ -2375,11 +2613,12 @@
           </a:prstGeom>
         </p:spPr>
         <p:txBody>
-          <a:bodyPr lIns="0" rIns="0" tIns="0" bIns="0">
+          <a:bodyPr lIns="0" tIns="0" rIns="0" bIns="0">
             <a:normAutofit/>
           </a:bodyPr>
-          <a:p>
-            <a:endParaRPr b="0" lang="en-US" sz="3200" spc="-1" strike="noStrike">
+          <a:lstStyle/>
+          <a:p>
+            <a:endParaRPr lang="en-US" sz="3200" b="0" strike="noStrike" spc="-1">
               <a:latin typeface="Arial"/>
             </a:endParaRPr>
           </a:p>
@@ -2387,11 +2626,14 @@
       </p:sp>
     </p:spTree>
   </p:cSld>
+  <p:clrMapOvr>
+    <a:masterClrMapping/>
+  </p:clrMapOvr>
 </p:sldLayout>
 </file>
 
 <file path=ppt/slideLayouts/slideLayout30.xml><?xml version="1.0" encoding="utf-8"?>
-<p:sldLayout xmlns:a="http://schemas.openxmlformats.org/drawingml/2006/main" xmlns:p="http://schemas.openxmlformats.org/presentationml/2006/main" xmlns:r="http://schemas.openxmlformats.org/officeDocument/2006/relationships" xmlns:p14="http://schemas.microsoft.com/office/powerpoint/2010/main" xmlns:p15="http://schemas.microsoft.com/office/powerpoint/2012/main" xmlns:mc="http://schemas.openxmlformats.org/markup-compatibility/2006" type="objOnly" preserve="1">
+<p:sldLayout xmlns:a="http://schemas.openxmlformats.org/drawingml/2006/main" xmlns:r="http://schemas.openxmlformats.org/officeDocument/2006/relationships" xmlns:p="http://schemas.openxmlformats.org/presentationml/2006/main" type="objOnly" preserve="1">
   <p:cSld name="Centered Text">
     <p:spTree>
       <p:nvGrpSpPr>
@@ -2427,10 +2669,11 @@
           </a:prstGeom>
         </p:spPr>
         <p:txBody>
-          <a:bodyPr lIns="0" rIns="0" tIns="0" bIns="0" anchor="ctr"/>
+          <a:bodyPr lIns="0" tIns="0" rIns="0" bIns="0" anchor="ctr"/>
+          <a:lstStyle/>
           <a:p>
             <a:pPr algn="ctr"/>
-            <a:endParaRPr b="0" lang="en-US" sz="3200" spc="-1" strike="noStrike">
+            <a:endParaRPr lang="en-US" sz="3200" b="0" strike="noStrike" spc="-1">
               <a:latin typeface="Arial"/>
             </a:endParaRPr>
           </a:p>
@@ -2438,11 +2681,14 @@
       </p:sp>
     </p:spTree>
   </p:cSld>
+  <p:clrMapOvr>
+    <a:masterClrMapping/>
+  </p:clrMapOvr>
 </p:sldLayout>
 </file>
 
 <file path=ppt/slideLayouts/slideLayout31.xml><?xml version="1.0" encoding="utf-8"?>
-<p:sldLayout xmlns:a="http://schemas.openxmlformats.org/drawingml/2006/main" xmlns:p="http://schemas.openxmlformats.org/presentationml/2006/main" xmlns:r="http://schemas.openxmlformats.org/officeDocument/2006/relationships" xmlns:p14="http://schemas.microsoft.com/office/powerpoint/2010/main" xmlns:p15="http://schemas.microsoft.com/office/powerpoint/2012/main" xmlns:mc="http://schemas.openxmlformats.org/markup-compatibility/2006" type="twoObjAndObj" preserve="1">
+<p:sldLayout xmlns:a="http://schemas.openxmlformats.org/drawingml/2006/main" xmlns:r="http://schemas.openxmlformats.org/officeDocument/2006/relationships" xmlns:p="http://schemas.openxmlformats.org/presentationml/2006/main" type="twoObjAndObj" preserve="1">
   <p:cSld name="Title, 2 Content and Content">
     <p:spTree>
       <p:nvGrpSpPr>
@@ -2478,10 +2724,11 @@
           </a:prstGeom>
         </p:spPr>
         <p:txBody>
-          <a:bodyPr lIns="0" rIns="0" tIns="0" bIns="0" anchor="ctr"/>
+          <a:bodyPr lIns="0" tIns="0" rIns="0" bIns="0" anchor="ctr"/>
+          <a:lstStyle/>
           <a:p>
             <a:pPr algn="ctr"/>
-            <a:endParaRPr b="0" lang="en-US" sz="4400" spc="-1" strike="noStrike">
+            <a:endParaRPr lang="en-US" sz="4400" b="0" strike="noStrike" spc="-1">
               <a:latin typeface="Arial"/>
             </a:endParaRPr>
           </a:p>
@@ -2507,11 +2754,12 @@
           </a:prstGeom>
         </p:spPr>
         <p:txBody>
-          <a:bodyPr lIns="0" rIns="0" tIns="0" bIns="0">
+          <a:bodyPr lIns="0" tIns="0" rIns="0" bIns="0">
             <a:normAutofit/>
           </a:bodyPr>
-          <a:p>
-            <a:endParaRPr b="0" lang="en-US" sz="3200" spc="-1" strike="noStrike">
+          <a:lstStyle/>
+          <a:p>
+            <a:endParaRPr lang="en-US" sz="3200" b="0" strike="noStrike" spc="-1">
               <a:latin typeface="Arial"/>
             </a:endParaRPr>
           </a:p>
@@ -2537,11 +2785,12 @@
           </a:prstGeom>
         </p:spPr>
         <p:txBody>
-          <a:bodyPr lIns="0" rIns="0" tIns="0" bIns="0">
+          <a:bodyPr lIns="0" tIns="0" rIns="0" bIns="0">
             <a:normAutofit/>
           </a:bodyPr>
-          <a:p>
-            <a:endParaRPr b="0" lang="en-US" sz="3200" spc="-1" strike="noStrike">
+          <a:lstStyle/>
+          <a:p>
+            <a:endParaRPr lang="en-US" sz="3200" b="0" strike="noStrike" spc="-1">
               <a:latin typeface="Arial"/>
             </a:endParaRPr>
           </a:p>
@@ -2567,11 +2816,12 @@
           </a:prstGeom>
         </p:spPr>
         <p:txBody>
-          <a:bodyPr lIns="0" rIns="0" tIns="0" bIns="0">
+          <a:bodyPr lIns="0" tIns="0" rIns="0" bIns="0">
             <a:normAutofit/>
           </a:bodyPr>
-          <a:p>
-            <a:endParaRPr b="0" lang="en-US" sz="3200" spc="-1" strike="noStrike">
+          <a:lstStyle/>
+          <a:p>
+            <a:endParaRPr lang="en-US" sz="3200" b="0" strike="noStrike" spc="-1">
               <a:latin typeface="Arial"/>
             </a:endParaRPr>
           </a:p>
@@ -2579,11 +2829,14 @@
       </p:sp>
     </p:spTree>
   </p:cSld>
+  <p:clrMapOvr>
+    <a:masterClrMapping/>
+  </p:clrMapOvr>
 </p:sldLayout>
 </file>
 
 <file path=ppt/slideLayouts/slideLayout32.xml><?xml version="1.0" encoding="utf-8"?>
-<p:sldLayout xmlns:a="http://schemas.openxmlformats.org/drawingml/2006/main" xmlns:p="http://schemas.openxmlformats.org/presentationml/2006/main" xmlns:r="http://schemas.openxmlformats.org/officeDocument/2006/relationships" xmlns:p14="http://schemas.microsoft.com/office/powerpoint/2010/main" xmlns:p15="http://schemas.microsoft.com/office/powerpoint/2012/main" xmlns:mc="http://schemas.openxmlformats.org/markup-compatibility/2006" type="objAndTwoObj" preserve="1">
+<p:sldLayout xmlns:a="http://schemas.openxmlformats.org/drawingml/2006/main" xmlns:r="http://schemas.openxmlformats.org/officeDocument/2006/relationships" xmlns:p="http://schemas.openxmlformats.org/presentationml/2006/main" type="objAndTwoObj" preserve="1">
   <p:cSld name="Title Content and 2 Content">
     <p:spTree>
       <p:nvGrpSpPr>
@@ -2619,10 +2872,11 @@
           </a:prstGeom>
         </p:spPr>
         <p:txBody>
-          <a:bodyPr lIns="0" rIns="0" tIns="0" bIns="0" anchor="ctr"/>
+          <a:bodyPr lIns="0" tIns="0" rIns="0" bIns="0" anchor="ctr"/>
+          <a:lstStyle/>
           <a:p>
             <a:pPr algn="ctr"/>
-            <a:endParaRPr b="0" lang="en-US" sz="4400" spc="-1" strike="noStrike">
+            <a:endParaRPr lang="en-US" sz="4400" b="0" strike="noStrike" spc="-1">
               <a:latin typeface="Arial"/>
             </a:endParaRPr>
           </a:p>
@@ -2648,11 +2902,12 @@
           </a:prstGeom>
         </p:spPr>
         <p:txBody>
-          <a:bodyPr lIns="0" rIns="0" tIns="0" bIns="0">
+          <a:bodyPr lIns="0" tIns="0" rIns="0" bIns="0">
             <a:normAutofit/>
           </a:bodyPr>
-          <a:p>
-            <a:endParaRPr b="0" lang="en-US" sz="3200" spc="-1" strike="noStrike">
+          <a:lstStyle/>
+          <a:p>
+            <a:endParaRPr lang="en-US" sz="3200" b="0" strike="noStrike" spc="-1">
               <a:latin typeface="Arial"/>
             </a:endParaRPr>
           </a:p>
@@ -2678,11 +2933,12 @@
           </a:prstGeom>
         </p:spPr>
         <p:txBody>
-          <a:bodyPr lIns="0" rIns="0" tIns="0" bIns="0">
+          <a:bodyPr lIns="0" tIns="0" rIns="0" bIns="0">
             <a:normAutofit/>
           </a:bodyPr>
-          <a:p>
-            <a:endParaRPr b="0" lang="en-US" sz="3200" spc="-1" strike="noStrike">
+          <a:lstStyle/>
+          <a:p>
+            <a:endParaRPr lang="en-US" sz="3200" b="0" strike="noStrike" spc="-1">
               <a:latin typeface="Arial"/>
             </a:endParaRPr>
           </a:p>
@@ -2708,11 +2964,12 @@
           </a:prstGeom>
         </p:spPr>
         <p:txBody>
-          <a:bodyPr lIns="0" rIns="0" tIns="0" bIns="0">
+          <a:bodyPr lIns="0" tIns="0" rIns="0" bIns="0">
             <a:normAutofit/>
           </a:bodyPr>
-          <a:p>
-            <a:endParaRPr b="0" lang="en-US" sz="3200" spc="-1" strike="noStrike">
+          <a:lstStyle/>
+          <a:p>
+            <a:endParaRPr lang="en-US" sz="3200" b="0" strike="noStrike" spc="-1">
               <a:latin typeface="Arial"/>
             </a:endParaRPr>
           </a:p>
@@ -2720,11 +2977,14 @@
       </p:sp>
     </p:spTree>
   </p:cSld>
+  <p:clrMapOvr>
+    <a:masterClrMapping/>
+  </p:clrMapOvr>
 </p:sldLayout>
 </file>
 
 <file path=ppt/slideLayouts/slideLayout33.xml><?xml version="1.0" encoding="utf-8"?>
-<p:sldLayout xmlns:a="http://schemas.openxmlformats.org/drawingml/2006/main" xmlns:p="http://schemas.openxmlformats.org/presentationml/2006/main" xmlns:r="http://schemas.openxmlformats.org/officeDocument/2006/relationships" xmlns:p14="http://schemas.microsoft.com/office/powerpoint/2010/main" xmlns:p15="http://schemas.microsoft.com/office/powerpoint/2012/main" xmlns:mc="http://schemas.openxmlformats.org/markup-compatibility/2006" type="twoObjOverTx" preserve="1">
+<p:sldLayout xmlns:a="http://schemas.openxmlformats.org/drawingml/2006/main" xmlns:r="http://schemas.openxmlformats.org/officeDocument/2006/relationships" xmlns:p="http://schemas.openxmlformats.org/presentationml/2006/main" type="twoObjOverTx" preserve="1">
   <p:cSld name="Title, 2 Content over Content">
     <p:spTree>
       <p:nvGrpSpPr>
@@ -2760,10 +3020,11 @@
           </a:prstGeom>
         </p:spPr>
         <p:txBody>
-          <a:bodyPr lIns="0" rIns="0" tIns="0" bIns="0" anchor="ctr"/>
+          <a:bodyPr lIns="0" tIns="0" rIns="0" bIns="0" anchor="ctr"/>
+          <a:lstStyle/>
           <a:p>
             <a:pPr algn="ctr"/>
-            <a:endParaRPr b="0" lang="en-US" sz="4400" spc="-1" strike="noStrike">
+            <a:endParaRPr lang="en-US" sz="4400" b="0" strike="noStrike" spc="-1">
               <a:latin typeface="Arial"/>
             </a:endParaRPr>
           </a:p>
@@ -2789,11 +3050,12 @@
           </a:prstGeom>
         </p:spPr>
         <p:txBody>
-          <a:bodyPr lIns="0" rIns="0" tIns="0" bIns="0">
+          <a:bodyPr lIns="0" tIns="0" rIns="0" bIns="0">
             <a:normAutofit/>
           </a:bodyPr>
-          <a:p>
-            <a:endParaRPr b="0" lang="en-US" sz="3200" spc="-1" strike="noStrike">
+          <a:lstStyle/>
+          <a:p>
+            <a:endParaRPr lang="en-US" sz="3200" b="0" strike="noStrike" spc="-1">
               <a:latin typeface="Arial"/>
             </a:endParaRPr>
           </a:p>
@@ -2819,11 +3081,12 @@
           </a:prstGeom>
         </p:spPr>
         <p:txBody>
-          <a:bodyPr lIns="0" rIns="0" tIns="0" bIns="0">
+          <a:bodyPr lIns="0" tIns="0" rIns="0" bIns="0">
             <a:normAutofit/>
           </a:bodyPr>
-          <a:p>
-            <a:endParaRPr b="0" lang="en-US" sz="3200" spc="-1" strike="noStrike">
+          <a:lstStyle/>
+          <a:p>
+            <a:endParaRPr lang="en-US" sz="3200" b="0" strike="noStrike" spc="-1">
               <a:latin typeface="Arial"/>
             </a:endParaRPr>
           </a:p>
@@ -2849,11 +3112,12 @@
           </a:prstGeom>
         </p:spPr>
         <p:txBody>
-          <a:bodyPr lIns="0" rIns="0" tIns="0" bIns="0">
+          <a:bodyPr lIns="0" tIns="0" rIns="0" bIns="0">
             <a:normAutofit/>
           </a:bodyPr>
-          <a:p>
-            <a:endParaRPr b="0" lang="en-US" sz="3200" spc="-1" strike="noStrike">
+          <a:lstStyle/>
+          <a:p>
+            <a:endParaRPr lang="en-US" sz="3200" b="0" strike="noStrike" spc="-1">
               <a:latin typeface="Arial"/>
             </a:endParaRPr>
           </a:p>
@@ -2861,11 +3125,14 @@
       </p:sp>
     </p:spTree>
   </p:cSld>
+  <p:clrMapOvr>
+    <a:masterClrMapping/>
+  </p:clrMapOvr>
 </p:sldLayout>
 </file>
 
 <file path=ppt/slideLayouts/slideLayout34.xml><?xml version="1.0" encoding="utf-8"?>
-<p:sldLayout xmlns:a="http://schemas.openxmlformats.org/drawingml/2006/main" xmlns:p="http://schemas.openxmlformats.org/presentationml/2006/main" xmlns:r="http://schemas.openxmlformats.org/officeDocument/2006/relationships" xmlns:p14="http://schemas.microsoft.com/office/powerpoint/2010/main" xmlns:p15="http://schemas.microsoft.com/office/powerpoint/2012/main" xmlns:mc="http://schemas.openxmlformats.org/markup-compatibility/2006" type="objOverTx" preserve="1">
+<p:sldLayout xmlns:a="http://schemas.openxmlformats.org/drawingml/2006/main" xmlns:r="http://schemas.openxmlformats.org/officeDocument/2006/relationships" xmlns:p="http://schemas.openxmlformats.org/presentationml/2006/main" type="objOverTx" preserve="1">
   <p:cSld name="Title, Content over Content">
     <p:spTree>
       <p:nvGrpSpPr>
@@ -2901,10 +3168,11 @@
           </a:prstGeom>
         </p:spPr>
         <p:txBody>
-          <a:bodyPr lIns="0" rIns="0" tIns="0" bIns="0" anchor="ctr"/>
+          <a:bodyPr lIns="0" tIns="0" rIns="0" bIns="0" anchor="ctr"/>
+          <a:lstStyle/>
           <a:p>
             <a:pPr algn="ctr"/>
-            <a:endParaRPr b="0" lang="en-US" sz="4400" spc="-1" strike="noStrike">
+            <a:endParaRPr lang="en-US" sz="4400" b="0" strike="noStrike" spc="-1">
               <a:latin typeface="Arial"/>
             </a:endParaRPr>
           </a:p>
@@ -2930,11 +3198,12 @@
           </a:prstGeom>
         </p:spPr>
         <p:txBody>
-          <a:bodyPr lIns="0" rIns="0" tIns="0" bIns="0">
+          <a:bodyPr lIns="0" tIns="0" rIns="0" bIns="0">
             <a:normAutofit/>
           </a:bodyPr>
-          <a:p>
-            <a:endParaRPr b="0" lang="en-US" sz="3200" spc="-1" strike="noStrike">
+          <a:lstStyle/>
+          <a:p>
+            <a:endParaRPr lang="en-US" sz="3200" b="0" strike="noStrike" spc="-1">
               <a:latin typeface="Arial"/>
             </a:endParaRPr>
           </a:p>
@@ -2960,11 +3229,12 @@
           </a:prstGeom>
         </p:spPr>
         <p:txBody>
-          <a:bodyPr lIns="0" rIns="0" tIns="0" bIns="0">
+          <a:bodyPr lIns="0" tIns="0" rIns="0" bIns="0">
             <a:normAutofit/>
           </a:bodyPr>
-          <a:p>
-            <a:endParaRPr b="0" lang="en-US" sz="3200" spc="-1" strike="noStrike">
+          <a:lstStyle/>
+          <a:p>
+            <a:endParaRPr lang="en-US" sz="3200" b="0" strike="noStrike" spc="-1">
               <a:latin typeface="Arial"/>
             </a:endParaRPr>
           </a:p>
@@ -2972,11 +3242,14 @@
       </p:sp>
     </p:spTree>
   </p:cSld>
+  <p:clrMapOvr>
+    <a:masterClrMapping/>
+  </p:clrMapOvr>
 </p:sldLayout>
 </file>
 
 <file path=ppt/slideLayouts/slideLayout35.xml><?xml version="1.0" encoding="utf-8"?>
-<p:sldLayout xmlns:a="http://schemas.openxmlformats.org/drawingml/2006/main" xmlns:p="http://schemas.openxmlformats.org/presentationml/2006/main" xmlns:r="http://schemas.openxmlformats.org/officeDocument/2006/relationships" xmlns:p14="http://schemas.microsoft.com/office/powerpoint/2010/main" xmlns:p15="http://schemas.microsoft.com/office/powerpoint/2012/main" xmlns:mc="http://schemas.openxmlformats.org/markup-compatibility/2006" type="fourObj" preserve="1">
+<p:sldLayout xmlns:a="http://schemas.openxmlformats.org/drawingml/2006/main" xmlns:r="http://schemas.openxmlformats.org/officeDocument/2006/relationships" xmlns:p="http://schemas.openxmlformats.org/presentationml/2006/main" type="fourObj" preserve="1">
   <p:cSld name="Title, 4 Content">
     <p:spTree>
       <p:nvGrpSpPr>
@@ -3012,10 +3285,11 @@
           </a:prstGeom>
         </p:spPr>
         <p:txBody>
-          <a:bodyPr lIns="0" rIns="0" tIns="0" bIns="0" anchor="ctr"/>
+          <a:bodyPr lIns="0" tIns="0" rIns="0" bIns="0" anchor="ctr"/>
+          <a:lstStyle/>
           <a:p>
             <a:pPr algn="ctr"/>
-            <a:endParaRPr b="0" lang="en-US" sz="4400" spc="-1" strike="noStrike">
+            <a:endParaRPr lang="en-US" sz="4400" b="0" strike="noStrike" spc="-1">
               <a:latin typeface="Arial"/>
             </a:endParaRPr>
           </a:p>
@@ -3041,11 +3315,12 @@
           </a:prstGeom>
         </p:spPr>
         <p:txBody>
-          <a:bodyPr lIns="0" rIns="0" tIns="0" bIns="0">
+          <a:bodyPr lIns="0" tIns="0" rIns="0" bIns="0">
             <a:normAutofit/>
           </a:bodyPr>
-          <a:p>
-            <a:endParaRPr b="0" lang="en-US" sz="3200" spc="-1" strike="noStrike">
+          <a:lstStyle/>
+          <a:p>
+            <a:endParaRPr lang="en-US" sz="3200" b="0" strike="noStrike" spc="-1">
               <a:latin typeface="Arial"/>
             </a:endParaRPr>
           </a:p>
@@ -3071,11 +3346,12 @@
           </a:prstGeom>
         </p:spPr>
         <p:txBody>
-          <a:bodyPr lIns="0" rIns="0" tIns="0" bIns="0">
+          <a:bodyPr lIns="0" tIns="0" rIns="0" bIns="0">
             <a:normAutofit/>
           </a:bodyPr>
-          <a:p>
-            <a:endParaRPr b="0" lang="en-US" sz="3200" spc="-1" strike="noStrike">
+          <a:lstStyle/>
+          <a:p>
+            <a:endParaRPr lang="en-US" sz="3200" b="0" strike="noStrike" spc="-1">
               <a:latin typeface="Arial"/>
             </a:endParaRPr>
           </a:p>
@@ -3101,11 +3377,12 @@
           </a:prstGeom>
         </p:spPr>
         <p:txBody>
-          <a:bodyPr lIns="0" rIns="0" tIns="0" bIns="0">
+          <a:bodyPr lIns="0" tIns="0" rIns="0" bIns="0">
             <a:normAutofit/>
           </a:bodyPr>
-          <a:p>
-            <a:endParaRPr b="0" lang="en-US" sz="3200" spc="-1" strike="noStrike">
+          <a:lstStyle/>
+          <a:p>
+            <a:endParaRPr lang="en-US" sz="3200" b="0" strike="noStrike" spc="-1">
               <a:latin typeface="Arial"/>
             </a:endParaRPr>
           </a:p>
@@ -3131,11 +3408,12 @@
           </a:prstGeom>
         </p:spPr>
         <p:txBody>
-          <a:bodyPr lIns="0" rIns="0" tIns="0" bIns="0">
+          <a:bodyPr lIns="0" tIns="0" rIns="0" bIns="0">
             <a:normAutofit/>
           </a:bodyPr>
-          <a:p>
-            <a:endParaRPr b="0" lang="en-US" sz="3200" spc="-1" strike="noStrike">
+          <a:lstStyle/>
+          <a:p>
+            <a:endParaRPr lang="en-US" sz="3200" b="0" strike="noStrike" spc="-1">
               <a:latin typeface="Arial"/>
             </a:endParaRPr>
           </a:p>
@@ -3143,11 +3421,14 @@
       </p:sp>
     </p:spTree>
   </p:cSld>
+  <p:clrMapOvr>
+    <a:masterClrMapping/>
+  </p:clrMapOvr>
 </p:sldLayout>
 </file>
 
 <file path=ppt/slideLayouts/slideLayout36.xml><?xml version="1.0" encoding="utf-8"?>
-<p:sldLayout xmlns:a="http://schemas.openxmlformats.org/drawingml/2006/main" xmlns:p="http://schemas.openxmlformats.org/presentationml/2006/main" xmlns:r="http://schemas.openxmlformats.org/officeDocument/2006/relationships" xmlns:p14="http://schemas.microsoft.com/office/powerpoint/2010/main" xmlns:p15="http://schemas.microsoft.com/office/powerpoint/2012/main" xmlns:mc="http://schemas.openxmlformats.org/markup-compatibility/2006" type="blank" preserve="1">
+<p:sldLayout xmlns:a="http://schemas.openxmlformats.org/drawingml/2006/main" xmlns:r="http://schemas.openxmlformats.org/officeDocument/2006/relationships" xmlns:p="http://schemas.openxmlformats.org/presentationml/2006/main" type="blank" preserve="1">
   <p:cSld name="Title, 6 Content">
     <p:spTree>
       <p:nvGrpSpPr>
@@ -3183,10 +3464,11 @@
           </a:prstGeom>
         </p:spPr>
         <p:txBody>
-          <a:bodyPr lIns="0" rIns="0" tIns="0" bIns="0" anchor="ctr"/>
+          <a:bodyPr lIns="0" tIns="0" rIns="0" bIns="0" anchor="ctr"/>
+          <a:lstStyle/>
           <a:p>
             <a:pPr algn="ctr"/>
-            <a:endParaRPr b="0" lang="en-US" sz="4400" spc="-1" strike="noStrike">
+            <a:endParaRPr lang="en-US" sz="4400" b="0" strike="noStrike" spc="-1">
               <a:latin typeface="Arial"/>
             </a:endParaRPr>
           </a:p>
@@ -3212,11 +3494,12 @@
           </a:prstGeom>
         </p:spPr>
         <p:txBody>
-          <a:bodyPr lIns="0" rIns="0" tIns="0" bIns="0">
+          <a:bodyPr lIns="0" tIns="0" rIns="0" bIns="0">
             <a:normAutofit/>
           </a:bodyPr>
-          <a:p>
-            <a:endParaRPr b="0" lang="en-US" sz="3200" spc="-1" strike="noStrike">
+          <a:lstStyle/>
+          <a:p>
+            <a:endParaRPr lang="en-US" sz="3200" b="0" strike="noStrike" spc="-1">
               <a:latin typeface="Arial"/>
             </a:endParaRPr>
           </a:p>
@@ -3242,11 +3525,12 @@
           </a:prstGeom>
         </p:spPr>
         <p:txBody>
-          <a:bodyPr lIns="0" rIns="0" tIns="0" bIns="0">
+          <a:bodyPr lIns="0" tIns="0" rIns="0" bIns="0">
             <a:normAutofit/>
           </a:bodyPr>
-          <a:p>
-            <a:endParaRPr b="0" lang="en-US" sz="3200" spc="-1" strike="noStrike">
+          <a:lstStyle/>
+          <a:p>
+            <a:endParaRPr lang="en-US" sz="3200" b="0" strike="noStrike" spc="-1">
               <a:latin typeface="Arial"/>
             </a:endParaRPr>
           </a:p>
@@ -3272,11 +3556,12 @@
           </a:prstGeom>
         </p:spPr>
         <p:txBody>
-          <a:bodyPr lIns="0" rIns="0" tIns="0" bIns="0">
+          <a:bodyPr lIns="0" tIns="0" rIns="0" bIns="0">
             <a:normAutofit/>
           </a:bodyPr>
-          <a:p>
-            <a:endParaRPr b="0" lang="en-US" sz="3200" spc="-1" strike="noStrike">
+          <a:lstStyle/>
+          <a:p>
+            <a:endParaRPr lang="en-US" sz="3200" b="0" strike="noStrike" spc="-1">
               <a:latin typeface="Arial"/>
             </a:endParaRPr>
           </a:p>
@@ -3302,11 +3587,12 @@
           </a:prstGeom>
         </p:spPr>
         <p:txBody>
-          <a:bodyPr lIns="0" rIns="0" tIns="0" bIns="0">
+          <a:bodyPr lIns="0" tIns="0" rIns="0" bIns="0">
             <a:normAutofit/>
           </a:bodyPr>
-          <a:p>
-            <a:endParaRPr b="0" lang="en-US" sz="3200" spc="-1" strike="noStrike">
+          <a:lstStyle/>
+          <a:p>
+            <a:endParaRPr lang="en-US" sz="3200" b="0" strike="noStrike" spc="-1">
               <a:latin typeface="Arial"/>
             </a:endParaRPr>
           </a:p>
@@ -3332,11 +3618,12 @@
           </a:prstGeom>
         </p:spPr>
         <p:txBody>
-          <a:bodyPr lIns="0" rIns="0" tIns="0" bIns="0">
+          <a:bodyPr lIns="0" tIns="0" rIns="0" bIns="0">
             <a:normAutofit/>
           </a:bodyPr>
-          <a:p>
-            <a:endParaRPr b="0" lang="en-US" sz="3200" spc="-1" strike="noStrike">
+          <a:lstStyle/>
+          <a:p>
+            <a:endParaRPr lang="en-US" sz="3200" b="0" strike="noStrike" spc="-1">
               <a:latin typeface="Arial"/>
             </a:endParaRPr>
           </a:p>
@@ -3362,11 +3649,12 @@
           </a:prstGeom>
         </p:spPr>
         <p:txBody>
-          <a:bodyPr lIns="0" rIns="0" tIns="0" bIns="0">
+          <a:bodyPr lIns="0" tIns="0" rIns="0" bIns="0">
             <a:normAutofit/>
           </a:bodyPr>
-          <a:p>
-            <a:endParaRPr b="0" lang="en-US" sz="3200" spc="-1" strike="noStrike">
+          <a:lstStyle/>
+          <a:p>
+            <a:endParaRPr lang="en-US" sz="3200" b="0" strike="noStrike" spc="-1">
               <a:latin typeface="Arial"/>
             </a:endParaRPr>
           </a:p>
@@ -3374,11 +3662,14 @@
       </p:sp>
     </p:spTree>
   </p:cSld>
+  <p:clrMapOvr>
+    <a:masterClrMapping/>
+  </p:clrMapOvr>
 </p:sldLayout>
 </file>
 
 <file path=ppt/slideLayouts/slideLayout4.xml><?xml version="1.0" encoding="utf-8"?>
-<p:sldLayout xmlns:a="http://schemas.openxmlformats.org/drawingml/2006/main" xmlns:p="http://schemas.openxmlformats.org/presentationml/2006/main" xmlns:r="http://schemas.openxmlformats.org/officeDocument/2006/relationships" xmlns:p14="http://schemas.microsoft.com/office/powerpoint/2010/main" xmlns:p15="http://schemas.microsoft.com/office/powerpoint/2012/main" xmlns:mc="http://schemas.openxmlformats.org/markup-compatibility/2006" type="twoObj" preserve="1">
+<p:sldLayout xmlns:a="http://schemas.openxmlformats.org/drawingml/2006/main" xmlns:r="http://schemas.openxmlformats.org/officeDocument/2006/relationships" xmlns:p="http://schemas.openxmlformats.org/presentationml/2006/main" type="twoObj" preserve="1">
   <p:cSld name="Title, 2 Content">
     <p:spTree>
       <p:nvGrpSpPr>
@@ -3414,10 +3705,11 @@
           </a:prstGeom>
         </p:spPr>
         <p:txBody>
-          <a:bodyPr lIns="0" rIns="0" tIns="0" bIns="0" anchor="ctr"/>
+          <a:bodyPr lIns="0" tIns="0" rIns="0" bIns="0" anchor="ctr"/>
+          <a:lstStyle/>
           <a:p>
             <a:pPr algn="ctr"/>
-            <a:endParaRPr b="0" lang="en-US" sz="4400" spc="-1" strike="noStrike">
+            <a:endParaRPr lang="en-US" sz="4400" b="0" strike="noStrike" spc="-1">
               <a:latin typeface="Arial"/>
             </a:endParaRPr>
           </a:p>
@@ -3443,11 +3735,12 @@
           </a:prstGeom>
         </p:spPr>
         <p:txBody>
-          <a:bodyPr lIns="0" rIns="0" tIns="0" bIns="0">
+          <a:bodyPr lIns="0" tIns="0" rIns="0" bIns="0">
             <a:normAutofit/>
           </a:bodyPr>
-          <a:p>
-            <a:endParaRPr b="0" lang="en-US" sz="3200" spc="-1" strike="noStrike">
+          <a:lstStyle/>
+          <a:p>
+            <a:endParaRPr lang="en-US" sz="3200" b="0" strike="noStrike" spc="-1">
               <a:latin typeface="Arial"/>
             </a:endParaRPr>
           </a:p>
@@ -3473,11 +3766,12 @@
           </a:prstGeom>
         </p:spPr>
         <p:txBody>
-          <a:bodyPr lIns="0" rIns="0" tIns="0" bIns="0">
+          <a:bodyPr lIns="0" tIns="0" rIns="0" bIns="0">
             <a:normAutofit/>
           </a:bodyPr>
-          <a:p>
-            <a:endParaRPr b="0" lang="en-US" sz="3200" spc="-1" strike="noStrike">
+          <a:lstStyle/>
+          <a:p>
+            <a:endParaRPr lang="en-US" sz="3200" b="0" strike="noStrike" spc="-1">
               <a:latin typeface="Arial"/>
             </a:endParaRPr>
           </a:p>
@@ -3485,11 +3779,14 @@
       </p:sp>
     </p:spTree>
   </p:cSld>
+  <p:clrMapOvr>
+    <a:masterClrMapping/>
+  </p:clrMapOvr>
 </p:sldLayout>
 </file>
 
 <file path=ppt/slideLayouts/slideLayout5.xml><?xml version="1.0" encoding="utf-8"?>
-<p:sldLayout xmlns:a="http://schemas.openxmlformats.org/drawingml/2006/main" xmlns:p="http://schemas.openxmlformats.org/presentationml/2006/main" xmlns:r="http://schemas.openxmlformats.org/officeDocument/2006/relationships" xmlns:p14="http://schemas.microsoft.com/office/powerpoint/2010/main" xmlns:p15="http://schemas.microsoft.com/office/powerpoint/2012/main" xmlns:mc="http://schemas.openxmlformats.org/markup-compatibility/2006" type="titleOnly" preserve="1">
+<p:sldLayout xmlns:a="http://schemas.openxmlformats.org/drawingml/2006/main" xmlns:r="http://schemas.openxmlformats.org/officeDocument/2006/relationships" xmlns:p="http://schemas.openxmlformats.org/presentationml/2006/main" type="titleOnly" preserve="1">
   <p:cSld name="Title Only">
     <p:spTree>
       <p:nvGrpSpPr>
@@ -3525,10 +3822,11 @@
           </a:prstGeom>
         </p:spPr>
         <p:txBody>
-          <a:bodyPr lIns="0" rIns="0" tIns="0" bIns="0" anchor="ctr"/>
+          <a:bodyPr lIns="0" tIns="0" rIns="0" bIns="0" anchor="ctr"/>
+          <a:lstStyle/>
           <a:p>
             <a:pPr algn="ctr"/>
-            <a:endParaRPr b="0" lang="en-US" sz="4400" spc="-1" strike="noStrike">
+            <a:endParaRPr lang="en-US" sz="4400" b="0" strike="noStrike" spc="-1">
               <a:latin typeface="Arial"/>
             </a:endParaRPr>
           </a:p>
@@ -3536,11 +3834,14 @@
       </p:sp>
     </p:spTree>
   </p:cSld>
+  <p:clrMapOvr>
+    <a:masterClrMapping/>
+  </p:clrMapOvr>
 </p:sldLayout>
 </file>
 
 <file path=ppt/slideLayouts/slideLayout6.xml><?xml version="1.0" encoding="utf-8"?>
-<p:sldLayout xmlns:a="http://schemas.openxmlformats.org/drawingml/2006/main" xmlns:p="http://schemas.openxmlformats.org/presentationml/2006/main" xmlns:r="http://schemas.openxmlformats.org/officeDocument/2006/relationships" xmlns:p14="http://schemas.microsoft.com/office/powerpoint/2010/main" xmlns:p15="http://schemas.microsoft.com/office/powerpoint/2012/main" xmlns:mc="http://schemas.openxmlformats.org/markup-compatibility/2006" type="objOnly" preserve="1">
+<p:sldLayout xmlns:a="http://schemas.openxmlformats.org/drawingml/2006/main" xmlns:r="http://schemas.openxmlformats.org/officeDocument/2006/relationships" xmlns:p="http://schemas.openxmlformats.org/presentationml/2006/main" type="objOnly" preserve="1">
   <p:cSld name="Centered Text">
     <p:spTree>
       <p:nvGrpSpPr>
@@ -3576,10 +3877,11 @@
           </a:prstGeom>
         </p:spPr>
         <p:txBody>
-          <a:bodyPr lIns="0" rIns="0" tIns="0" bIns="0" anchor="ctr"/>
+          <a:bodyPr lIns="0" tIns="0" rIns="0" bIns="0" anchor="ctr"/>
+          <a:lstStyle/>
           <a:p>
             <a:pPr algn="ctr"/>
-            <a:endParaRPr b="0" lang="en-US" sz="3200" spc="-1" strike="noStrike">
+            <a:endParaRPr lang="en-US" sz="3200" b="0" strike="noStrike" spc="-1">
               <a:latin typeface="Arial"/>
             </a:endParaRPr>
           </a:p>
@@ -3587,11 +3889,14 @@
       </p:sp>
     </p:spTree>
   </p:cSld>
+  <p:clrMapOvr>
+    <a:masterClrMapping/>
+  </p:clrMapOvr>
 </p:sldLayout>
 </file>
 
 <file path=ppt/slideLayouts/slideLayout7.xml><?xml version="1.0" encoding="utf-8"?>
-<p:sldLayout xmlns:a="http://schemas.openxmlformats.org/drawingml/2006/main" xmlns:p="http://schemas.openxmlformats.org/presentationml/2006/main" xmlns:r="http://schemas.openxmlformats.org/officeDocument/2006/relationships" xmlns:p14="http://schemas.microsoft.com/office/powerpoint/2010/main" xmlns:p15="http://schemas.microsoft.com/office/powerpoint/2012/main" xmlns:mc="http://schemas.openxmlformats.org/markup-compatibility/2006" type="twoObjAndObj" preserve="1">
+<p:sldLayout xmlns:a="http://schemas.openxmlformats.org/drawingml/2006/main" xmlns:r="http://schemas.openxmlformats.org/officeDocument/2006/relationships" xmlns:p="http://schemas.openxmlformats.org/presentationml/2006/main" type="twoObjAndObj" preserve="1">
   <p:cSld name="Title, 2 Content and Content">
     <p:spTree>
       <p:nvGrpSpPr>
@@ -3627,10 +3932,11 @@
           </a:prstGeom>
         </p:spPr>
         <p:txBody>
-          <a:bodyPr lIns="0" rIns="0" tIns="0" bIns="0" anchor="ctr"/>
+          <a:bodyPr lIns="0" tIns="0" rIns="0" bIns="0" anchor="ctr"/>
+          <a:lstStyle/>
           <a:p>
             <a:pPr algn="ctr"/>
-            <a:endParaRPr b="0" lang="en-US" sz="4400" spc="-1" strike="noStrike">
+            <a:endParaRPr lang="en-US" sz="4400" b="0" strike="noStrike" spc="-1">
               <a:latin typeface="Arial"/>
             </a:endParaRPr>
           </a:p>
@@ -3656,11 +3962,12 @@
           </a:prstGeom>
         </p:spPr>
         <p:txBody>
-          <a:bodyPr lIns="0" rIns="0" tIns="0" bIns="0">
+          <a:bodyPr lIns="0" tIns="0" rIns="0" bIns="0">
             <a:normAutofit/>
           </a:bodyPr>
-          <a:p>
-            <a:endParaRPr b="0" lang="en-US" sz="3200" spc="-1" strike="noStrike">
+          <a:lstStyle/>
+          <a:p>
+            <a:endParaRPr lang="en-US" sz="3200" b="0" strike="noStrike" spc="-1">
               <a:latin typeface="Arial"/>
             </a:endParaRPr>
           </a:p>
@@ -3686,11 +3993,12 @@
           </a:prstGeom>
         </p:spPr>
         <p:txBody>
-          <a:bodyPr lIns="0" rIns="0" tIns="0" bIns="0">
+          <a:bodyPr lIns="0" tIns="0" rIns="0" bIns="0">
             <a:normAutofit/>
           </a:bodyPr>
-          <a:p>
-            <a:endParaRPr b="0" lang="en-US" sz="3200" spc="-1" strike="noStrike">
+          <a:lstStyle/>
+          <a:p>
+            <a:endParaRPr lang="en-US" sz="3200" b="0" strike="noStrike" spc="-1">
               <a:latin typeface="Arial"/>
             </a:endParaRPr>
           </a:p>
@@ -3716,11 +4024,12 @@
           </a:prstGeom>
         </p:spPr>
         <p:txBody>
-          <a:bodyPr lIns="0" rIns="0" tIns="0" bIns="0">
+          <a:bodyPr lIns="0" tIns="0" rIns="0" bIns="0">
             <a:normAutofit/>
           </a:bodyPr>
-          <a:p>
-            <a:endParaRPr b="0" lang="en-US" sz="3200" spc="-1" strike="noStrike">
+          <a:lstStyle/>
+          <a:p>
+            <a:endParaRPr lang="en-US" sz="3200" b="0" strike="noStrike" spc="-1">
               <a:latin typeface="Arial"/>
             </a:endParaRPr>
           </a:p>
@@ -3728,11 +4037,14 @@
       </p:sp>
     </p:spTree>
   </p:cSld>
+  <p:clrMapOvr>
+    <a:masterClrMapping/>
+  </p:clrMapOvr>
 </p:sldLayout>
 </file>
 
 <file path=ppt/slideLayouts/slideLayout8.xml><?xml version="1.0" encoding="utf-8"?>
-<p:sldLayout xmlns:a="http://schemas.openxmlformats.org/drawingml/2006/main" xmlns:p="http://schemas.openxmlformats.org/presentationml/2006/main" xmlns:r="http://schemas.openxmlformats.org/officeDocument/2006/relationships" xmlns:p14="http://schemas.microsoft.com/office/powerpoint/2010/main" xmlns:p15="http://schemas.microsoft.com/office/powerpoint/2012/main" xmlns:mc="http://schemas.openxmlformats.org/markup-compatibility/2006" type="objAndTwoObj" preserve="1">
+<p:sldLayout xmlns:a="http://schemas.openxmlformats.org/drawingml/2006/main" xmlns:r="http://schemas.openxmlformats.org/officeDocument/2006/relationships" xmlns:p="http://schemas.openxmlformats.org/presentationml/2006/main" type="objAndTwoObj" preserve="1">
   <p:cSld name="Title Content and 2 Content">
     <p:spTree>
       <p:nvGrpSpPr>
@@ -3768,10 +4080,11 @@
           </a:prstGeom>
         </p:spPr>
         <p:txBody>
-          <a:bodyPr lIns="0" rIns="0" tIns="0" bIns="0" anchor="ctr"/>
+          <a:bodyPr lIns="0" tIns="0" rIns="0" bIns="0" anchor="ctr"/>
+          <a:lstStyle/>
           <a:p>
             <a:pPr algn="ctr"/>
-            <a:endParaRPr b="0" lang="en-US" sz="4400" spc="-1" strike="noStrike">
+            <a:endParaRPr lang="en-US" sz="4400" b="0" strike="noStrike" spc="-1">
               <a:latin typeface="Arial"/>
             </a:endParaRPr>
           </a:p>
@@ -3797,11 +4110,12 @@
           </a:prstGeom>
         </p:spPr>
         <p:txBody>
-          <a:bodyPr lIns="0" rIns="0" tIns="0" bIns="0">
+          <a:bodyPr lIns="0" tIns="0" rIns="0" bIns="0">
             <a:normAutofit/>
           </a:bodyPr>
-          <a:p>
-            <a:endParaRPr b="0" lang="en-US" sz="3200" spc="-1" strike="noStrike">
+          <a:lstStyle/>
+          <a:p>
+            <a:endParaRPr lang="en-US" sz="3200" b="0" strike="noStrike" spc="-1">
               <a:latin typeface="Arial"/>
             </a:endParaRPr>
           </a:p>
@@ -3827,11 +4141,12 @@
           </a:prstGeom>
         </p:spPr>
         <p:txBody>
-          <a:bodyPr lIns="0" rIns="0" tIns="0" bIns="0">
+          <a:bodyPr lIns="0" tIns="0" rIns="0" bIns="0">
             <a:normAutofit/>
           </a:bodyPr>
-          <a:p>
-            <a:endParaRPr b="0" lang="en-US" sz="3200" spc="-1" strike="noStrike">
+          <a:lstStyle/>
+          <a:p>
+            <a:endParaRPr lang="en-US" sz="3200" b="0" strike="noStrike" spc="-1">
               <a:latin typeface="Arial"/>
             </a:endParaRPr>
           </a:p>
@@ -3857,11 +4172,12 @@
           </a:prstGeom>
         </p:spPr>
         <p:txBody>
-          <a:bodyPr lIns="0" rIns="0" tIns="0" bIns="0">
+          <a:bodyPr lIns="0" tIns="0" rIns="0" bIns="0">
             <a:normAutofit/>
           </a:bodyPr>
-          <a:p>
-            <a:endParaRPr b="0" lang="en-US" sz="3200" spc="-1" strike="noStrike">
+          <a:lstStyle/>
+          <a:p>
+            <a:endParaRPr lang="en-US" sz="3200" b="0" strike="noStrike" spc="-1">
               <a:latin typeface="Arial"/>
             </a:endParaRPr>
           </a:p>
@@ -3869,11 +4185,14 @@
       </p:sp>
     </p:spTree>
   </p:cSld>
+  <p:clrMapOvr>
+    <a:masterClrMapping/>
+  </p:clrMapOvr>
 </p:sldLayout>
 </file>
 
 <file path=ppt/slideLayouts/slideLayout9.xml><?xml version="1.0" encoding="utf-8"?>
-<p:sldLayout xmlns:a="http://schemas.openxmlformats.org/drawingml/2006/main" xmlns:p="http://schemas.openxmlformats.org/presentationml/2006/main" xmlns:r="http://schemas.openxmlformats.org/officeDocument/2006/relationships" xmlns:p14="http://schemas.microsoft.com/office/powerpoint/2010/main" xmlns:p15="http://schemas.microsoft.com/office/powerpoint/2012/main" xmlns:mc="http://schemas.openxmlformats.org/markup-compatibility/2006" type="twoObjOverTx" preserve="1">
+<p:sldLayout xmlns:a="http://schemas.openxmlformats.org/drawingml/2006/main" xmlns:r="http://schemas.openxmlformats.org/officeDocument/2006/relationships" xmlns:p="http://schemas.openxmlformats.org/presentationml/2006/main" type="twoObjOverTx" preserve="1">
   <p:cSld name="Title, 2 Content over Content">
     <p:spTree>
       <p:nvGrpSpPr>
@@ -3909,10 +4228,11 @@
           </a:prstGeom>
         </p:spPr>
         <p:txBody>
-          <a:bodyPr lIns="0" rIns="0" tIns="0" bIns="0" anchor="ctr"/>
+          <a:bodyPr lIns="0" tIns="0" rIns="0" bIns="0" anchor="ctr"/>
+          <a:lstStyle/>
           <a:p>
             <a:pPr algn="ctr"/>
-            <a:endParaRPr b="0" lang="en-US" sz="4400" spc="-1" strike="noStrike">
+            <a:endParaRPr lang="en-US" sz="4400" b="0" strike="noStrike" spc="-1">
               <a:latin typeface="Arial"/>
             </a:endParaRPr>
           </a:p>
@@ -3938,11 +4258,12 @@
           </a:prstGeom>
         </p:spPr>
         <p:txBody>
-          <a:bodyPr lIns="0" rIns="0" tIns="0" bIns="0">
+          <a:bodyPr lIns="0" tIns="0" rIns="0" bIns="0">
             <a:normAutofit/>
           </a:bodyPr>
-          <a:p>
-            <a:endParaRPr b="0" lang="en-US" sz="3200" spc="-1" strike="noStrike">
+          <a:lstStyle/>
+          <a:p>
+            <a:endParaRPr lang="en-US" sz="3200" b="0" strike="noStrike" spc="-1">
               <a:latin typeface="Arial"/>
             </a:endParaRPr>
           </a:p>
@@ -3968,11 +4289,12 @@
           </a:prstGeom>
         </p:spPr>
         <p:txBody>
-          <a:bodyPr lIns="0" rIns="0" tIns="0" bIns="0">
+          <a:bodyPr lIns="0" tIns="0" rIns="0" bIns="0">
             <a:normAutofit/>
           </a:bodyPr>
-          <a:p>
-            <a:endParaRPr b="0" lang="en-US" sz="3200" spc="-1" strike="noStrike">
+          <a:lstStyle/>
+          <a:p>
+            <a:endParaRPr lang="en-US" sz="3200" b="0" strike="noStrike" spc="-1">
               <a:latin typeface="Arial"/>
             </a:endParaRPr>
           </a:p>
@@ -3998,11 +4320,12 @@
           </a:prstGeom>
         </p:spPr>
         <p:txBody>
-          <a:bodyPr lIns="0" rIns="0" tIns="0" bIns="0">
+          <a:bodyPr lIns="0" tIns="0" rIns="0" bIns="0">
             <a:normAutofit/>
           </a:bodyPr>
-          <a:p>
-            <a:endParaRPr b="0" lang="en-US" sz="3200" spc="-1" strike="noStrike">
+          <a:lstStyle/>
+          <a:p>
+            <a:endParaRPr lang="en-US" sz="3200" b="0" strike="noStrike" spc="-1">
               <a:latin typeface="Arial"/>
             </a:endParaRPr>
           </a:p>
@@ -4010,11 +4333,2545 @@
       </p:sp>
     </p:spTree>
   </p:cSld>
+  <p:clrMapOvr>
+    <a:masterClrMapping/>
+  </p:clrMapOvr>
 </p:sldLayout>
 </file>
 
 <file path=ppt/slideMasters/slideMaster1.xml><?xml version="1.0" encoding="utf-8"?>
-<p:sldMaster xmlns:a="http://schemas.openxmlformats.org/drawingml/2006/main" xmlns:p="http://schemas.openxmlformats.org/presentationml/2006/main" xmlns:r="http://schemas.openxmlformats.org/officeDocument/2006/relationships" xmlns:p14="http://schemas.microsoft.com/office/powerpoint/2010/main" xmlns:p15="http://schemas.microsoft.com/office/powerpoint/2012/main" xmlns:mc="http://schemas.openxmlformats.org/markup-compatibility/2006">
+<p:sldMaster xmlns:a="http://schemas.openxmlformats.org/drawingml/2006/main" xmlns:r="http://schemas.openxmlformats.org/officeDocument/2006/relationships" xmlns:p="http://schemas.openxmlformats.org/presentationml/2006/main">
+  <p:cSld>
+    <p:bg>
+      <p:bgRef idx="1001">
+        <a:schemeClr val="bg1"/>
+      </p:bgRef>
+    </p:bg>
+    <p:spTree>
+      <p:nvGrpSpPr>
+        <p:cNvPr id="1" name=""/>
+        <p:cNvGrpSpPr/>
+        <p:nvPr/>
+      </p:nvGrpSpPr>
+      <p:grpSpPr>
+        <a:xfrm>
+          <a:off x="0" y="0"/>
+          <a:ext cx="0" cy="0"/>
+          <a:chOff x="0" y="0"/>
+          <a:chExt cx="0" cy="0"/>
+        </a:xfrm>
+      </p:grpSpPr>
+      <p:pic>
+        <p:nvPicPr>
+          <p:cNvPr id="3" name="Picture 2"/>
+          <p:cNvPicPr/>
+          <p:nvPr/>
+        </p:nvPicPr>
+        <p:blipFill>
+          <a:blip r:embed="rId14"/>
+          <a:stretch/>
+        </p:blipFill>
+        <p:spPr>
+          <a:xfrm>
+            <a:off x="720" y="720"/>
+            <a:ext cx="10079280" cy="7559280"/>
+          </a:xfrm>
+          <a:prstGeom prst="rect">
+            <a:avLst/>
+          </a:prstGeom>
+          <a:ln>
+            <a:noFill/>
+          </a:ln>
+        </p:spPr>
+      </p:pic>
+      <p:sp>
+        <p:nvSpPr>
+          <p:cNvPr id="4" name="PlaceHolder 1"/>
+          <p:cNvSpPr>
+            <a:spLocks noGrp="1"/>
+          </p:cNvSpPr>
+          <p:nvPr>
+            <p:ph type="title"/>
+          </p:nvPr>
+        </p:nvSpPr>
+        <p:spPr>
+          <a:xfrm>
+            <a:off x="504000" y="576000"/>
+            <a:ext cx="7199640" cy="719640"/>
+          </a:xfrm>
+          <a:prstGeom prst="rect">
+            <a:avLst/>
+          </a:prstGeom>
+        </p:spPr>
+        <p:txBody>
+          <a:bodyPr lIns="0" tIns="0" rIns="0" bIns="0" anchor="ctr"/>
+          <a:lstStyle/>
+          <a:p>
+            <a:r>
+              <a:rPr lang="en-US" sz="1800" b="0" strike="noStrike" spc="-1">
+                <a:latin typeface="Arial"/>
+              </a:rPr>
+              <a:t>Click to edit the title text format</a:t>
+            </a:r>
+          </a:p>
+        </p:txBody>
+      </p:sp>
+      <p:sp>
+        <p:nvSpPr>
+          <p:cNvPr id="2" name="PlaceHolder 2"/>
+          <p:cNvSpPr>
+            <a:spLocks noGrp="1"/>
+          </p:cNvSpPr>
+          <p:nvPr>
+            <p:ph type="body"/>
+          </p:nvPr>
+        </p:nvSpPr>
+        <p:spPr>
+          <a:xfrm>
+            <a:off x="504000" y="1768680"/>
+            <a:ext cx="9072000" cy="4384080"/>
+          </a:xfrm>
+          <a:prstGeom prst="rect">
+            <a:avLst/>
+          </a:prstGeom>
+        </p:spPr>
+        <p:txBody>
+          <a:bodyPr lIns="0" tIns="0" rIns="0" bIns="0">
+            <a:normAutofit/>
+          </a:bodyPr>
+          <a:lstStyle/>
+          <a:p>
+            <a:pPr marL="432000" indent="-324000">
+              <a:spcBef>
+                <a:spcPts val="1417"/>
+              </a:spcBef>
+              <a:buClr>
+                <a:srgbClr val="000000"/>
+              </a:buClr>
+              <a:buSzPct val="45000"/>
+              <a:buFont typeface="Wingdings" charset="2"/>
+              <a:buChar char=""/>
+            </a:pPr>
+            <a:r>
+              <a:rPr lang="en-US" sz="3200" b="0" strike="noStrike" spc="-1">
+                <a:latin typeface="Arial"/>
+              </a:rPr>
+              <a:t>Click to edit the outline text format</a:t>
+            </a:r>
+          </a:p>
+          <a:p>
+            <a:pPr marL="864000" lvl="1" indent="-324000">
+              <a:spcBef>
+                <a:spcPts val="1134"/>
+              </a:spcBef>
+              <a:buClr>
+                <a:srgbClr val="000000"/>
+              </a:buClr>
+              <a:buSzPct val="75000"/>
+              <a:buFont typeface="Symbol" charset="2"/>
+              <a:buChar char=""/>
+            </a:pPr>
+            <a:r>
+              <a:rPr lang="en-US" sz="2800" b="0" strike="noStrike" spc="-1">
+                <a:latin typeface="Arial"/>
+              </a:rPr>
+              <a:t>Second Outline Level</a:t>
+            </a:r>
+          </a:p>
+          <a:p>
+            <a:pPr marL="1296000" lvl="2" indent="-288000">
+              <a:spcBef>
+                <a:spcPts val="850"/>
+              </a:spcBef>
+              <a:buClr>
+                <a:srgbClr val="000000"/>
+              </a:buClr>
+              <a:buSzPct val="45000"/>
+              <a:buFont typeface="Wingdings" charset="2"/>
+              <a:buChar char=""/>
+            </a:pPr>
+            <a:r>
+              <a:rPr lang="en-US" sz="2400" b="0" strike="noStrike" spc="-1">
+                <a:latin typeface="Arial"/>
+              </a:rPr>
+              <a:t>Third Outline Level</a:t>
+            </a:r>
+          </a:p>
+          <a:p>
+            <a:pPr marL="1728000" lvl="3" indent="-216000">
+              <a:spcBef>
+                <a:spcPts val="567"/>
+              </a:spcBef>
+              <a:buClr>
+                <a:srgbClr val="000000"/>
+              </a:buClr>
+              <a:buSzPct val="75000"/>
+              <a:buFont typeface="Symbol" charset="2"/>
+              <a:buChar char=""/>
+            </a:pPr>
+            <a:r>
+              <a:rPr lang="en-US" sz="2000" b="0" strike="noStrike" spc="-1">
+                <a:latin typeface="Arial"/>
+              </a:rPr>
+              <a:t>Fourth Outline Level</a:t>
+            </a:r>
+          </a:p>
+          <a:p>
+            <a:pPr marL="2160000" lvl="4" indent="-216000">
+              <a:spcBef>
+                <a:spcPts val="283"/>
+              </a:spcBef>
+              <a:buClr>
+                <a:srgbClr val="000000"/>
+              </a:buClr>
+              <a:buSzPct val="45000"/>
+              <a:buFont typeface="Wingdings" charset="2"/>
+              <a:buChar char=""/>
+            </a:pPr>
+            <a:r>
+              <a:rPr lang="en-US" sz="2000" b="0" strike="noStrike" spc="-1">
+                <a:latin typeface="Arial"/>
+              </a:rPr>
+              <a:t>Fifth Outline Level</a:t>
+            </a:r>
+          </a:p>
+          <a:p>
+            <a:pPr marL="2592000" lvl="5" indent="-216000">
+              <a:spcBef>
+                <a:spcPts val="283"/>
+              </a:spcBef>
+              <a:buClr>
+                <a:srgbClr val="000000"/>
+              </a:buClr>
+              <a:buSzPct val="45000"/>
+              <a:buFont typeface="Wingdings" charset="2"/>
+              <a:buChar char=""/>
+            </a:pPr>
+            <a:r>
+              <a:rPr lang="en-US" sz="2000" b="0" strike="noStrike" spc="-1">
+                <a:latin typeface="Arial"/>
+              </a:rPr>
+              <a:t>Sixth Outline Level</a:t>
+            </a:r>
+          </a:p>
+          <a:p>
+            <a:pPr marL="3024000" lvl="6" indent="-216000">
+              <a:spcBef>
+                <a:spcPts val="283"/>
+              </a:spcBef>
+              <a:buClr>
+                <a:srgbClr val="000000"/>
+              </a:buClr>
+              <a:buSzPct val="45000"/>
+              <a:buFont typeface="Wingdings" charset="2"/>
+              <a:buChar char=""/>
+            </a:pPr>
+            <a:r>
+              <a:rPr lang="en-US" sz="2000" b="0" strike="noStrike" spc="-1">
+                <a:latin typeface="Arial"/>
+              </a:rPr>
+              <a:t>Seventh Outline Level</a:t>
+            </a:r>
+          </a:p>
+        </p:txBody>
+      </p:sp>
+    </p:spTree>
+  </p:cSld>
+  <p:clrMap bg1="lt1" tx1="dk1" bg2="lt2" tx2="dk2" accent1="accent1" accent2="accent2" accent3="accent3" accent4="accent4" accent5="accent5" accent6="accent6" hlink="hlink" folHlink="folHlink"/>
+  <p:sldLayoutIdLst>
+    <p:sldLayoutId id="2147483649" r:id="rId1"/>
+    <p:sldLayoutId id="2147483650" r:id="rId2"/>
+    <p:sldLayoutId id="2147483651" r:id="rId3"/>
+    <p:sldLayoutId id="2147483652" r:id="rId4"/>
+    <p:sldLayoutId id="2147483653" r:id="rId5"/>
+    <p:sldLayoutId id="2147483654" r:id="rId6"/>
+    <p:sldLayoutId id="2147483655" r:id="rId7"/>
+    <p:sldLayoutId id="2147483656" r:id="rId8"/>
+    <p:sldLayoutId id="2147483657" r:id="rId9"/>
+    <p:sldLayoutId id="2147483658" r:id="rId10"/>
+    <p:sldLayoutId id="2147483659" r:id="rId11"/>
+    <p:sldLayoutId id="2147483660" r:id="rId12"/>
+  </p:sldLayoutIdLst>
+  <p:txStyles>
+    <p:titleStyle>
+      <a:lvl1pPr algn="l" defTabSz="914400" rtl="0" eaLnBrk="1" latinLnBrk="0" hangingPunct="1">
+        <a:lnSpc>
+          <a:spcPct val="90000"/>
+        </a:lnSpc>
+        <a:spcBef>
+          <a:spcPct val="0"/>
+        </a:spcBef>
+        <a:buNone/>
+        <a:defRPr sz="4400" kern="1200">
+          <a:solidFill>
+            <a:schemeClr val="tx1"/>
+          </a:solidFill>
+          <a:latin typeface="+mj-lt"/>
+          <a:ea typeface="+mj-ea"/>
+          <a:cs typeface="+mj-cs"/>
+        </a:defRPr>
+      </a:lvl1pPr>
+    </p:titleStyle>
+    <p:bodyStyle>
+      <a:lvl1pPr marL="228600" indent="-228600" algn="l" defTabSz="914400" rtl="0" eaLnBrk="1" latinLnBrk="0" hangingPunct="1">
+        <a:lnSpc>
+          <a:spcPct val="90000"/>
+        </a:lnSpc>
+        <a:spcBef>
+          <a:spcPts val="1000"/>
+        </a:spcBef>
+        <a:buFont typeface="Arial" panose="020B0604020202020204" pitchFamily="34" charset="0"/>
+        <a:buChar char="•"/>
+        <a:defRPr sz="2800" kern="1200">
+          <a:solidFill>
+            <a:schemeClr val="tx1"/>
+          </a:solidFill>
+          <a:latin typeface="+mn-lt"/>
+          <a:ea typeface="+mn-ea"/>
+          <a:cs typeface="+mn-cs"/>
+        </a:defRPr>
+      </a:lvl1pPr>
+      <a:lvl2pPr marL="685800" indent="-228600" algn="l" defTabSz="914400" rtl="0" eaLnBrk="1" latinLnBrk="0" hangingPunct="1">
+        <a:lnSpc>
+          <a:spcPct val="90000"/>
+        </a:lnSpc>
+        <a:spcBef>
+          <a:spcPts val="500"/>
+        </a:spcBef>
+        <a:buFont typeface="Arial" panose="020B0604020202020204" pitchFamily="34" charset="0"/>
+        <a:buChar char="•"/>
+        <a:defRPr sz="2400" kern="1200">
+          <a:solidFill>
+            <a:schemeClr val="tx1"/>
+          </a:solidFill>
+          <a:latin typeface="+mn-lt"/>
+          <a:ea typeface="+mn-ea"/>
+          <a:cs typeface="+mn-cs"/>
+        </a:defRPr>
+      </a:lvl2pPr>
+      <a:lvl3pPr marL="1143000" indent="-228600" algn="l" defTabSz="914400" rtl="0" eaLnBrk="1" latinLnBrk="0" hangingPunct="1">
+        <a:lnSpc>
+          <a:spcPct val="90000"/>
+        </a:lnSpc>
+        <a:spcBef>
+          <a:spcPts val="500"/>
+        </a:spcBef>
+        <a:buFont typeface="Arial" panose="020B0604020202020204" pitchFamily="34" charset="0"/>
+        <a:buChar char="•"/>
+        <a:defRPr sz="2000" kern="1200">
+          <a:solidFill>
+            <a:schemeClr val="tx1"/>
+          </a:solidFill>
+          <a:latin typeface="+mn-lt"/>
+          <a:ea typeface="+mn-ea"/>
+          <a:cs typeface="+mn-cs"/>
+        </a:defRPr>
+      </a:lvl3pPr>
+      <a:lvl4pPr marL="1600200" indent="-228600" algn="l" defTabSz="914400" rtl="0" eaLnBrk="1" latinLnBrk="0" hangingPunct="1">
+        <a:lnSpc>
+          <a:spcPct val="90000"/>
+        </a:lnSpc>
+        <a:spcBef>
+          <a:spcPts val="500"/>
+        </a:spcBef>
+        <a:buFont typeface="Arial" panose="020B0604020202020204" pitchFamily="34" charset="0"/>
+        <a:buChar char="•"/>
+        <a:defRPr sz="1800" kern="1200">
+          <a:solidFill>
+            <a:schemeClr val="tx1"/>
+          </a:solidFill>
+          <a:latin typeface="+mn-lt"/>
+          <a:ea typeface="+mn-ea"/>
+          <a:cs typeface="+mn-cs"/>
+        </a:defRPr>
+      </a:lvl4pPr>
+      <a:lvl5pPr marL="2057400" indent="-228600" algn="l" defTabSz="914400" rtl="0" eaLnBrk="1" latinLnBrk="0" hangingPunct="1">
+        <a:lnSpc>
+          <a:spcPct val="90000"/>
+        </a:lnSpc>
+        <a:spcBef>
+          <a:spcPts val="500"/>
+        </a:spcBef>
+        <a:buFont typeface="Arial" panose="020B0604020202020204" pitchFamily="34" charset="0"/>
+        <a:buChar char="•"/>
+        <a:defRPr sz="1800" kern="1200">
+          <a:solidFill>
+            <a:schemeClr val="tx1"/>
+          </a:solidFill>
+          <a:latin typeface="+mn-lt"/>
+          <a:ea typeface="+mn-ea"/>
+          <a:cs typeface="+mn-cs"/>
+        </a:defRPr>
+      </a:lvl5pPr>
+      <a:lvl6pPr marL="2514600" indent="-228600" algn="l" defTabSz="914400" rtl="0" eaLnBrk="1" latinLnBrk="0" hangingPunct="1">
+        <a:lnSpc>
+          <a:spcPct val="90000"/>
+        </a:lnSpc>
+        <a:spcBef>
+          <a:spcPts val="500"/>
+        </a:spcBef>
+        <a:buFont typeface="Arial" panose="020B0604020202020204" pitchFamily="34" charset="0"/>
+        <a:buChar char="•"/>
+        <a:defRPr sz="1800" kern="1200">
+          <a:solidFill>
+            <a:schemeClr val="tx1"/>
+          </a:solidFill>
+          <a:latin typeface="+mn-lt"/>
+          <a:ea typeface="+mn-ea"/>
+          <a:cs typeface="+mn-cs"/>
+        </a:defRPr>
+      </a:lvl6pPr>
+      <a:lvl7pPr marL="2971800" indent="-228600" algn="l" defTabSz="914400" rtl="0" eaLnBrk="1" latinLnBrk="0" hangingPunct="1">
+        <a:lnSpc>
+          <a:spcPct val="90000"/>
+        </a:lnSpc>
+        <a:spcBef>
+          <a:spcPts val="500"/>
+        </a:spcBef>
+        <a:buFont typeface="Arial" panose="020B0604020202020204" pitchFamily="34" charset="0"/>
+        <a:buChar char="•"/>
+        <a:defRPr sz="1800" kern="1200">
+          <a:solidFill>
+            <a:schemeClr val="tx1"/>
+          </a:solidFill>
+          <a:latin typeface="+mn-lt"/>
+          <a:ea typeface="+mn-ea"/>
+          <a:cs typeface="+mn-cs"/>
+        </a:defRPr>
+      </a:lvl7pPr>
+      <a:lvl8pPr marL="3429000" indent="-228600" algn="l" defTabSz="914400" rtl="0" eaLnBrk="1" latinLnBrk="0" hangingPunct="1">
+        <a:lnSpc>
+          <a:spcPct val="90000"/>
+        </a:lnSpc>
+        <a:spcBef>
+          <a:spcPts val="500"/>
+        </a:spcBef>
+        <a:buFont typeface="Arial" panose="020B0604020202020204" pitchFamily="34" charset="0"/>
+        <a:buChar char="•"/>
+        <a:defRPr sz="1800" kern="1200">
+          <a:solidFill>
+            <a:schemeClr val="tx1"/>
+          </a:solidFill>
+          <a:latin typeface="+mn-lt"/>
+          <a:ea typeface="+mn-ea"/>
+          <a:cs typeface="+mn-cs"/>
+        </a:defRPr>
+      </a:lvl8pPr>
+      <a:lvl9pPr marL="3886200" indent="-228600" algn="l" defTabSz="914400" rtl="0" eaLnBrk="1" latinLnBrk="0" hangingPunct="1">
+        <a:lnSpc>
+          <a:spcPct val="90000"/>
+        </a:lnSpc>
+        <a:spcBef>
+          <a:spcPts val="500"/>
+        </a:spcBef>
+        <a:buFont typeface="Arial" panose="020B0604020202020204" pitchFamily="34" charset="0"/>
+        <a:buChar char="•"/>
+        <a:defRPr sz="1800" kern="1200">
+          <a:solidFill>
+            <a:schemeClr val="tx1"/>
+          </a:solidFill>
+          <a:latin typeface="+mn-lt"/>
+          <a:ea typeface="+mn-ea"/>
+          <a:cs typeface="+mn-cs"/>
+        </a:defRPr>
+      </a:lvl9pPr>
+    </p:bodyStyle>
+    <p:otherStyle>
+      <a:defPPr>
+        <a:defRPr lang="en-US"/>
+      </a:defPPr>
+      <a:lvl1pPr marL="0" algn="l" defTabSz="914400" rtl="0" eaLnBrk="1" latinLnBrk="0" hangingPunct="1">
+        <a:defRPr sz="1800" kern="1200">
+          <a:solidFill>
+            <a:schemeClr val="tx1"/>
+          </a:solidFill>
+          <a:latin typeface="+mn-lt"/>
+          <a:ea typeface="+mn-ea"/>
+          <a:cs typeface="+mn-cs"/>
+        </a:defRPr>
+      </a:lvl1pPr>
+      <a:lvl2pPr marL="457200" algn="l" defTabSz="914400" rtl="0" eaLnBrk="1" latinLnBrk="0" hangingPunct="1">
+        <a:defRPr sz="1800" kern="1200">
+          <a:solidFill>
+            <a:schemeClr val="tx1"/>
+          </a:solidFill>
+          <a:latin typeface="+mn-lt"/>
+          <a:ea typeface="+mn-ea"/>
+          <a:cs typeface="+mn-cs"/>
+        </a:defRPr>
+      </a:lvl2pPr>
+      <a:lvl3pPr marL="914400" algn="l" defTabSz="914400" rtl="0" eaLnBrk="1" latinLnBrk="0" hangingPunct="1">
+        <a:defRPr sz="1800" kern="1200">
+          <a:solidFill>
+            <a:schemeClr val="tx1"/>
+          </a:solidFill>
+          <a:latin typeface="+mn-lt"/>
+          <a:ea typeface="+mn-ea"/>
+          <a:cs typeface="+mn-cs"/>
+        </a:defRPr>
+      </a:lvl3pPr>
+      <a:lvl4pPr marL="1371600" algn="l" defTabSz="914400" rtl="0" eaLnBrk="1" latinLnBrk="0" hangingPunct="1">
+        <a:defRPr sz="1800" kern="1200">
+          <a:solidFill>
+            <a:schemeClr val="tx1"/>
+          </a:solidFill>
+          <a:latin typeface="+mn-lt"/>
+          <a:ea typeface="+mn-ea"/>
+          <a:cs typeface="+mn-cs"/>
+        </a:defRPr>
+      </a:lvl4pPr>
+      <a:lvl5pPr marL="1828800" algn="l" defTabSz="914400" rtl="0" eaLnBrk="1" latinLnBrk="0" hangingPunct="1">
+        <a:defRPr sz="1800" kern="1200">
+          <a:solidFill>
+            <a:schemeClr val="tx1"/>
+          </a:solidFill>
+          <a:latin typeface="+mn-lt"/>
+          <a:ea typeface="+mn-ea"/>
+          <a:cs typeface="+mn-cs"/>
+        </a:defRPr>
+      </a:lvl5pPr>
+      <a:lvl6pPr marL="2286000" algn="l" defTabSz="914400" rtl="0" eaLnBrk="1" latinLnBrk="0" hangingPunct="1">
+        <a:defRPr sz="1800" kern="1200">
+          <a:solidFill>
+            <a:schemeClr val="tx1"/>
+          </a:solidFill>
+          <a:latin typeface="+mn-lt"/>
+          <a:ea typeface="+mn-ea"/>
+          <a:cs typeface="+mn-cs"/>
+        </a:defRPr>
+      </a:lvl6pPr>
+      <a:lvl7pPr marL="2743200" algn="l" defTabSz="914400" rtl="0" eaLnBrk="1" latinLnBrk="0" hangingPunct="1">
+        <a:defRPr sz="1800" kern="1200">
+          <a:solidFill>
+            <a:schemeClr val="tx1"/>
+          </a:solidFill>
+          <a:latin typeface="+mn-lt"/>
+          <a:ea typeface="+mn-ea"/>
+          <a:cs typeface="+mn-cs"/>
+        </a:defRPr>
+      </a:lvl7pPr>
+      <a:lvl8pPr marL="3200400" algn="l" defTabSz="914400" rtl="0" eaLnBrk="1" latinLnBrk="0" hangingPunct="1">
+        <a:defRPr sz="1800" kern="1200">
+          <a:solidFill>
+            <a:schemeClr val="tx1"/>
+          </a:solidFill>
+          <a:latin typeface="+mn-lt"/>
+          <a:ea typeface="+mn-ea"/>
+          <a:cs typeface="+mn-cs"/>
+        </a:defRPr>
+      </a:lvl8pPr>
+      <a:lvl9pPr marL="3657600" algn="l" defTabSz="914400" rtl="0" eaLnBrk="1" latinLnBrk="0" hangingPunct="1">
+        <a:defRPr sz="1800" kern="1200">
+          <a:solidFill>
+            <a:schemeClr val="tx1"/>
+          </a:solidFill>
+          <a:latin typeface="+mn-lt"/>
+          <a:ea typeface="+mn-ea"/>
+          <a:cs typeface="+mn-cs"/>
+        </a:defRPr>
+      </a:lvl9pPr>
+    </p:otherStyle>
+  </p:txStyles>
+</p:sldMaster>
+</file>
+
+<file path=ppt/slideMasters/slideMaster2.xml><?xml version="1.0" encoding="utf-8"?>
+<p:sldMaster xmlns:a="http://schemas.openxmlformats.org/drawingml/2006/main" xmlns:r="http://schemas.openxmlformats.org/officeDocument/2006/relationships" xmlns:p="http://schemas.openxmlformats.org/presentationml/2006/main">
+  <p:cSld>
+    <p:bg>
+      <p:bgRef idx="1001">
+        <a:schemeClr val="bg1"/>
+      </p:bgRef>
+    </p:bg>
+    <p:spTree>
+      <p:nvGrpSpPr>
+        <p:cNvPr id="1" name=""/>
+        <p:cNvGrpSpPr/>
+        <p:nvPr/>
+      </p:nvGrpSpPr>
+      <p:grpSpPr>
+        <a:xfrm>
+          <a:off x="0" y="0"/>
+          <a:ext cx="0" cy="0"/>
+          <a:chOff x="0" y="0"/>
+          <a:chExt cx="0" cy="0"/>
+        </a:xfrm>
+      </p:grpSpPr>
+      <p:pic>
+        <p:nvPicPr>
+          <p:cNvPr id="39" name="Picture 38"/>
+          <p:cNvPicPr/>
+          <p:nvPr/>
+        </p:nvPicPr>
+        <p:blipFill>
+          <a:blip r:embed="rId14"/>
+          <a:stretch/>
+        </p:blipFill>
+        <p:spPr>
+          <a:xfrm>
+            <a:off x="720" y="720"/>
+            <a:ext cx="10079280" cy="7559280"/>
+          </a:xfrm>
+          <a:prstGeom prst="rect">
+            <a:avLst/>
+          </a:prstGeom>
+          <a:ln>
+            <a:noFill/>
+          </a:ln>
+        </p:spPr>
+      </p:pic>
+      <p:sp>
+        <p:nvSpPr>
+          <p:cNvPr id="40" name="PlaceHolder 1"/>
+          <p:cNvSpPr>
+            <a:spLocks noGrp="1"/>
+          </p:cNvSpPr>
+          <p:nvPr>
+            <p:ph type="title"/>
+          </p:nvPr>
+        </p:nvSpPr>
+        <p:spPr>
+          <a:xfrm>
+            <a:off x="504000" y="576000"/>
+            <a:ext cx="7199640" cy="719640"/>
+          </a:xfrm>
+          <a:prstGeom prst="rect">
+            <a:avLst/>
+          </a:prstGeom>
+        </p:spPr>
+        <p:txBody>
+          <a:bodyPr lIns="0" tIns="0" rIns="0" bIns="0" anchor="ctr"/>
+          <a:lstStyle/>
+          <a:p>
+            <a:r>
+              <a:rPr lang="en-US" sz="1800" b="0" strike="noStrike" spc="-1">
+                <a:latin typeface="Arial"/>
+              </a:rPr>
+              <a:t>Click to edit the title text format</a:t>
+            </a:r>
+          </a:p>
+        </p:txBody>
+      </p:sp>
+      <p:sp>
+        <p:nvSpPr>
+          <p:cNvPr id="41" name="PlaceHolder 2"/>
+          <p:cNvSpPr>
+            <a:spLocks noGrp="1"/>
+          </p:cNvSpPr>
+          <p:nvPr>
+            <p:ph type="body"/>
+          </p:nvPr>
+        </p:nvSpPr>
+        <p:spPr>
+          <a:xfrm>
+            <a:off x="504000" y="1800000"/>
+            <a:ext cx="9071640" cy="4384080"/>
+          </a:xfrm>
+          <a:prstGeom prst="rect">
+            <a:avLst/>
+          </a:prstGeom>
+        </p:spPr>
+        <p:txBody>
+          <a:bodyPr lIns="0" tIns="0" rIns="0" bIns="0">
+            <a:normAutofit/>
+          </a:bodyPr>
+          <a:lstStyle/>
+          <a:p>
+            <a:pPr marL="432000" indent="-324000">
+              <a:spcBef>
+                <a:spcPts val="1417"/>
+              </a:spcBef>
+              <a:buClr>
+                <a:srgbClr val="000000"/>
+              </a:buClr>
+              <a:buSzPct val="45000"/>
+              <a:buFont typeface="Wingdings" charset="2"/>
+              <a:buChar char=""/>
+            </a:pPr>
+            <a:r>
+              <a:rPr lang="en-US" sz="1800" b="0" strike="noStrike" spc="-1">
+                <a:latin typeface="Arial"/>
+              </a:rPr>
+              <a:t>Click to edit the outline text format</a:t>
+            </a:r>
+          </a:p>
+          <a:p>
+            <a:pPr marL="864000" lvl="1" indent="-324000">
+              <a:spcBef>
+                <a:spcPts val="1134"/>
+              </a:spcBef>
+              <a:buClr>
+                <a:srgbClr val="000000"/>
+              </a:buClr>
+              <a:buSzPct val="75000"/>
+              <a:buFont typeface="Symbol" charset="2"/>
+              <a:buChar char=""/>
+            </a:pPr>
+            <a:r>
+              <a:rPr lang="en-US" sz="1800" b="0" strike="noStrike" spc="-1">
+                <a:latin typeface="Arial"/>
+              </a:rPr>
+              <a:t>Second Outline Level</a:t>
+            </a:r>
+          </a:p>
+          <a:p>
+            <a:pPr marL="1296000" lvl="2" indent="-288000">
+              <a:spcBef>
+                <a:spcPts val="850"/>
+              </a:spcBef>
+              <a:buClr>
+                <a:srgbClr val="000000"/>
+              </a:buClr>
+              <a:buSzPct val="45000"/>
+              <a:buFont typeface="Wingdings" charset="2"/>
+              <a:buChar char=""/>
+            </a:pPr>
+            <a:r>
+              <a:rPr lang="en-US" sz="1800" b="0" strike="noStrike" spc="-1">
+                <a:latin typeface="Arial"/>
+              </a:rPr>
+              <a:t>Third Outline Level</a:t>
+            </a:r>
+          </a:p>
+          <a:p>
+            <a:pPr marL="1728000" lvl="3" indent="-216000">
+              <a:spcBef>
+                <a:spcPts val="567"/>
+              </a:spcBef>
+              <a:buClr>
+                <a:srgbClr val="000000"/>
+              </a:buClr>
+              <a:buSzPct val="75000"/>
+              <a:buFont typeface="Symbol" charset="2"/>
+              <a:buChar char=""/>
+            </a:pPr>
+            <a:r>
+              <a:rPr lang="en-US" sz="1800" b="0" strike="noStrike" spc="-1">
+                <a:latin typeface="Arial"/>
+              </a:rPr>
+              <a:t>Fourth Outline Level</a:t>
+            </a:r>
+          </a:p>
+          <a:p>
+            <a:pPr marL="2160000" lvl="4" indent="-216000">
+              <a:spcBef>
+                <a:spcPts val="283"/>
+              </a:spcBef>
+              <a:buClr>
+                <a:srgbClr val="000000"/>
+              </a:buClr>
+              <a:buSzPct val="45000"/>
+              <a:buFont typeface="Wingdings" charset="2"/>
+              <a:buChar char=""/>
+            </a:pPr>
+            <a:r>
+              <a:rPr lang="en-US" sz="1800" b="0" strike="noStrike" spc="-1">
+                <a:latin typeface="Arial"/>
+              </a:rPr>
+              <a:t>Fifth Outline Level</a:t>
+            </a:r>
+          </a:p>
+          <a:p>
+            <a:pPr marL="2592000" lvl="5" indent="-216000">
+              <a:spcBef>
+                <a:spcPts val="283"/>
+              </a:spcBef>
+              <a:buClr>
+                <a:srgbClr val="000000"/>
+              </a:buClr>
+              <a:buSzPct val="45000"/>
+              <a:buFont typeface="Wingdings" charset="2"/>
+              <a:buChar char=""/>
+            </a:pPr>
+            <a:r>
+              <a:rPr lang="en-US" sz="1800" b="0" strike="noStrike" spc="-1">
+                <a:latin typeface="Arial"/>
+              </a:rPr>
+              <a:t>Sixth Outline Level</a:t>
+            </a:r>
+          </a:p>
+          <a:p>
+            <a:pPr marL="3024000" lvl="6" indent="-216000">
+              <a:spcBef>
+                <a:spcPts val="283"/>
+              </a:spcBef>
+              <a:buClr>
+                <a:srgbClr val="000000"/>
+              </a:buClr>
+              <a:buSzPct val="45000"/>
+              <a:buFont typeface="Wingdings" charset="2"/>
+              <a:buChar char=""/>
+            </a:pPr>
+            <a:r>
+              <a:rPr lang="en-US" sz="1800" b="0" strike="noStrike" spc="-1">
+                <a:latin typeface="Arial"/>
+              </a:rPr>
+              <a:t>Seventh Outline Level</a:t>
+            </a:r>
+          </a:p>
+        </p:txBody>
+      </p:sp>
+    </p:spTree>
+  </p:cSld>
+  <p:clrMap bg1="lt1" tx1="dk1" bg2="lt2" tx2="dk2" accent1="accent1" accent2="accent2" accent3="accent3" accent4="accent4" accent5="accent5" accent6="accent6" hlink="hlink" folHlink="folHlink"/>
+  <p:sldLayoutIdLst>
+    <p:sldLayoutId id="2147483662" r:id="rId1"/>
+    <p:sldLayoutId id="2147483663" r:id="rId2"/>
+    <p:sldLayoutId id="2147483664" r:id="rId3"/>
+    <p:sldLayoutId id="2147483665" r:id="rId4"/>
+    <p:sldLayoutId id="2147483666" r:id="rId5"/>
+    <p:sldLayoutId id="2147483667" r:id="rId6"/>
+    <p:sldLayoutId id="2147483668" r:id="rId7"/>
+    <p:sldLayoutId id="2147483669" r:id="rId8"/>
+    <p:sldLayoutId id="2147483670" r:id="rId9"/>
+    <p:sldLayoutId id="2147483671" r:id="rId10"/>
+    <p:sldLayoutId id="2147483672" r:id="rId11"/>
+    <p:sldLayoutId id="2147483673" r:id="rId12"/>
+  </p:sldLayoutIdLst>
+  <p:txStyles>
+    <p:titleStyle>
+      <a:lvl1pPr algn="l" defTabSz="914400" rtl="0" eaLnBrk="1" latinLnBrk="0" hangingPunct="1">
+        <a:lnSpc>
+          <a:spcPct val="90000"/>
+        </a:lnSpc>
+        <a:spcBef>
+          <a:spcPct val="0"/>
+        </a:spcBef>
+        <a:buNone/>
+        <a:defRPr sz="4400" kern="1200">
+          <a:solidFill>
+            <a:schemeClr val="tx1"/>
+          </a:solidFill>
+          <a:latin typeface="+mj-lt"/>
+          <a:ea typeface="+mj-ea"/>
+          <a:cs typeface="+mj-cs"/>
+        </a:defRPr>
+      </a:lvl1pPr>
+    </p:titleStyle>
+    <p:bodyStyle>
+      <a:lvl1pPr marL="228600" indent="-228600" algn="l" defTabSz="914400" rtl="0" eaLnBrk="1" latinLnBrk="0" hangingPunct="1">
+        <a:lnSpc>
+          <a:spcPct val="90000"/>
+        </a:lnSpc>
+        <a:spcBef>
+          <a:spcPts val="1000"/>
+        </a:spcBef>
+        <a:buFont typeface="Arial" panose="020B0604020202020204" pitchFamily="34" charset="0"/>
+        <a:buChar char="•"/>
+        <a:defRPr sz="2800" kern="1200">
+          <a:solidFill>
+            <a:schemeClr val="tx1"/>
+          </a:solidFill>
+          <a:latin typeface="+mn-lt"/>
+          <a:ea typeface="+mn-ea"/>
+          <a:cs typeface="+mn-cs"/>
+        </a:defRPr>
+      </a:lvl1pPr>
+      <a:lvl2pPr marL="685800" indent="-228600" algn="l" defTabSz="914400" rtl="0" eaLnBrk="1" latinLnBrk="0" hangingPunct="1">
+        <a:lnSpc>
+          <a:spcPct val="90000"/>
+        </a:lnSpc>
+        <a:spcBef>
+          <a:spcPts val="500"/>
+        </a:spcBef>
+        <a:buFont typeface="Arial" panose="020B0604020202020204" pitchFamily="34" charset="0"/>
+        <a:buChar char="•"/>
+        <a:defRPr sz="2400" kern="1200">
+          <a:solidFill>
+            <a:schemeClr val="tx1"/>
+          </a:solidFill>
+          <a:latin typeface="+mn-lt"/>
+          <a:ea typeface="+mn-ea"/>
+          <a:cs typeface="+mn-cs"/>
+        </a:defRPr>
+      </a:lvl2pPr>
+      <a:lvl3pPr marL="1143000" indent="-228600" algn="l" defTabSz="914400" rtl="0" eaLnBrk="1" latinLnBrk="0" hangingPunct="1">
+        <a:lnSpc>
+          <a:spcPct val="90000"/>
+        </a:lnSpc>
+        <a:spcBef>
+          <a:spcPts val="500"/>
+        </a:spcBef>
+        <a:buFont typeface="Arial" panose="020B0604020202020204" pitchFamily="34" charset="0"/>
+        <a:buChar char="•"/>
+        <a:defRPr sz="2000" kern="1200">
+          <a:solidFill>
+            <a:schemeClr val="tx1"/>
+          </a:solidFill>
+          <a:latin typeface="+mn-lt"/>
+          <a:ea typeface="+mn-ea"/>
+          <a:cs typeface="+mn-cs"/>
+        </a:defRPr>
+      </a:lvl3pPr>
+      <a:lvl4pPr marL="1600200" indent="-228600" algn="l" defTabSz="914400" rtl="0" eaLnBrk="1" latinLnBrk="0" hangingPunct="1">
+        <a:lnSpc>
+          <a:spcPct val="90000"/>
+        </a:lnSpc>
+        <a:spcBef>
+          <a:spcPts val="500"/>
+        </a:spcBef>
+        <a:buFont typeface="Arial" panose="020B0604020202020204" pitchFamily="34" charset="0"/>
+        <a:buChar char="•"/>
+        <a:defRPr sz="1800" kern="1200">
+          <a:solidFill>
+            <a:schemeClr val="tx1"/>
+          </a:solidFill>
+          <a:latin typeface="+mn-lt"/>
+          <a:ea typeface="+mn-ea"/>
+          <a:cs typeface="+mn-cs"/>
+        </a:defRPr>
+      </a:lvl4pPr>
+      <a:lvl5pPr marL="2057400" indent="-228600" algn="l" defTabSz="914400" rtl="0" eaLnBrk="1" latinLnBrk="0" hangingPunct="1">
+        <a:lnSpc>
+          <a:spcPct val="90000"/>
+        </a:lnSpc>
+        <a:spcBef>
+          <a:spcPts val="500"/>
+        </a:spcBef>
+        <a:buFont typeface="Arial" panose="020B0604020202020204" pitchFamily="34" charset="0"/>
+        <a:buChar char="•"/>
+        <a:defRPr sz="1800" kern="1200">
+          <a:solidFill>
+            <a:schemeClr val="tx1"/>
+          </a:solidFill>
+          <a:latin typeface="+mn-lt"/>
+          <a:ea typeface="+mn-ea"/>
+          <a:cs typeface="+mn-cs"/>
+        </a:defRPr>
+      </a:lvl5pPr>
+      <a:lvl6pPr marL="2514600" indent="-228600" algn="l" defTabSz="914400" rtl="0" eaLnBrk="1" latinLnBrk="0" hangingPunct="1">
+        <a:lnSpc>
+          <a:spcPct val="90000"/>
+        </a:lnSpc>
+        <a:spcBef>
+          <a:spcPts val="500"/>
+        </a:spcBef>
+        <a:buFont typeface="Arial" panose="020B0604020202020204" pitchFamily="34" charset="0"/>
+        <a:buChar char="•"/>
+        <a:defRPr sz="1800" kern="1200">
+          <a:solidFill>
+            <a:schemeClr val="tx1"/>
+          </a:solidFill>
+          <a:latin typeface="+mn-lt"/>
+          <a:ea typeface="+mn-ea"/>
+          <a:cs typeface="+mn-cs"/>
+        </a:defRPr>
+      </a:lvl6pPr>
+      <a:lvl7pPr marL="2971800" indent="-228600" algn="l" defTabSz="914400" rtl="0" eaLnBrk="1" latinLnBrk="0" hangingPunct="1">
+        <a:lnSpc>
+          <a:spcPct val="90000"/>
+        </a:lnSpc>
+        <a:spcBef>
+          <a:spcPts val="500"/>
+        </a:spcBef>
+        <a:buFont typeface="Arial" panose="020B0604020202020204" pitchFamily="34" charset="0"/>
+        <a:buChar char="•"/>
+        <a:defRPr sz="1800" kern="1200">
+          <a:solidFill>
+            <a:schemeClr val="tx1"/>
+          </a:solidFill>
+          <a:latin typeface="+mn-lt"/>
+          <a:ea typeface="+mn-ea"/>
+          <a:cs typeface="+mn-cs"/>
+        </a:defRPr>
+      </a:lvl7pPr>
+      <a:lvl8pPr marL="3429000" indent="-228600" algn="l" defTabSz="914400" rtl="0" eaLnBrk="1" latinLnBrk="0" hangingPunct="1">
+        <a:lnSpc>
+          <a:spcPct val="90000"/>
+        </a:lnSpc>
+        <a:spcBef>
+          <a:spcPts val="500"/>
+        </a:spcBef>
+        <a:buFont typeface="Arial" panose="020B0604020202020204" pitchFamily="34" charset="0"/>
+        <a:buChar char="•"/>
+        <a:defRPr sz="1800" kern="1200">
+          <a:solidFill>
+            <a:schemeClr val="tx1"/>
+          </a:solidFill>
+          <a:latin typeface="+mn-lt"/>
+          <a:ea typeface="+mn-ea"/>
+          <a:cs typeface="+mn-cs"/>
+        </a:defRPr>
+      </a:lvl8pPr>
+      <a:lvl9pPr marL="3886200" indent="-228600" algn="l" defTabSz="914400" rtl="0" eaLnBrk="1" latinLnBrk="0" hangingPunct="1">
+        <a:lnSpc>
+          <a:spcPct val="90000"/>
+        </a:lnSpc>
+        <a:spcBef>
+          <a:spcPts val="500"/>
+        </a:spcBef>
+        <a:buFont typeface="Arial" panose="020B0604020202020204" pitchFamily="34" charset="0"/>
+        <a:buChar char="•"/>
+        <a:defRPr sz="1800" kern="1200">
+          <a:solidFill>
+            <a:schemeClr val="tx1"/>
+          </a:solidFill>
+          <a:latin typeface="+mn-lt"/>
+          <a:ea typeface="+mn-ea"/>
+          <a:cs typeface="+mn-cs"/>
+        </a:defRPr>
+      </a:lvl9pPr>
+    </p:bodyStyle>
+    <p:otherStyle>
+      <a:defPPr>
+        <a:defRPr lang="en-US"/>
+      </a:defPPr>
+      <a:lvl1pPr marL="0" algn="l" defTabSz="914400" rtl="0" eaLnBrk="1" latinLnBrk="0" hangingPunct="1">
+        <a:defRPr sz="1800" kern="1200">
+          <a:solidFill>
+            <a:schemeClr val="tx1"/>
+          </a:solidFill>
+          <a:latin typeface="+mn-lt"/>
+          <a:ea typeface="+mn-ea"/>
+          <a:cs typeface="+mn-cs"/>
+        </a:defRPr>
+      </a:lvl1pPr>
+      <a:lvl2pPr marL="457200" algn="l" defTabSz="914400" rtl="0" eaLnBrk="1" latinLnBrk="0" hangingPunct="1">
+        <a:defRPr sz="1800" kern="1200">
+          <a:solidFill>
+            <a:schemeClr val="tx1"/>
+          </a:solidFill>
+          <a:latin typeface="+mn-lt"/>
+          <a:ea typeface="+mn-ea"/>
+          <a:cs typeface="+mn-cs"/>
+        </a:defRPr>
+      </a:lvl2pPr>
+      <a:lvl3pPr marL="914400" algn="l" defTabSz="914400" rtl="0" eaLnBrk="1" latinLnBrk="0" hangingPunct="1">
+        <a:defRPr sz="1800" kern="1200">
+          <a:solidFill>
+            <a:schemeClr val="tx1"/>
+          </a:solidFill>
+          <a:latin typeface="+mn-lt"/>
+          <a:ea typeface="+mn-ea"/>
+          <a:cs typeface="+mn-cs"/>
+        </a:defRPr>
+      </a:lvl3pPr>
+      <a:lvl4pPr marL="1371600" algn="l" defTabSz="914400" rtl="0" eaLnBrk="1" latinLnBrk="0" hangingPunct="1">
+        <a:defRPr sz="1800" kern="1200">
+          <a:solidFill>
+            <a:schemeClr val="tx1"/>
+          </a:solidFill>
+          <a:latin typeface="+mn-lt"/>
+          <a:ea typeface="+mn-ea"/>
+          <a:cs typeface="+mn-cs"/>
+        </a:defRPr>
+      </a:lvl4pPr>
+      <a:lvl5pPr marL="1828800" algn="l" defTabSz="914400" rtl="0" eaLnBrk="1" latinLnBrk="0" hangingPunct="1">
+        <a:defRPr sz="1800" kern="1200">
+          <a:solidFill>
+            <a:schemeClr val="tx1"/>
+          </a:solidFill>
+          <a:latin typeface="+mn-lt"/>
+          <a:ea typeface="+mn-ea"/>
+          <a:cs typeface="+mn-cs"/>
+        </a:defRPr>
+      </a:lvl5pPr>
+      <a:lvl6pPr marL="2286000" algn="l" defTabSz="914400" rtl="0" eaLnBrk="1" latinLnBrk="0" hangingPunct="1">
+        <a:defRPr sz="1800" kern="1200">
+          <a:solidFill>
+            <a:schemeClr val="tx1"/>
+          </a:solidFill>
+          <a:latin typeface="+mn-lt"/>
+          <a:ea typeface="+mn-ea"/>
+          <a:cs typeface="+mn-cs"/>
+        </a:defRPr>
+      </a:lvl6pPr>
+      <a:lvl7pPr marL="2743200" algn="l" defTabSz="914400" rtl="0" eaLnBrk="1" latinLnBrk="0" hangingPunct="1">
+        <a:defRPr sz="1800" kern="1200">
+          <a:solidFill>
+            <a:schemeClr val="tx1"/>
+          </a:solidFill>
+          <a:latin typeface="+mn-lt"/>
+          <a:ea typeface="+mn-ea"/>
+          <a:cs typeface="+mn-cs"/>
+        </a:defRPr>
+      </a:lvl7pPr>
+      <a:lvl8pPr marL="3200400" algn="l" defTabSz="914400" rtl="0" eaLnBrk="1" latinLnBrk="0" hangingPunct="1">
+        <a:defRPr sz="1800" kern="1200">
+          <a:solidFill>
+            <a:schemeClr val="tx1"/>
+          </a:solidFill>
+          <a:latin typeface="+mn-lt"/>
+          <a:ea typeface="+mn-ea"/>
+          <a:cs typeface="+mn-cs"/>
+        </a:defRPr>
+      </a:lvl8pPr>
+      <a:lvl9pPr marL="3657600" algn="l" defTabSz="914400" rtl="0" eaLnBrk="1" latinLnBrk="0" hangingPunct="1">
+        <a:defRPr sz="1800" kern="1200">
+          <a:solidFill>
+            <a:schemeClr val="tx1"/>
+          </a:solidFill>
+          <a:latin typeface="+mn-lt"/>
+          <a:ea typeface="+mn-ea"/>
+          <a:cs typeface="+mn-cs"/>
+        </a:defRPr>
+      </a:lvl9pPr>
+    </p:otherStyle>
+  </p:txStyles>
+</p:sldMaster>
+</file>
+
+<file path=ppt/slideMasters/slideMaster3.xml><?xml version="1.0" encoding="utf-8"?>
+<p:sldMaster xmlns:a="http://schemas.openxmlformats.org/drawingml/2006/main" xmlns:r="http://schemas.openxmlformats.org/officeDocument/2006/relationships" xmlns:p="http://schemas.openxmlformats.org/presentationml/2006/main">
+  <p:cSld>
+    <p:bg>
+      <p:bgRef idx="1001">
+        <a:schemeClr val="bg1"/>
+      </p:bgRef>
+    </p:bg>
+    <p:spTree>
+      <p:nvGrpSpPr>
+        <p:cNvPr id="1" name=""/>
+        <p:cNvGrpSpPr/>
+        <p:nvPr/>
+      </p:nvGrpSpPr>
+      <p:grpSpPr>
+        <a:xfrm>
+          <a:off x="0" y="0"/>
+          <a:ext cx="0" cy="0"/>
+          <a:chOff x="0" y="0"/>
+          <a:chExt cx="0" cy="0"/>
+        </a:xfrm>
+      </p:grpSpPr>
+      <p:pic>
+        <p:nvPicPr>
+          <p:cNvPr id="78" name="Picture 77"/>
+          <p:cNvPicPr/>
+          <p:nvPr/>
+        </p:nvPicPr>
+        <p:blipFill>
+          <a:blip r:embed="rId14"/>
+          <a:stretch/>
+        </p:blipFill>
+        <p:spPr>
+          <a:xfrm>
+            <a:off x="720" y="720"/>
+            <a:ext cx="10079280" cy="7559280"/>
+          </a:xfrm>
+          <a:prstGeom prst="rect">
+            <a:avLst/>
+          </a:prstGeom>
+          <a:ln>
+            <a:noFill/>
+          </a:ln>
+        </p:spPr>
+      </p:pic>
+      <p:sp>
+        <p:nvSpPr>
+          <p:cNvPr id="79" name="PlaceHolder 1"/>
+          <p:cNvSpPr>
+            <a:spLocks noGrp="1"/>
+          </p:cNvSpPr>
+          <p:nvPr>
+            <p:ph type="title"/>
+          </p:nvPr>
+        </p:nvSpPr>
+        <p:spPr>
+          <a:xfrm>
+            <a:off x="504000" y="576000"/>
+            <a:ext cx="7199640" cy="719640"/>
+          </a:xfrm>
+          <a:prstGeom prst="rect">
+            <a:avLst/>
+          </a:prstGeom>
+        </p:spPr>
+        <p:txBody>
+          <a:bodyPr lIns="0" tIns="0" rIns="0" bIns="0" anchor="ctr"/>
+          <a:lstStyle/>
+          <a:p>
+            <a:r>
+              <a:rPr lang="en-US" sz="1800" b="0" strike="noStrike" spc="-1">
+                <a:latin typeface="Arial"/>
+              </a:rPr>
+              <a:t>Click to edit the title text format</a:t>
+            </a:r>
+          </a:p>
+        </p:txBody>
+      </p:sp>
+      <p:sp>
+        <p:nvSpPr>
+          <p:cNvPr id="80" name="PlaceHolder 2"/>
+          <p:cNvSpPr>
+            <a:spLocks noGrp="1"/>
+          </p:cNvSpPr>
+          <p:nvPr>
+            <p:ph type="body"/>
+          </p:nvPr>
+        </p:nvSpPr>
+        <p:spPr>
+          <a:xfrm>
+            <a:off x="504000" y="1768680"/>
+            <a:ext cx="9072000" cy="4384080"/>
+          </a:xfrm>
+          <a:prstGeom prst="rect">
+            <a:avLst/>
+          </a:prstGeom>
+        </p:spPr>
+        <p:txBody>
+          <a:bodyPr lIns="0" tIns="0" rIns="0" bIns="0">
+            <a:normAutofit/>
+          </a:bodyPr>
+          <a:lstStyle/>
+          <a:p>
+            <a:pPr marL="432000" indent="-324000">
+              <a:spcBef>
+                <a:spcPts val="1417"/>
+              </a:spcBef>
+              <a:buClr>
+                <a:srgbClr val="000000"/>
+              </a:buClr>
+              <a:buSzPct val="45000"/>
+              <a:buFont typeface="Wingdings" charset="2"/>
+              <a:buChar char=""/>
+            </a:pPr>
+            <a:r>
+              <a:rPr lang="en-US" sz="3200" b="0" strike="noStrike" spc="-1">
+                <a:latin typeface="Arial"/>
+              </a:rPr>
+              <a:t>Click to edit the outline text format</a:t>
+            </a:r>
+          </a:p>
+          <a:p>
+            <a:pPr marL="864000" lvl="1" indent="-324000">
+              <a:spcBef>
+                <a:spcPts val="1134"/>
+              </a:spcBef>
+              <a:buClr>
+                <a:srgbClr val="000000"/>
+              </a:buClr>
+              <a:buSzPct val="75000"/>
+              <a:buFont typeface="Symbol" charset="2"/>
+              <a:buChar char=""/>
+            </a:pPr>
+            <a:r>
+              <a:rPr lang="en-US" sz="2800" b="0" strike="noStrike" spc="-1">
+                <a:latin typeface="Arial"/>
+              </a:rPr>
+              <a:t>Second Outline Level</a:t>
+            </a:r>
+          </a:p>
+          <a:p>
+            <a:pPr marL="1296000" lvl="2" indent="-288000">
+              <a:spcBef>
+                <a:spcPts val="850"/>
+              </a:spcBef>
+              <a:buClr>
+                <a:srgbClr val="000000"/>
+              </a:buClr>
+              <a:buSzPct val="45000"/>
+              <a:buFont typeface="Wingdings" charset="2"/>
+              <a:buChar char=""/>
+            </a:pPr>
+            <a:r>
+              <a:rPr lang="en-US" sz="2400" b="0" strike="noStrike" spc="-1">
+                <a:latin typeface="Arial"/>
+              </a:rPr>
+              <a:t>Third Outline Level</a:t>
+            </a:r>
+          </a:p>
+          <a:p>
+            <a:pPr marL="1728000" lvl="3" indent="-216000">
+              <a:spcBef>
+                <a:spcPts val="567"/>
+              </a:spcBef>
+              <a:buClr>
+                <a:srgbClr val="000000"/>
+              </a:buClr>
+              <a:buSzPct val="75000"/>
+              <a:buFont typeface="Symbol" charset="2"/>
+              <a:buChar char=""/>
+            </a:pPr>
+            <a:r>
+              <a:rPr lang="en-US" sz="2000" b="0" strike="noStrike" spc="-1">
+                <a:latin typeface="Arial"/>
+              </a:rPr>
+              <a:t>Fourth Outline Level</a:t>
+            </a:r>
+          </a:p>
+          <a:p>
+            <a:pPr marL="2160000" lvl="4" indent="-216000">
+              <a:spcBef>
+                <a:spcPts val="283"/>
+              </a:spcBef>
+              <a:buClr>
+                <a:srgbClr val="000000"/>
+              </a:buClr>
+              <a:buSzPct val="45000"/>
+              <a:buFont typeface="Wingdings" charset="2"/>
+              <a:buChar char=""/>
+            </a:pPr>
+            <a:r>
+              <a:rPr lang="en-US" sz="2000" b="0" strike="noStrike" spc="-1">
+                <a:latin typeface="Arial"/>
+              </a:rPr>
+              <a:t>Fifth Outline Level</a:t>
+            </a:r>
+          </a:p>
+          <a:p>
+            <a:pPr marL="2592000" lvl="5" indent="-216000">
+              <a:spcBef>
+                <a:spcPts val="283"/>
+              </a:spcBef>
+              <a:buClr>
+                <a:srgbClr val="000000"/>
+              </a:buClr>
+              <a:buSzPct val="45000"/>
+              <a:buFont typeface="Wingdings" charset="2"/>
+              <a:buChar char=""/>
+            </a:pPr>
+            <a:r>
+              <a:rPr lang="en-US" sz="2000" b="0" strike="noStrike" spc="-1">
+                <a:latin typeface="Arial"/>
+              </a:rPr>
+              <a:t>Sixth Outline Level</a:t>
+            </a:r>
+          </a:p>
+          <a:p>
+            <a:pPr marL="3024000" lvl="6" indent="-216000">
+              <a:spcBef>
+                <a:spcPts val="283"/>
+              </a:spcBef>
+              <a:buClr>
+                <a:srgbClr val="000000"/>
+              </a:buClr>
+              <a:buSzPct val="45000"/>
+              <a:buFont typeface="Wingdings" charset="2"/>
+              <a:buChar char=""/>
+            </a:pPr>
+            <a:r>
+              <a:rPr lang="en-US" sz="2000" b="0" strike="noStrike" spc="-1">
+                <a:latin typeface="Arial"/>
+              </a:rPr>
+              <a:t>Seventh Outline Level</a:t>
+            </a:r>
+          </a:p>
+        </p:txBody>
+      </p:sp>
+    </p:spTree>
+  </p:cSld>
+  <p:clrMap bg1="lt1" tx1="dk1" bg2="lt2" tx2="dk2" accent1="accent1" accent2="accent2" accent3="accent3" accent4="accent4" accent5="accent5" accent6="accent6" hlink="hlink" folHlink="folHlink"/>
+  <p:sldLayoutIdLst>
+    <p:sldLayoutId id="2147483675" r:id="rId1"/>
+    <p:sldLayoutId id="2147483676" r:id="rId2"/>
+    <p:sldLayoutId id="2147483677" r:id="rId3"/>
+    <p:sldLayoutId id="2147483678" r:id="rId4"/>
+    <p:sldLayoutId id="2147483679" r:id="rId5"/>
+    <p:sldLayoutId id="2147483680" r:id="rId6"/>
+    <p:sldLayoutId id="2147483681" r:id="rId7"/>
+    <p:sldLayoutId id="2147483682" r:id="rId8"/>
+    <p:sldLayoutId id="2147483683" r:id="rId9"/>
+    <p:sldLayoutId id="2147483684" r:id="rId10"/>
+    <p:sldLayoutId id="2147483685" r:id="rId11"/>
+    <p:sldLayoutId id="2147483686" r:id="rId12"/>
+  </p:sldLayoutIdLst>
+  <p:txStyles>
+    <p:titleStyle>
+      <a:lvl1pPr algn="l" defTabSz="914400" rtl="0" eaLnBrk="1" latinLnBrk="0" hangingPunct="1">
+        <a:lnSpc>
+          <a:spcPct val="90000"/>
+        </a:lnSpc>
+        <a:spcBef>
+          <a:spcPct val="0"/>
+        </a:spcBef>
+        <a:buNone/>
+        <a:defRPr sz="4400" kern="1200">
+          <a:solidFill>
+            <a:schemeClr val="tx1"/>
+          </a:solidFill>
+          <a:latin typeface="+mj-lt"/>
+          <a:ea typeface="+mj-ea"/>
+          <a:cs typeface="+mj-cs"/>
+        </a:defRPr>
+      </a:lvl1pPr>
+    </p:titleStyle>
+    <p:bodyStyle>
+      <a:lvl1pPr marL="228600" indent="-228600" algn="l" defTabSz="914400" rtl="0" eaLnBrk="1" latinLnBrk="0" hangingPunct="1">
+        <a:lnSpc>
+          <a:spcPct val="90000"/>
+        </a:lnSpc>
+        <a:spcBef>
+          <a:spcPts val="1000"/>
+        </a:spcBef>
+        <a:buFont typeface="Arial" panose="020B0604020202020204" pitchFamily="34" charset="0"/>
+        <a:buChar char="•"/>
+        <a:defRPr sz="2800" kern="1200">
+          <a:solidFill>
+            <a:schemeClr val="tx1"/>
+          </a:solidFill>
+          <a:latin typeface="+mn-lt"/>
+          <a:ea typeface="+mn-ea"/>
+          <a:cs typeface="+mn-cs"/>
+        </a:defRPr>
+      </a:lvl1pPr>
+      <a:lvl2pPr marL="685800" indent="-228600" algn="l" defTabSz="914400" rtl="0" eaLnBrk="1" latinLnBrk="0" hangingPunct="1">
+        <a:lnSpc>
+          <a:spcPct val="90000"/>
+        </a:lnSpc>
+        <a:spcBef>
+          <a:spcPts val="500"/>
+        </a:spcBef>
+        <a:buFont typeface="Arial" panose="020B0604020202020204" pitchFamily="34" charset="0"/>
+        <a:buChar char="•"/>
+        <a:defRPr sz="2400" kern="1200">
+          <a:solidFill>
+            <a:schemeClr val="tx1"/>
+          </a:solidFill>
+          <a:latin typeface="+mn-lt"/>
+          <a:ea typeface="+mn-ea"/>
+          <a:cs typeface="+mn-cs"/>
+        </a:defRPr>
+      </a:lvl2pPr>
+      <a:lvl3pPr marL="1143000" indent="-228600" algn="l" defTabSz="914400" rtl="0" eaLnBrk="1" latinLnBrk="0" hangingPunct="1">
+        <a:lnSpc>
+          <a:spcPct val="90000"/>
+        </a:lnSpc>
+        <a:spcBef>
+          <a:spcPts val="500"/>
+        </a:spcBef>
+        <a:buFont typeface="Arial" panose="020B0604020202020204" pitchFamily="34" charset="0"/>
+        <a:buChar char="•"/>
+        <a:defRPr sz="2000" kern="1200">
+          <a:solidFill>
+            <a:schemeClr val="tx1"/>
+          </a:solidFill>
+          <a:latin typeface="+mn-lt"/>
+          <a:ea typeface="+mn-ea"/>
+          <a:cs typeface="+mn-cs"/>
+        </a:defRPr>
+      </a:lvl3pPr>
+      <a:lvl4pPr marL="1600200" indent="-228600" algn="l" defTabSz="914400" rtl="0" eaLnBrk="1" latinLnBrk="0" hangingPunct="1">
+        <a:lnSpc>
+          <a:spcPct val="90000"/>
+        </a:lnSpc>
+        <a:spcBef>
+          <a:spcPts val="500"/>
+        </a:spcBef>
+        <a:buFont typeface="Arial" panose="020B0604020202020204" pitchFamily="34" charset="0"/>
+        <a:buChar char="•"/>
+        <a:defRPr sz="1800" kern="1200">
+          <a:solidFill>
+            <a:schemeClr val="tx1"/>
+          </a:solidFill>
+          <a:latin typeface="+mn-lt"/>
+          <a:ea typeface="+mn-ea"/>
+          <a:cs typeface="+mn-cs"/>
+        </a:defRPr>
+      </a:lvl4pPr>
+      <a:lvl5pPr marL="2057400" indent="-228600" algn="l" defTabSz="914400" rtl="0" eaLnBrk="1" latinLnBrk="0" hangingPunct="1">
+        <a:lnSpc>
+          <a:spcPct val="90000"/>
+        </a:lnSpc>
+        <a:spcBef>
+          <a:spcPts val="500"/>
+        </a:spcBef>
+        <a:buFont typeface="Arial" panose="020B0604020202020204" pitchFamily="34" charset="0"/>
+        <a:buChar char="•"/>
+        <a:defRPr sz="1800" kern="1200">
+          <a:solidFill>
+            <a:schemeClr val="tx1"/>
+          </a:solidFill>
+          <a:latin typeface="+mn-lt"/>
+          <a:ea typeface="+mn-ea"/>
+          <a:cs typeface="+mn-cs"/>
+        </a:defRPr>
+      </a:lvl5pPr>
+      <a:lvl6pPr marL="2514600" indent="-228600" algn="l" defTabSz="914400" rtl="0" eaLnBrk="1" latinLnBrk="0" hangingPunct="1">
+        <a:lnSpc>
+          <a:spcPct val="90000"/>
+        </a:lnSpc>
+        <a:spcBef>
+          <a:spcPts val="500"/>
+        </a:spcBef>
+        <a:buFont typeface="Arial" panose="020B0604020202020204" pitchFamily="34" charset="0"/>
+        <a:buChar char="•"/>
+        <a:defRPr sz="1800" kern="1200">
+          <a:solidFill>
+            <a:schemeClr val="tx1"/>
+          </a:solidFill>
+          <a:latin typeface="+mn-lt"/>
+          <a:ea typeface="+mn-ea"/>
+          <a:cs typeface="+mn-cs"/>
+        </a:defRPr>
+      </a:lvl6pPr>
+      <a:lvl7pPr marL="2971800" indent="-228600" algn="l" defTabSz="914400" rtl="0" eaLnBrk="1" latinLnBrk="0" hangingPunct="1">
+        <a:lnSpc>
+          <a:spcPct val="90000"/>
+        </a:lnSpc>
+        <a:spcBef>
+          <a:spcPts val="500"/>
+        </a:spcBef>
+        <a:buFont typeface="Arial" panose="020B0604020202020204" pitchFamily="34" charset="0"/>
+        <a:buChar char="•"/>
+        <a:defRPr sz="1800" kern="1200">
+          <a:solidFill>
+            <a:schemeClr val="tx1"/>
+          </a:solidFill>
+          <a:latin typeface="+mn-lt"/>
+          <a:ea typeface="+mn-ea"/>
+          <a:cs typeface="+mn-cs"/>
+        </a:defRPr>
+      </a:lvl7pPr>
+      <a:lvl8pPr marL="3429000" indent="-228600" algn="l" defTabSz="914400" rtl="0" eaLnBrk="1" latinLnBrk="0" hangingPunct="1">
+        <a:lnSpc>
+          <a:spcPct val="90000"/>
+        </a:lnSpc>
+        <a:spcBef>
+          <a:spcPts val="500"/>
+        </a:spcBef>
+        <a:buFont typeface="Arial" panose="020B0604020202020204" pitchFamily="34" charset="0"/>
+        <a:buChar char="•"/>
+        <a:defRPr sz="1800" kern="1200">
+          <a:solidFill>
+            <a:schemeClr val="tx1"/>
+          </a:solidFill>
+          <a:latin typeface="+mn-lt"/>
+          <a:ea typeface="+mn-ea"/>
+          <a:cs typeface="+mn-cs"/>
+        </a:defRPr>
+      </a:lvl8pPr>
+      <a:lvl9pPr marL="3886200" indent="-228600" algn="l" defTabSz="914400" rtl="0" eaLnBrk="1" latinLnBrk="0" hangingPunct="1">
+        <a:lnSpc>
+          <a:spcPct val="90000"/>
+        </a:lnSpc>
+        <a:spcBef>
+          <a:spcPts val="500"/>
+        </a:spcBef>
+        <a:buFont typeface="Arial" panose="020B0604020202020204" pitchFamily="34" charset="0"/>
+        <a:buChar char="•"/>
+        <a:defRPr sz="1800" kern="1200">
+          <a:solidFill>
+            <a:schemeClr val="tx1"/>
+          </a:solidFill>
+          <a:latin typeface="+mn-lt"/>
+          <a:ea typeface="+mn-ea"/>
+          <a:cs typeface="+mn-cs"/>
+        </a:defRPr>
+      </a:lvl9pPr>
+    </p:bodyStyle>
+    <p:otherStyle>
+      <a:defPPr>
+        <a:defRPr lang="en-US"/>
+      </a:defPPr>
+      <a:lvl1pPr marL="0" algn="l" defTabSz="914400" rtl="0" eaLnBrk="1" latinLnBrk="0" hangingPunct="1">
+        <a:defRPr sz="1800" kern="1200">
+          <a:solidFill>
+            <a:schemeClr val="tx1"/>
+          </a:solidFill>
+          <a:latin typeface="+mn-lt"/>
+          <a:ea typeface="+mn-ea"/>
+          <a:cs typeface="+mn-cs"/>
+        </a:defRPr>
+      </a:lvl1pPr>
+      <a:lvl2pPr marL="457200" algn="l" defTabSz="914400" rtl="0" eaLnBrk="1" latinLnBrk="0" hangingPunct="1">
+        <a:defRPr sz="1800" kern="1200">
+          <a:solidFill>
+            <a:schemeClr val="tx1"/>
+          </a:solidFill>
+          <a:latin typeface="+mn-lt"/>
+          <a:ea typeface="+mn-ea"/>
+          <a:cs typeface="+mn-cs"/>
+        </a:defRPr>
+      </a:lvl2pPr>
+      <a:lvl3pPr marL="914400" algn="l" defTabSz="914400" rtl="0" eaLnBrk="1" latinLnBrk="0" hangingPunct="1">
+        <a:defRPr sz="1800" kern="1200">
+          <a:solidFill>
+            <a:schemeClr val="tx1"/>
+          </a:solidFill>
+          <a:latin typeface="+mn-lt"/>
+          <a:ea typeface="+mn-ea"/>
+          <a:cs typeface="+mn-cs"/>
+        </a:defRPr>
+      </a:lvl3pPr>
+      <a:lvl4pPr marL="1371600" algn="l" defTabSz="914400" rtl="0" eaLnBrk="1" latinLnBrk="0" hangingPunct="1">
+        <a:defRPr sz="1800" kern="1200">
+          <a:solidFill>
+            <a:schemeClr val="tx1"/>
+          </a:solidFill>
+          <a:latin typeface="+mn-lt"/>
+          <a:ea typeface="+mn-ea"/>
+          <a:cs typeface="+mn-cs"/>
+        </a:defRPr>
+      </a:lvl4pPr>
+      <a:lvl5pPr marL="1828800" algn="l" defTabSz="914400" rtl="0" eaLnBrk="1" latinLnBrk="0" hangingPunct="1">
+        <a:defRPr sz="1800" kern="1200">
+          <a:solidFill>
+            <a:schemeClr val="tx1"/>
+          </a:solidFill>
+          <a:latin typeface="+mn-lt"/>
+          <a:ea typeface="+mn-ea"/>
+          <a:cs typeface="+mn-cs"/>
+        </a:defRPr>
+      </a:lvl5pPr>
+      <a:lvl6pPr marL="2286000" algn="l" defTabSz="914400" rtl="0" eaLnBrk="1" latinLnBrk="0" hangingPunct="1">
+        <a:defRPr sz="1800" kern="1200">
+          <a:solidFill>
+            <a:schemeClr val="tx1"/>
+          </a:solidFill>
+          <a:latin typeface="+mn-lt"/>
+          <a:ea typeface="+mn-ea"/>
+          <a:cs typeface="+mn-cs"/>
+        </a:defRPr>
+      </a:lvl6pPr>
+      <a:lvl7pPr marL="2743200" algn="l" defTabSz="914400" rtl="0" eaLnBrk="1" latinLnBrk="0" hangingPunct="1">
+        <a:defRPr sz="1800" kern="1200">
+          <a:solidFill>
+            <a:schemeClr val="tx1"/>
+          </a:solidFill>
+          <a:latin typeface="+mn-lt"/>
+          <a:ea typeface="+mn-ea"/>
+          <a:cs typeface="+mn-cs"/>
+        </a:defRPr>
+      </a:lvl7pPr>
+      <a:lvl8pPr marL="3200400" algn="l" defTabSz="914400" rtl="0" eaLnBrk="1" latinLnBrk="0" hangingPunct="1">
+        <a:defRPr sz="1800" kern="1200">
+          <a:solidFill>
+            <a:schemeClr val="tx1"/>
+          </a:solidFill>
+          <a:latin typeface="+mn-lt"/>
+          <a:ea typeface="+mn-ea"/>
+          <a:cs typeface="+mn-cs"/>
+        </a:defRPr>
+      </a:lvl8pPr>
+      <a:lvl9pPr marL="3657600" algn="l" defTabSz="914400" rtl="0" eaLnBrk="1" latinLnBrk="0" hangingPunct="1">
+        <a:defRPr sz="1800" kern="1200">
+          <a:solidFill>
+            <a:schemeClr val="tx1"/>
+          </a:solidFill>
+          <a:latin typeface="+mn-lt"/>
+          <a:ea typeface="+mn-ea"/>
+          <a:cs typeface="+mn-cs"/>
+        </a:defRPr>
+      </a:lvl9pPr>
+    </p:otherStyle>
+  </p:txStyles>
+</p:sldMaster>
+</file>
+
+<file path=ppt/slides/slide1.xml><?xml version="1.0" encoding="utf-8"?>
+<p:sld xmlns:a="http://schemas.openxmlformats.org/drawingml/2006/main" xmlns:r="http://schemas.openxmlformats.org/officeDocument/2006/relationships" xmlns:p="http://schemas.openxmlformats.org/presentationml/2006/main">
+  <p:cSld>
+    <p:spTree>
+      <p:nvGrpSpPr>
+        <p:cNvPr id="1" name=""/>
+        <p:cNvGrpSpPr/>
+        <p:nvPr/>
+      </p:nvGrpSpPr>
+      <p:grpSpPr>
+        <a:xfrm>
+          <a:off x="0" y="0"/>
+          <a:ext cx="0" cy="0"/>
+          <a:chOff x="0" y="0"/>
+          <a:chExt cx="0" cy="0"/>
+        </a:xfrm>
+      </p:grpSpPr>
+      <p:sp>
+        <p:nvSpPr>
+          <p:cNvPr id="117" name="CustomShape 1"/>
+          <p:cNvSpPr/>
+          <p:nvPr/>
+        </p:nvSpPr>
+        <p:spPr>
+          <a:xfrm>
+            <a:off x="504000" y="576000"/>
+            <a:ext cx="7199640" cy="719640"/>
+          </a:xfrm>
+          <a:prstGeom prst="rect">
+            <a:avLst/>
+          </a:prstGeom>
+          <a:noFill/>
+          <a:ln>
+            <a:noFill/>
+          </a:ln>
+        </p:spPr>
+        <p:style>
+          <a:lnRef idx="0">
+            <a:scrgbClr r="0" g="0" b="0"/>
+          </a:lnRef>
+          <a:fillRef idx="0">
+            <a:scrgbClr r="0" g="0" b="0"/>
+          </a:fillRef>
+          <a:effectRef idx="0">
+            <a:scrgbClr r="0" g="0" b="0"/>
+          </a:effectRef>
+          <a:fontRef idx="minor"/>
+        </p:style>
+        <p:txBody>
+          <a:bodyPr lIns="0" tIns="0" rIns="0" bIns="0" anchor="ctr"/>
+          <a:lstStyle/>
+          <a:p>
+            <a:pPr>
+              <a:lnSpc>
+                <a:spcPct val="100000"/>
+              </a:lnSpc>
+            </a:pPr>
+            <a:r>
+              <a:rPr lang="en-US" sz="3600" b="0" strike="noStrike" spc="-1">
+                <a:latin typeface="Arial"/>
+              </a:rPr>
+              <a:t>C and C++ learnings</a:t>
+            </a:r>
+          </a:p>
+        </p:txBody>
+      </p:sp>
+      <p:sp>
+        <p:nvSpPr>
+          <p:cNvPr id="118" name="CustomShape 2"/>
+          <p:cNvSpPr/>
+          <p:nvPr/>
+        </p:nvSpPr>
+        <p:spPr>
+          <a:xfrm>
+            <a:off x="504000" y="1800000"/>
+            <a:ext cx="9071640" cy="4384080"/>
+          </a:xfrm>
+          <a:prstGeom prst="rect">
+            <a:avLst/>
+          </a:prstGeom>
+          <a:noFill/>
+          <a:ln>
+            <a:noFill/>
+          </a:ln>
+        </p:spPr>
+        <p:style>
+          <a:lnRef idx="0">
+            <a:scrgbClr r="0" g="0" b="0"/>
+          </a:lnRef>
+          <a:fillRef idx="0">
+            <a:scrgbClr r="0" g="0" b="0"/>
+          </a:fillRef>
+          <a:effectRef idx="0">
+            <a:scrgbClr r="0" g="0" b="0"/>
+          </a:effectRef>
+          <a:fontRef idx="minor"/>
+        </p:style>
+        <p:txBody>
+          <a:bodyPr lIns="0" tIns="0" rIns="0" bIns="0" anchor="ctr"/>
+          <a:lstStyle/>
+          <a:p>
+            <a:pPr>
+              <a:lnSpc>
+                <a:spcPct val="100000"/>
+              </a:lnSpc>
+            </a:pPr>
+            <a:r>
+              <a:rPr lang="en-US" sz="1800" b="0" u="sng" strike="noStrike" spc="-1" dirty="0">
+                <a:solidFill>
+                  <a:srgbClr val="0000FF"/>
+                </a:solidFill>
+                <a:uFillTx/>
+                <a:latin typeface="Arial"/>
+                <a:hlinkClick r:id="rId2"/>
+              </a:rPr>
+              <a:t>https://www.geeksforgeeks.org/c-programming-language/</a:t>
+            </a:r>
+            <a:endParaRPr lang="en-US" sz="1800" b="0" strike="noStrike" spc="-1" dirty="0">
+              <a:latin typeface="Arial"/>
+            </a:endParaRPr>
+          </a:p>
+          <a:p>
+            <a:pPr>
+              <a:lnSpc>
+                <a:spcPct val="100000"/>
+              </a:lnSpc>
+            </a:pPr>
+            <a:r>
+              <a:rPr lang="en-US" sz="1800" b="0" u="sng" strike="noStrike" spc="-1" dirty="0">
+                <a:solidFill>
+                  <a:srgbClr val="0000FF"/>
+                </a:solidFill>
+                <a:uFillTx/>
+                <a:latin typeface="Arial"/>
+                <a:hlinkClick r:id="rId3"/>
+              </a:rPr>
+              <a:t>https://www.programiz.com/c-programming/c-keywords-identifier</a:t>
+            </a:r>
+            <a:endParaRPr lang="en-US" sz="1800" b="0" strike="noStrike" spc="-1" dirty="0">
+              <a:latin typeface="Arial"/>
+            </a:endParaRPr>
+          </a:p>
+          <a:p>
+            <a:pPr>
+              <a:lnSpc>
+                <a:spcPct val="100000"/>
+              </a:lnSpc>
+            </a:pPr>
+            <a:r>
+              <a:rPr lang="en-US" sz="1800" b="0" u="sng" strike="noStrike" spc="-1" dirty="0">
+                <a:solidFill>
+                  <a:srgbClr val="0000FF"/>
+                </a:solidFill>
+                <a:uFillTx/>
+                <a:latin typeface="Arial"/>
+                <a:hlinkClick r:id="rId4"/>
+              </a:rPr>
+              <a:t>https://www.tutorialspoint.com/cprogramming/index.htm</a:t>
+            </a:r>
+            <a:endParaRPr lang="en-US" sz="1800" b="0" u="sng" strike="noStrike" spc="-1" dirty="0">
+              <a:solidFill>
+                <a:srgbClr val="0000FF"/>
+              </a:solidFill>
+              <a:uFillTx/>
+              <a:latin typeface="Arial"/>
+            </a:endParaRPr>
+          </a:p>
+          <a:p>
+            <a:pPr>
+              <a:lnSpc>
+                <a:spcPct val="100000"/>
+              </a:lnSpc>
+            </a:pPr>
+            <a:r>
+              <a:rPr lang="en-US" spc="-1" dirty="0">
+                <a:hlinkClick r:id="rId5"/>
+              </a:rPr>
+              <a:t>https://www.cs.utah.edu/~germain/PPS/Topics/C_Language/enumerated_types.html</a:t>
+            </a:r>
+            <a:endParaRPr lang="en-US" spc="-1" dirty="0"/>
+          </a:p>
+          <a:p>
+            <a:pPr>
+              <a:lnSpc>
+                <a:spcPct val="100000"/>
+              </a:lnSpc>
+            </a:pPr>
+            <a:endParaRPr lang="en-US" sz="1800" b="0" strike="noStrike" spc="-1" dirty="0">
+              <a:latin typeface="Arial"/>
+            </a:endParaRPr>
+          </a:p>
+          <a:p>
+            <a:pPr>
+              <a:lnSpc>
+                <a:spcPct val="100000"/>
+              </a:lnSpc>
+            </a:pPr>
+            <a:endParaRPr lang="en-US" sz="1800" b="0" strike="noStrike" spc="-1" dirty="0">
+              <a:latin typeface="Arial"/>
+            </a:endParaRPr>
+          </a:p>
+        </p:txBody>
+      </p:sp>
+    </p:spTree>
+  </p:cSld>
+  <p:clrMapOvr>
+    <a:masterClrMapping/>
+  </p:clrMapOvr>
+  <p:timing>
+    <p:tnLst>
+      <p:par>
+        <p:cTn id="1" dur="indefinite" restart="never" nodeType="tmRoot">
+          <p:childTnLst>
+            <p:seq>
+              <p:cTn id="2" dur="indefinite" nodeType="mainSeq"/>
+              <p:prevCondLst>
+                <p:cond evt="onPrev" delay="0">
+                  <p:tgtEl>
+                    <p:sldTgt/>
+                  </p:tgtEl>
+                </p:cond>
+              </p:prevCondLst>
+              <p:nextCondLst>
+                <p:cond evt="onNext" delay="0">
+                  <p:tgtEl>
+                    <p:sldTgt/>
+                  </p:tgtEl>
+                </p:cond>
+              </p:nextCondLst>
+            </p:seq>
+          </p:childTnLst>
+        </p:cTn>
+      </p:par>
+    </p:tnLst>
+  </p:timing>
+</p:sld>
+</file>
+
+<file path=ppt/slides/slide10.xml><?xml version="1.0" encoding="utf-8"?>
+<p:sld xmlns:a="http://schemas.openxmlformats.org/drawingml/2006/main" xmlns:r="http://schemas.openxmlformats.org/officeDocument/2006/relationships" xmlns:p="http://schemas.openxmlformats.org/presentationml/2006/main">
+  <p:cSld>
+    <p:spTree>
+      <p:nvGrpSpPr>
+        <p:cNvPr id="1" name=""/>
+        <p:cNvGrpSpPr/>
+        <p:nvPr/>
+      </p:nvGrpSpPr>
+      <p:grpSpPr>
+        <a:xfrm>
+          <a:off x="0" y="0"/>
+          <a:ext cx="0" cy="0"/>
+          <a:chOff x="0" y="0"/>
+          <a:chExt cx="0" cy="0"/>
+        </a:xfrm>
+      </p:grpSpPr>
+      <p:sp>
+        <p:nvSpPr>
+          <p:cNvPr id="2" name="Title 1">
+            <a:extLst>
+              <a:ext uri="{FF2B5EF4-FFF2-40B4-BE49-F238E27FC236}">
+                <a16:creationId xmlns:a16="http://schemas.microsoft.com/office/drawing/2014/main" id="{3EAEF20D-8CE0-D34F-97E3-4B6513CBE036}"/>
+              </a:ext>
+            </a:extLst>
+          </p:cNvPr>
+          <p:cNvSpPr>
+            <a:spLocks noGrp="1"/>
+          </p:cNvSpPr>
+          <p:nvPr>
+            <p:ph type="title"/>
+          </p:nvPr>
+        </p:nvSpPr>
+        <p:spPr/>
+        <p:txBody>
+          <a:bodyPr/>
+          <a:lstStyle/>
+          <a:p>
+            <a:r>
+              <a:rPr lang="en-US" dirty="0" err="1"/>
+              <a:t>enum</a:t>
+            </a:r>
+            <a:r>
+              <a:rPr lang="en-US" dirty="0"/>
+              <a:t> fact 1</a:t>
+            </a:r>
+          </a:p>
+        </p:txBody>
+      </p:sp>
+      <p:pic>
+        <p:nvPicPr>
+          <p:cNvPr id="4" name="Picture 3">
+            <a:extLst>
+              <a:ext uri="{FF2B5EF4-FFF2-40B4-BE49-F238E27FC236}">
+                <a16:creationId xmlns:a16="http://schemas.microsoft.com/office/drawing/2014/main" id="{3AC6854A-7D6C-9545-AF33-2F48275D2DAA}"/>
+              </a:ext>
+            </a:extLst>
+          </p:cNvPr>
+          <p:cNvPicPr>
+            <a:picLocks noChangeAspect="1"/>
+          </p:cNvPicPr>
+          <p:nvPr/>
+        </p:nvPicPr>
+        <p:blipFill>
+          <a:blip r:embed="rId2"/>
+          <a:stretch>
+            <a:fillRect/>
+          </a:stretch>
+        </p:blipFill>
+        <p:spPr>
+          <a:xfrm>
+            <a:off x="504000" y="1977888"/>
+            <a:ext cx="8322977" cy="4039522"/>
+          </a:xfrm>
+          <a:prstGeom prst="rect">
+            <a:avLst/>
+          </a:prstGeom>
+        </p:spPr>
+      </p:pic>
+    </p:spTree>
+    <p:extLst>
+      <p:ext uri="{BB962C8B-B14F-4D97-AF65-F5344CB8AC3E}">
+        <p14:creationId xmlns:p14="http://schemas.microsoft.com/office/powerpoint/2010/main" val="1388950150"/>
+      </p:ext>
+    </p:extLst>
+  </p:cSld>
+  <p:clrMapOvr>
+    <a:masterClrMapping/>
+  </p:clrMapOvr>
+</p:sld>
+</file>
+
+<file path=ppt/slides/slide11.xml><?xml version="1.0" encoding="utf-8"?>
+<p:sld xmlns:a="http://schemas.openxmlformats.org/drawingml/2006/main" xmlns:r="http://schemas.openxmlformats.org/officeDocument/2006/relationships" xmlns:p="http://schemas.openxmlformats.org/presentationml/2006/main">
+  <p:cSld>
+    <p:spTree>
+      <p:nvGrpSpPr>
+        <p:cNvPr id="1" name=""/>
+        <p:cNvGrpSpPr/>
+        <p:nvPr/>
+      </p:nvGrpSpPr>
+      <p:grpSpPr>
+        <a:xfrm>
+          <a:off x="0" y="0"/>
+          <a:ext cx="0" cy="0"/>
+          <a:chOff x="0" y="0"/>
+          <a:chExt cx="0" cy="0"/>
+        </a:xfrm>
+      </p:grpSpPr>
+      <p:sp>
+        <p:nvSpPr>
+          <p:cNvPr id="2" name="Title 1">
+            <a:extLst>
+              <a:ext uri="{FF2B5EF4-FFF2-40B4-BE49-F238E27FC236}">
+                <a16:creationId xmlns:a16="http://schemas.microsoft.com/office/drawing/2014/main" id="{3EAEF20D-8CE0-D34F-97E3-4B6513CBE036}"/>
+              </a:ext>
+            </a:extLst>
+          </p:cNvPr>
+          <p:cNvSpPr>
+            <a:spLocks noGrp="1"/>
+          </p:cNvSpPr>
+          <p:nvPr>
+            <p:ph type="title"/>
+          </p:nvPr>
+        </p:nvSpPr>
+        <p:spPr/>
+        <p:txBody>
+          <a:bodyPr/>
+          <a:lstStyle/>
+          <a:p>
+            <a:r>
+              <a:rPr lang="en-US" dirty="0" err="1"/>
+              <a:t>enum</a:t>
+            </a:r>
+            <a:r>
+              <a:rPr lang="en-US" dirty="0"/>
+              <a:t> fact 2</a:t>
+            </a:r>
+          </a:p>
+        </p:txBody>
+      </p:sp>
+      <p:pic>
+        <p:nvPicPr>
+          <p:cNvPr id="3" name="Picture 2">
+            <a:extLst>
+              <a:ext uri="{FF2B5EF4-FFF2-40B4-BE49-F238E27FC236}">
+                <a16:creationId xmlns:a16="http://schemas.microsoft.com/office/drawing/2014/main" id="{5EEF72C7-E0CB-4744-8D90-815BAE8B2038}"/>
+              </a:ext>
+            </a:extLst>
+          </p:cNvPr>
+          <p:cNvPicPr>
+            <a:picLocks noChangeAspect="1"/>
+          </p:cNvPicPr>
+          <p:nvPr/>
+        </p:nvPicPr>
+        <p:blipFill>
+          <a:blip r:embed="rId2"/>
+          <a:stretch>
+            <a:fillRect/>
+          </a:stretch>
+        </p:blipFill>
+        <p:spPr>
+          <a:xfrm>
+            <a:off x="944217" y="2074415"/>
+            <a:ext cx="8291581" cy="3766280"/>
+          </a:xfrm>
+          <a:prstGeom prst="rect">
+            <a:avLst/>
+          </a:prstGeom>
+        </p:spPr>
+      </p:pic>
+    </p:spTree>
+    <p:extLst>
+      <p:ext uri="{BB962C8B-B14F-4D97-AF65-F5344CB8AC3E}">
+        <p14:creationId xmlns:p14="http://schemas.microsoft.com/office/powerpoint/2010/main" val="2501477017"/>
+      </p:ext>
+    </p:extLst>
+  </p:cSld>
+  <p:clrMapOvr>
+    <a:masterClrMapping/>
+  </p:clrMapOvr>
+</p:sld>
+</file>
+
+<file path=ppt/slides/slide12.xml><?xml version="1.0" encoding="utf-8"?>
+<p:sld xmlns:a="http://schemas.openxmlformats.org/drawingml/2006/main" xmlns:r="http://schemas.openxmlformats.org/officeDocument/2006/relationships" xmlns:p="http://schemas.openxmlformats.org/presentationml/2006/main">
+  <p:cSld>
+    <p:spTree>
+      <p:nvGrpSpPr>
+        <p:cNvPr id="1" name=""/>
+        <p:cNvGrpSpPr/>
+        <p:nvPr/>
+      </p:nvGrpSpPr>
+      <p:grpSpPr>
+        <a:xfrm>
+          <a:off x="0" y="0"/>
+          <a:ext cx="0" cy="0"/>
+          <a:chOff x="0" y="0"/>
+          <a:chExt cx="0" cy="0"/>
+        </a:xfrm>
+      </p:grpSpPr>
+      <p:sp>
+        <p:nvSpPr>
+          <p:cNvPr id="2" name="Title 1">
+            <a:extLst>
+              <a:ext uri="{FF2B5EF4-FFF2-40B4-BE49-F238E27FC236}">
+                <a16:creationId xmlns:a16="http://schemas.microsoft.com/office/drawing/2014/main" id="{26FB0C38-3E8B-F246-8F06-F995CF5EDFFB}"/>
+              </a:ext>
+            </a:extLst>
+          </p:cNvPr>
+          <p:cNvSpPr>
+            <a:spLocks noGrp="1"/>
+          </p:cNvSpPr>
+          <p:nvPr>
+            <p:ph type="title"/>
+          </p:nvPr>
+        </p:nvSpPr>
+        <p:spPr/>
+        <p:txBody>
+          <a:bodyPr/>
+          <a:lstStyle/>
+          <a:p>
+            <a:r>
+              <a:rPr lang="en-US" dirty="0" err="1"/>
+              <a:t>enum</a:t>
+            </a:r>
+            <a:r>
+              <a:rPr lang="en-US" dirty="0"/>
+              <a:t> fact 3</a:t>
+            </a:r>
+          </a:p>
+        </p:txBody>
+      </p:sp>
+      <p:sp>
+        <p:nvSpPr>
+          <p:cNvPr id="3" name="Text Placeholder 2">
+            <a:extLst>
+              <a:ext uri="{FF2B5EF4-FFF2-40B4-BE49-F238E27FC236}">
+                <a16:creationId xmlns:a16="http://schemas.microsoft.com/office/drawing/2014/main" id="{52DC7667-92FB-384E-9B57-1B3CA321620C}"/>
+              </a:ext>
+            </a:extLst>
+          </p:cNvPr>
+          <p:cNvSpPr>
+            <a:spLocks noGrp="1"/>
+          </p:cNvSpPr>
+          <p:nvPr>
+            <p:ph type="body"/>
+          </p:nvPr>
+        </p:nvSpPr>
+        <p:spPr>
+          <a:xfrm>
+            <a:off x="504000" y="1768679"/>
+            <a:ext cx="9072000" cy="4820963"/>
+          </a:xfrm>
+        </p:spPr>
+        <p:txBody>
+          <a:bodyPr/>
+          <a:lstStyle/>
+          <a:p>
+            <a:pPr marL="0" indent="0">
+              <a:buNone/>
+            </a:pPr>
+            <a:r>
+              <a:rPr lang="en-US" dirty="0"/>
+              <a:t> We can assign values to some name in any order. All unassigned names get value as value of previous name plus one.</a:t>
+            </a:r>
+          </a:p>
+          <a:p>
+            <a:pPr marL="0" indent="0">
+              <a:buNone/>
+            </a:pPr>
+            <a:endParaRPr lang="en-US" dirty="0"/>
+          </a:p>
+        </p:txBody>
+      </p:sp>
+      <p:pic>
+        <p:nvPicPr>
+          <p:cNvPr id="4" name="Picture 3">
+            <a:extLst>
+              <a:ext uri="{FF2B5EF4-FFF2-40B4-BE49-F238E27FC236}">
+                <a16:creationId xmlns:a16="http://schemas.microsoft.com/office/drawing/2014/main" id="{A17ADCEE-4380-D045-8588-D7F6BA027CCD}"/>
+              </a:ext>
+            </a:extLst>
+          </p:cNvPr>
+          <p:cNvPicPr>
+            <a:picLocks noChangeAspect="1"/>
+          </p:cNvPicPr>
+          <p:nvPr/>
+        </p:nvPicPr>
+        <p:blipFill>
+          <a:blip r:embed="rId2"/>
+          <a:stretch>
+            <a:fillRect/>
+          </a:stretch>
+        </p:blipFill>
+        <p:spPr>
+          <a:xfrm>
+            <a:off x="700396" y="3151709"/>
+            <a:ext cx="8679207" cy="3323526"/>
+          </a:xfrm>
+          <a:prstGeom prst="rect">
+            <a:avLst/>
+          </a:prstGeom>
+        </p:spPr>
+      </p:pic>
+    </p:spTree>
+    <p:extLst>
+      <p:ext uri="{BB962C8B-B14F-4D97-AF65-F5344CB8AC3E}">
+        <p14:creationId xmlns:p14="http://schemas.microsoft.com/office/powerpoint/2010/main" val="1652553987"/>
+      </p:ext>
+    </p:extLst>
+  </p:cSld>
+  <p:clrMapOvr>
+    <a:masterClrMapping/>
+  </p:clrMapOvr>
+</p:sld>
+</file>
+
+<file path=ppt/slides/slide13.xml><?xml version="1.0" encoding="utf-8"?>
+<p:sld xmlns:a="http://schemas.openxmlformats.org/drawingml/2006/main" xmlns:r="http://schemas.openxmlformats.org/officeDocument/2006/relationships" xmlns:p="http://schemas.openxmlformats.org/presentationml/2006/main">
+  <p:cSld>
+    <p:spTree>
+      <p:nvGrpSpPr>
+        <p:cNvPr id="1" name=""/>
+        <p:cNvGrpSpPr/>
+        <p:nvPr/>
+      </p:nvGrpSpPr>
+      <p:grpSpPr>
+        <a:xfrm>
+          <a:off x="0" y="0"/>
+          <a:ext cx="0" cy="0"/>
+          <a:chOff x="0" y="0"/>
+          <a:chExt cx="0" cy="0"/>
+        </a:xfrm>
+      </p:grpSpPr>
+      <p:sp>
+        <p:nvSpPr>
+          <p:cNvPr id="2" name="Title 1">
+            <a:extLst>
+              <a:ext uri="{FF2B5EF4-FFF2-40B4-BE49-F238E27FC236}">
+                <a16:creationId xmlns:a16="http://schemas.microsoft.com/office/drawing/2014/main" id="{718C7228-3B4D-0E40-8B7E-0E3348B5B437}"/>
+              </a:ext>
+            </a:extLst>
+          </p:cNvPr>
+          <p:cNvSpPr>
+            <a:spLocks noGrp="1"/>
+          </p:cNvSpPr>
+          <p:nvPr>
+            <p:ph type="title"/>
+          </p:nvPr>
+        </p:nvSpPr>
+        <p:spPr/>
+        <p:txBody>
+          <a:bodyPr/>
+          <a:lstStyle/>
+          <a:p>
+            <a:r>
+              <a:rPr lang="en-US" dirty="0" err="1"/>
+              <a:t>enum</a:t>
+            </a:r>
+            <a:r>
+              <a:rPr lang="en-US" dirty="0"/>
+              <a:t> fact 4</a:t>
+            </a:r>
+          </a:p>
+        </p:txBody>
+      </p:sp>
+      <p:pic>
+        <p:nvPicPr>
+          <p:cNvPr id="4" name="Picture 3">
+            <a:extLst>
+              <a:ext uri="{FF2B5EF4-FFF2-40B4-BE49-F238E27FC236}">
+                <a16:creationId xmlns:a16="http://schemas.microsoft.com/office/drawing/2014/main" id="{82BD015E-7DE0-004A-959E-92B358E1426C}"/>
+              </a:ext>
+            </a:extLst>
+          </p:cNvPr>
+          <p:cNvPicPr>
+            <a:picLocks noChangeAspect="1"/>
+          </p:cNvPicPr>
+          <p:nvPr/>
+        </p:nvPicPr>
+        <p:blipFill>
+          <a:blip r:embed="rId2"/>
+          <a:stretch>
+            <a:fillRect/>
+          </a:stretch>
+        </p:blipFill>
+        <p:spPr>
+          <a:xfrm>
+            <a:off x="504000" y="1978970"/>
+            <a:ext cx="8831907" cy="4322439"/>
+          </a:xfrm>
+          <a:prstGeom prst="rect">
+            <a:avLst/>
+          </a:prstGeom>
+        </p:spPr>
+      </p:pic>
+    </p:spTree>
+    <p:extLst>
+      <p:ext uri="{BB962C8B-B14F-4D97-AF65-F5344CB8AC3E}">
+        <p14:creationId xmlns:p14="http://schemas.microsoft.com/office/powerpoint/2010/main" val="3419947843"/>
+      </p:ext>
+    </p:extLst>
+  </p:cSld>
+  <p:clrMapOvr>
+    <a:masterClrMapping/>
+  </p:clrMapOvr>
+</p:sld>
+</file>
+
+<file path=ppt/slides/slide14.xml><?xml version="1.0" encoding="utf-8"?>
+<p:sld xmlns:a="http://schemas.openxmlformats.org/drawingml/2006/main" xmlns:r="http://schemas.openxmlformats.org/officeDocument/2006/relationships" xmlns:p="http://schemas.openxmlformats.org/presentationml/2006/main">
+  <p:cSld>
+    <p:spTree>
+      <p:nvGrpSpPr>
+        <p:cNvPr id="1" name=""/>
+        <p:cNvGrpSpPr/>
+        <p:nvPr/>
+      </p:nvGrpSpPr>
+      <p:grpSpPr>
+        <a:xfrm>
+          <a:off x="0" y="0"/>
+          <a:ext cx="0" cy="0"/>
+          <a:chOff x="0" y="0"/>
+          <a:chExt cx="0" cy="0"/>
+        </a:xfrm>
+      </p:grpSpPr>
+      <p:sp>
+        <p:nvSpPr>
+          <p:cNvPr id="2" name="Title 1">
+            <a:extLst>
+              <a:ext uri="{FF2B5EF4-FFF2-40B4-BE49-F238E27FC236}">
+                <a16:creationId xmlns:a16="http://schemas.microsoft.com/office/drawing/2014/main" id="{D8884D52-9EF7-BA41-BEF5-B0973D71AC20}"/>
+              </a:ext>
+            </a:extLst>
+          </p:cNvPr>
+          <p:cNvSpPr>
+            <a:spLocks noGrp="1"/>
+          </p:cNvSpPr>
+          <p:nvPr>
+            <p:ph type="title"/>
+          </p:nvPr>
+        </p:nvSpPr>
+        <p:spPr/>
+        <p:txBody>
+          <a:bodyPr/>
+          <a:lstStyle/>
+          <a:p>
+            <a:r>
+              <a:rPr lang="en-US" dirty="0" err="1"/>
+              <a:t>Enum</a:t>
+            </a:r>
+            <a:r>
+              <a:rPr lang="en-US" dirty="0"/>
+              <a:t> vs Macro</a:t>
+            </a:r>
+          </a:p>
+        </p:txBody>
+      </p:sp>
+      <p:pic>
+        <p:nvPicPr>
+          <p:cNvPr id="4" name="Picture 3">
+            <a:extLst>
+              <a:ext uri="{FF2B5EF4-FFF2-40B4-BE49-F238E27FC236}">
+                <a16:creationId xmlns:a16="http://schemas.microsoft.com/office/drawing/2014/main" id="{0F48F565-C6AF-D646-AF2E-CA2EA62FCFB2}"/>
+              </a:ext>
+            </a:extLst>
+          </p:cNvPr>
+          <p:cNvPicPr>
+            <a:picLocks noChangeAspect="1"/>
+          </p:cNvPicPr>
+          <p:nvPr/>
+        </p:nvPicPr>
+        <p:blipFill>
+          <a:blip r:embed="rId2"/>
+          <a:stretch>
+            <a:fillRect/>
+          </a:stretch>
+        </p:blipFill>
+        <p:spPr>
+          <a:xfrm>
+            <a:off x="504000" y="1987869"/>
+            <a:ext cx="8894805" cy="3846402"/>
+          </a:xfrm>
+          <a:prstGeom prst="rect">
+            <a:avLst/>
+          </a:prstGeom>
+        </p:spPr>
+      </p:pic>
+    </p:spTree>
+    <p:extLst>
+      <p:ext uri="{BB962C8B-B14F-4D97-AF65-F5344CB8AC3E}">
+        <p14:creationId xmlns:p14="http://schemas.microsoft.com/office/powerpoint/2010/main" val="2905379425"/>
+      </p:ext>
+    </p:extLst>
+  </p:cSld>
+  <p:clrMapOvr>
+    <a:masterClrMapping/>
+  </p:clrMapOvr>
+</p:sld>
+</file>
+
+<file path=ppt/slides/slide2.xml><?xml version="1.0" encoding="utf-8"?>
+<p:sld xmlns:a="http://schemas.openxmlformats.org/drawingml/2006/main" xmlns:r="http://schemas.openxmlformats.org/officeDocument/2006/relationships" xmlns:p="http://schemas.openxmlformats.org/presentationml/2006/main">
+  <p:cSld>
+    <p:spTree>
+      <p:nvGrpSpPr>
+        <p:cNvPr id="1" name=""/>
+        <p:cNvGrpSpPr/>
+        <p:nvPr/>
+      </p:nvGrpSpPr>
+      <p:grpSpPr>
+        <a:xfrm>
+          <a:off x="0" y="0"/>
+          <a:ext cx="0" cy="0"/>
+          <a:chOff x="0" y="0"/>
+          <a:chExt cx="0" cy="0"/>
+        </a:xfrm>
+      </p:grpSpPr>
+      <p:sp>
+        <p:nvSpPr>
+          <p:cNvPr id="119" name="CustomShape 1"/>
+          <p:cNvSpPr/>
+          <p:nvPr/>
+        </p:nvSpPr>
+        <p:spPr>
+          <a:xfrm>
+            <a:off x="504000" y="576000"/>
+            <a:ext cx="7199640" cy="719640"/>
+          </a:xfrm>
+          <a:prstGeom prst="rect">
+            <a:avLst/>
+          </a:prstGeom>
+          <a:noFill/>
+          <a:ln>
+            <a:noFill/>
+          </a:ln>
+        </p:spPr>
+        <p:style>
+          <a:lnRef idx="0">
+            <a:scrgbClr r="0" g="0" b="0"/>
+          </a:lnRef>
+          <a:fillRef idx="0">
+            <a:scrgbClr r="0" g="0" b="0"/>
+          </a:fillRef>
+          <a:effectRef idx="0">
+            <a:scrgbClr r="0" g="0" b="0"/>
+          </a:effectRef>
+          <a:fontRef idx="minor"/>
+        </p:style>
+        <p:txBody>
+          <a:bodyPr lIns="0" tIns="0" rIns="0" bIns="0" anchor="ctr"/>
+          <a:lstStyle/>
+          <a:p>
+            <a:pPr>
+              <a:lnSpc>
+                <a:spcPct val="100000"/>
+              </a:lnSpc>
+            </a:pPr>
+            <a:r>
+              <a:rPr lang="en-US" sz="3600" b="0" strike="noStrike" spc="-1">
+                <a:latin typeface="Arial"/>
+              </a:rPr>
+              <a:t>C Data types</a:t>
+            </a:r>
+          </a:p>
+        </p:txBody>
+      </p:sp>
+      <p:sp>
+        <p:nvSpPr>
+          <p:cNvPr id="120" name="CustomShape 2"/>
+          <p:cNvSpPr/>
+          <p:nvPr/>
+        </p:nvSpPr>
+        <p:spPr>
+          <a:xfrm>
+            <a:off x="504000" y="1800000"/>
+            <a:ext cx="9071640" cy="4384080"/>
+          </a:xfrm>
+          <a:prstGeom prst="rect">
+            <a:avLst/>
+          </a:prstGeom>
+          <a:noFill/>
+          <a:ln>
+            <a:noFill/>
+          </a:ln>
+        </p:spPr>
+        <p:style>
+          <a:lnRef idx="0">
+            <a:scrgbClr r="0" g="0" b="0"/>
+          </a:lnRef>
+          <a:fillRef idx="0">
+            <a:scrgbClr r="0" g="0" b="0"/>
+          </a:fillRef>
+          <a:effectRef idx="0">
+            <a:scrgbClr r="0" g="0" b="0"/>
+          </a:effectRef>
+          <a:fontRef idx="minor"/>
+        </p:style>
+        <p:txBody>
+          <a:bodyPr lIns="0" tIns="0" rIns="0" bIns="0">
+            <a:normAutofit/>
+          </a:bodyPr>
+          <a:lstStyle/>
+          <a:p>
+            <a:pPr marL="432000" indent="-323640">
+              <a:lnSpc>
+                <a:spcPct val="100000"/>
+              </a:lnSpc>
+              <a:spcAft>
+                <a:spcPts val="1417"/>
+              </a:spcAft>
+              <a:buClr>
+                <a:srgbClr val="99CC66"/>
+              </a:buClr>
+              <a:buSzPct val="45000"/>
+              <a:buFont typeface="Wingdings" charset="2"/>
+              <a:buChar char=""/>
+            </a:pPr>
+            <a:r>
+              <a:rPr lang="en-US" sz="2600" b="0" strike="noStrike" spc="-1">
+                <a:latin typeface="Arial"/>
+              </a:rPr>
+              <a:t>Data types in c refer to an extensive system used for declaring variables or functions of different types. </a:t>
+            </a:r>
+          </a:p>
+          <a:p>
+            <a:pPr marL="432000" indent="-323640">
+              <a:lnSpc>
+                <a:spcPct val="100000"/>
+              </a:lnSpc>
+              <a:spcAft>
+                <a:spcPts val="1417"/>
+              </a:spcAft>
+              <a:buClr>
+                <a:srgbClr val="99CC66"/>
+              </a:buClr>
+              <a:buSzPct val="45000"/>
+              <a:buFont typeface="Wingdings" charset="2"/>
+              <a:buChar char=""/>
+            </a:pPr>
+            <a:r>
+              <a:rPr lang="en-US" sz="2600" b="0" strike="noStrike" spc="-1">
+                <a:latin typeface="Arial"/>
+              </a:rPr>
+              <a:t>The type of a variable determines how much space it occupies in storage and how the bit pattern stored is interpreted.</a:t>
+            </a:r>
+          </a:p>
+        </p:txBody>
+      </p:sp>
+    </p:spTree>
+  </p:cSld>
+  <p:clrMapOvr>
+    <a:masterClrMapping/>
+  </p:clrMapOvr>
+  <p:timing>
+    <p:tnLst>
+      <p:par>
+        <p:cTn id="1" dur="indefinite" restart="never" nodeType="tmRoot">
+          <p:childTnLst>
+            <p:seq>
+              <p:cTn id="2" dur="indefinite" nodeType="mainSeq"/>
+              <p:prevCondLst>
+                <p:cond evt="onPrev" delay="0">
+                  <p:tgtEl>
+                    <p:sldTgt/>
+                  </p:tgtEl>
+                </p:cond>
+              </p:prevCondLst>
+              <p:nextCondLst>
+                <p:cond evt="onNext" delay="0">
+                  <p:tgtEl>
+                    <p:sldTgt/>
+                  </p:tgtEl>
+                </p:cond>
+              </p:nextCondLst>
+            </p:seq>
+          </p:childTnLst>
+        </p:cTn>
+      </p:par>
+    </p:tnLst>
+  </p:timing>
+</p:sld>
+</file>
+
+<file path=ppt/slides/slide3.xml><?xml version="1.0" encoding="utf-8"?>
+<p:sld xmlns:a="http://schemas.openxmlformats.org/drawingml/2006/main" xmlns:r="http://schemas.openxmlformats.org/officeDocument/2006/relationships" xmlns:p="http://schemas.openxmlformats.org/presentationml/2006/main">
   <p:cSld>
     <p:spTree>
       <p:nvGrpSpPr>
@@ -4032,7 +6889,7 @@
       </p:grpSpPr>
       <p:pic>
         <p:nvPicPr>
-          <p:cNvPr id="0" name="" descr=""/>
+          <p:cNvPr id="121" name="Picture 120"/>
           <p:cNvPicPr/>
           <p:nvPr/>
         </p:nvPicPr>
@@ -4042,8 +6899,8 @@
         </p:blipFill>
         <p:spPr>
           <a:xfrm>
-            <a:off x="720" y="720"/>
-            <a:ext cx="10079280" cy="7559280"/>
+            <a:off x="1005840" y="1554480"/>
+            <a:ext cx="7131960" cy="5211720"/>
           </a:xfrm>
           <a:prstGeom prst="rect">
             <a:avLst/>
@@ -4055,13 +6912,9 @@
       </p:pic>
       <p:sp>
         <p:nvSpPr>
-          <p:cNvPr id="1" name="PlaceHolder 1"/>
-          <p:cNvSpPr>
-            <a:spLocks noGrp="1"/>
-          </p:cNvSpPr>
-          <p:nvPr>
-            <p:ph type="title"/>
-          </p:nvPr>
+          <p:cNvPr id="122" name="CustomShape 1"/>
+          <p:cNvSpPr/>
+          <p:nvPr/>
         </p:nvSpPr>
         <p:spPr>
           <a:xfrm>
@@ -4071,223 +6924,78 @@
           <a:prstGeom prst="rect">
             <a:avLst/>
           </a:prstGeom>
-        </p:spPr>
-        <p:txBody>
-          <a:bodyPr lIns="0" rIns="0" tIns="0" bIns="0" anchor="ctr"/>
-          <a:p>
-            <a:r>
-              <a:rPr b="0" lang="en-US" sz="1800" spc="-1" strike="noStrike">
+          <a:noFill/>
+          <a:ln>
+            <a:noFill/>
+          </a:ln>
+        </p:spPr>
+        <p:style>
+          <a:lnRef idx="0">
+            <a:scrgbClr r="0" g="0" b="0"/>
+          </a:lnRef>
+          <a:fillRef idx="0">
+            <a:scrgbClr r="0" g="0" b="0"/>
+          </a:fillRef>
+          <a:effectRef idx="0">
+            <a:scrgbClr r="0" g="0" b="0"/>
+          </a:effectRef>
+          <a:fontRef idx="minor"/>
+        </p:style>
+        <p:txBody>
+          <a:bodyPr lIns="0" tIns="0" rIns="0" bIns="0" anchor="ctr"/>
+          <a:lstStyle/>
+          <a:p>
+            <a:pPr>
+              <a:lnSpc>
+                <a:spcPct val="100000"/>
+              </a:lnSpc>
+            </a:pPr>
+            <a:r>
+              <a:rPr lang="en-US" sz="3600" b="0" strike="noStrike" spc="-1">
                 <a:latin typeface="Arial"/>
               </a:rPr>
-              <a:t>Click to edit the title text format</a:t>
-            </a:r>
-            <a:endParaRPr b="0" lang="en-US" sz="1800" spc="-1" strike="noStrike">
-              <a:latin typeface="Arial"/>
-            </a:endParaRPr>
-          </a:p>
-        </p:txBody>
-      </p:sp>
-      <p:sp>
-        <p:nvSpPr>
-          <p:cNvPr id="2" name="PlaceHolder 2"/>
-          <p:cNvSpPr>
-            <a:spLocks noGrp="1"/>
-          </p:cNvSpPr>
-          <p:nvPr>
-            <p:ph type="body"/>
-          </p:nvPr>
-        </p:nvSpPr>
-        <p:spPr>
-          <a:xfrm>
-            <a:off x="504000" y="1768680"/>
-            <a:ext cx="9072000" cy="4384080"/>
-          </a:xfrm>
-          <a:prstGeom prst="rect">
-            <a:avLst/>
-          </a:prstGeom>
-        </p:spPr>
-        <p:txBody>
-          <a:bodyPr lIns="0" rIns="0" tIns="0" bIns="0">
-            <a:normAutofit/>
-          </a:bodyPr>
-          <a:p>
-            <a:pPr marL="432000" indent="-324000">
-              <a:spcBef>
-                <a:spcPts val="1417"/>
-              </a:spcBef>
-              <a:buClr>
-                <a:srgbClr val="000000"/>
-              </a:buClr>
-              <a:buSzPct val="45000"/>
-              <a:buFont typeface="Wingdings" charset="2"/>
-              <a:buChar char=""/>
-            </a:pPr>
-            <a:r>
-              <a:rPr b="0" lang="en-US" sz="3200" spc="-1" strike="noStrike">
-                <a:latin typeface="Arial"/>
-              </a:rPr>
-              <a:t>Click to edit the outline text format</a:t>
-            </a:r>
-            <a:endParaRPr b="0" lang="en-US" sz="3200" spc="-1" strike="noStrike">
-              <a:latin typeface="Arial"/>
-            </a:endParaRPr>
-          </a:p>
-          <a:p>
-            <a:pPr lvl="1" marL="864000" indent="-324000">
-              <a:spcBef>
-                <a:spcPts val="1134"/>
-              </a:spcBef>
-              <a:buClr>
-                <a:srgbClr val="000000"/>
-              </a:buClr>
-              <a:buSzPct val="75000"/>
-              <a:buFont typeface="Symbol" charset="2"/>
-              <a:buChar char=""/>
-            </a:pPr>
-            <a:r>
-              <a:rPr b="0" lang="en-US" sz="2800" spc="-1" strike="noStrike">
-                <a:latin typeface="Arial"/>
-              </a:rPr>
-              <a:t>Second Outline Level</a:t>
-            </a:r>
-            <a:endParaRPr b="0" lang="en-US" sz="2800" spc="-1" strike="noStrike">
-              <a:latin typeface="Arial"/>
-            </a:endParaRPr>
-          </a:p>
-          <a:p>
-            <a:pPr lvl="2" marL="1296000" indent="-288000">
-              <a:spcBef>
-                <a:spcPts val="850"/>
-              </a:spcBef>
-              <a:buClr>
-                <a:srgbClr val="000000"/>
-              </a:buClr>
-              <a:buSzPct val="45000"/>
-              <a:buFont typeface="Wingdings" charset="2"/>
-              <a:buChar char=""/>
-            </a:pPr>
-            <a:r>
-              <a:rPr b="0" lang="en-US" sz="2400" spc="-1" strike="noStrike">
-                <a:latin typeface="Arial"/>
-              </a:rPr>
-              <a:t>Third Outline Level</a:t>
-            </a:r>
-            <a:endParaRPr b="0" lang="en-US" sz="2400" spc="-1" strike="noStrike">
-              <a:latin typeface="Arial"/>
-            </a:endParaRPr>
-          </a:p>
-          <a:p>
-            <a:pPr lvl="3" marL="1728000" indent="-216000">
-              <a:spcBef>
-                <a:spcPts val="567"/>
-              </a:spcBef>
-              <a:buClr>
-                <a:srgbClr val="000000"/>
-              </a:buClr>
-              <a:buSzPct val="75000"/>
-              <a:buFont typeface="Symbol" charset="2"/>
-              <a:buChar char=""/>
-            </a:pPr>
-            <a:r>
-              <a:rPr b="0" lang="en-US" sz="2000" spc="-1" strike="noStrike">
-                <a:latin typeface="Arial"/>
-              </a:rPr>
-              <a:t>Fourth Outline Level</a:t>
-            </a:r>
-            <a:endParaRPr b="0" lang="en-US" sz="2000" spc="-1" strike="noStrike">
-              <a:latin typeface="Arial"/>
-            </a:endParaRPr>
-          </a:p>
-          <a:p>
-            <a:pPr lvl="4" marL="2160000" indent="-216000">
-              <a:spcBef>
-                <a:spcPts val="283"/>
-              </a:spcBef>
-              <a:buClr>
-                <a:srgbClr val="000000"/>
-              </a:buClr>
-              <a:buSzPct val="45000"/>
-              <a:buFont typeface="Wingdings" charset="2"/>
-              <a:buChar char=""/>
-            </a:pPr>
-            <a:r>
-              <a:rPr b="0" lang="en-US" sz="2000" spc="-1" strike="noStrike">
-                <a:latin typeface="Arial"/>
-              </a:rPr>
-              <a:t>Fifth Outline Level</a:t>
-            </a:r>
-            <a:endParaRPr b="0" lang="en-US" sz="2000" spc="-1" strike="noStrike">
-              <a:latin typeface="Arial"/>
-            </a:endParaRPr>
-          </a:p>
-          <a:p>
-            <a:pPr lvl="5" marL="2592000" indent="-216000">
-              <a:spcBef>
-                <a:spcPts val="283"/>
-              </a:spcBef>
-              <a:buClr>
-                <a:srgbClr val="000000"/>
-              </a:buClr>
-              <a:buSzPct val="45000"/>
-              <a:buFont typeface="Wingdings" charset="2"/>
-              <a:buChar char=""/>
-            </a:pPr>
-            <a:r>
-              <a:rPr b="0" lang="en-US" sz="2000" spc="-1" strike="noStrike">
-                <a:latin typeface="Arial"/>
-              </a:rPr>
-              <a:t>Sixth Outline Level</a:t>
-            </a:r>
-            <a:endParaRPr b="0" lang="en-US" sz="2000" spc="-1" strike="noStrike">
-              <a:latin typeface="Arial"/>
-            </a:endParaRPr>
-          </a:p>
-          <a:p>
-            <a:pPr lvl="6" marL="3024000" indent="-216000">
-              <a:spcBef>
-                <a:spcPts val="283"/>
-              </a:spcBef>
-              <a:buClr>
-                <a:srgbClr val="000000"/>
-              </a:buClr>
-              <a:buSzPct val="45000"/>
-              <a:buFont typeface="Wingdings" charset="2"/>
-              <a:buChar char=""/>
-            </a:pPr>
-            <a:r>
-              <a:rPr b="0" lang="en-US" sz="2000" spc="-1" strike="noStrike">
-                <a:latin typeface="Arial"/>
-              </a:rPr>
-              <a:t>Seventh Outline Level</a:t>
-            </a:r>
-            <a:endParaRPr b="0" lang="en-US" sz="2000" spc="-1" strike="noStrike">
-              <a:latin typeface="Arial"/>
-            </a:endParaRPr>
+              <a:t>C Data types</a:t>
+            </a:r>
           </a:p>
         </p:txBody>
       </p:sp>
     </p:spTree>
   </p:cSld>
-  <p:clrMap bg1="lt1" bg2="lt2" tx1="dk1" tx2="dk2" accent1="accent1" accent2="accent2" accent3="accent3" accent4="accent4" accent5="accent5" accent6="accent6" hlink="hlink" folHlink="folHlink"/>
-  <p:sldLayoutIdLst>
-    <p:sldLayoutId id="2147483649" r:id="rId3"/>
-    <p:sldLayoutId id="2147483650" r:id="rId4"/>
-    <p:sldLayoutId id="2147483651" r:id="rId5"/>
-    <p:sldLayoutId id="2147483652" r:id="rId6"/>
-    <p:sldLayoutId id="2147483653" r:id="rId7"/>
-    <p:sldLayoutId id="2147483654" r:id="rId8"/>
-    <p:sldLayoutId id="2147483655" r:id="rId9"/>
-    <p:sldLayoutId id="2147483656" r:id="rId10"/>
-    <p:sldLayoutId id="2147483657" r:id="rId11"/>
-    <p:sldLayoutId id="2147483658" r:id="rId12"/>
-    <p:sldLayoutId id="2147483659" r:id="rId13"/>
-    <p:sldLayoutId id="2147483660" r:id="rId14"/>
-  </p:sldLayoutIdLst>
-</p:sldMaster>
+  <p:clrMapOvr>
+    <a:masterClrMapping/>
+  </p:clrMapOvr>
+  <p:timing>
+    <p:tnLst>
+      <p:par>
+        <p:cTn id="1" dur="indefinite" restart="never" nodeType="tmRoot">
+          <p:childTnLst>
+            <p:seq>
+              <p:cTn id="2" dur="indefinite" nodeType="mainSeq"/>
+              <p:prevCondLst>
+                <p:cond evt="onPrev" delay="0">
+                  <p:tgtEl>
+                    <p:sldTgt/>
+                  </p:tgtEl>
+                </p:cond>
+              </p:prevCondLst>
+              <p:nextCondLst>
+                <p:cond evt="onNext" delay="0">
+                  <p:tgtEl>
+                    <p:sldTgt/>
+                  </p:tgtEl>
+                </p:cond>
+              </p:nextCondLst>
+            </p:seq>
+          </p:childTnLst>
+        </p:cTn>
+      </p:par>
+    </p:tnLst>
+  </p:timing>
+</p:sld>
 </file>
 
-<file path=ppt/slideMasters/slideMaster2.xml><?xml version="1.0" encoding="utf-8"?>
-<p:sldMaster xmlns:a="http://schemas.openxmlformats.org/drawingml/2006/main" xmlns:p="http://schemas.openxmlformats.org/presentationml/2006/main" xmlns:r="http://schemas.openxmlformats.org/officeDocument/2006/relationships" xmlns:p14="http://schemas.microsoft.com/office/powerpoint/2010/main" xmlns:p15="http://schemas.microsoft.com/office/powerpoint/2012/main" xmlns:mc="http://schemas.openxmlformats.org/markup-compatibility/2006">
+<file path=ppt/slides/slide4.xml><?xml version="1.0" encoding="utf-8"?>
+<p:sld xmlns:a="http://schemas.openxmlformats.org/drawingml/2006/main" xmlns:r="http://schemas.openxmlformats.org/officeDocument/2006/relationships" xmlns:p="http://schemas.openxmlformats.org/presentationml/2006/main">
   <p:cSld>
     <p:spTree>
       <p:nvGrpSpPr>
@@ -4303,86 +7011,63 @@
           <a:chExt cx="0" cy="0"/>
         </a:xfrm>
       </p:grpSpPr>
-      <p:pic>
-        <p:nvPicPr>
-          <p:cNvPr id="39" name="" descr=""/>
-          <p:cNvPicPr/>
+      <p:sp>
+        <p:nvSpPr>
+          <p:cNvPr id="123" name="TextShape 1"/>
+          <p:cNvSpPr txBox="1"/>
           <p:nvPr/>
-        </p:nvPicPr>
-        <p:blipFill>
-          <a:blip r:embed="rId2"/>
-          <a:stretch/>
-        </p:blipFill>
-        <p:spPr>
-          <a:xfrm>
-            <a:off x="720" y="720"/>
-            <a:ext cx="10079280" cy="7559280"/>
-          </a:xfrm>
-          <a:prstGeom prst="rect">
-            <a:avLst/>
-          </a:prstGeom>
+        </p:nvSpPr>
+        <p:spPr>
+          <a:xfrm>
+            <a:off x="504000" y="576000"/>
+            <a:ext cx="7199640" cy="719640"/>
+          </a:xfrm>
+          <a:prstGeom prst="rect">
+            <a:avLst/>
+          </a:prstGeom>
+          <a:noFill/>
           <a:ln>
             <a:noFill/>
           </a:ln>
         </p:spPr>
-      </p:pic>
-      <p:sp>
-        <p:nvSpPr>
-          <p:cNvPr id="40" name="PlaceHolder 1"/>
-          <p:cNvSpPr>
-            <a:spLocks noGrp="1"/>
-          </p:cNvSpPr>
-          <p:nvPr>
-            <p:ph type="title"/>
-          </p:nvPr>
-        </p:nvSpPr>
-        <p:spPr>
-          <a:xfrm>
-            <a:off x="504000" y="576000"/>
-            <a:ext cx="7199640" cy="719640"/>
-          </a:xfrm>
-          <a:prstGeom prst="rect">
-            <a:avLst/>
-          </a:prstGeom>
-        </p:spPr>
-        <p:txBody>
-          <a:bodyPr lIns="0" rIns="0" tIns="0" bIns="0" anchor="ctr"/>
-          <a:p>
-            <a:r>
-              <a:rPr b="0" lang="en-US" sz="1800" spc="-1" strike="noStrike">
+        <p:txBody>
+          <a:bodyPr lIns="0" tIns="0" rIns="0" bIns="0" anchor="ctr"/>
+          <a:lstStyle/>
+          <a:p>
+            <a:pPr algn="ctr"/>
+            <a:r>
+              <a:rPr lang="en-US" sz="4400" b="0" strike="noStrike" spc="-1">
                 <a:latin typeface="Arial"/>
               </a:rPr>
-              <a:t>Click to edit the title text format</a:t>
-            </a:r>
-            <a:endParaRPr b="0" lang="en-US" sz="1800" spc="-1" strike="noStrike">
-              <a:latin typeface="Arial"/>
-            </a:endParaRPr>
-          </a:p>
-        </p:txBody>
-      </p:sp>
-      <p:sp>
-        <p:nvSpPr>
-          <p:cNvPr id="41" name="PlaceHolder 2"/>
-          <p:cNvSpPr>
-            <a:spLocks noGrp="1"/>
-          </p:cNvSpPr>
-          <p:nvPr>
-            <p:ph type="body"/>
-          </p:nvPr>
-        </p:nvSpPr>
-        <p:spPr>
-          <a:xfrm>
-            <a:off x="504000" y="1800000"/>
-            <a:ext cx="9071640" cy="4384080"/>
-          </a:xfrm>
-          <a:prstGeom prst="rect">
-            <a:avLst/>
-          </a:prstGeom>
-        </p:spPr>
-        <p:txBody>
-          <a:bodyPr lIns="0" rIns="0" tIns="0" bIns="0">
+              <a:t>C Enum</a:t>
+            </a:r>
+          </a:p>
+        </p:txBody>
+      </p:sp>
+      <p:sp>
+        <p:nvSpPr>
+          <p:cNvPr id="124" name="TextShape 2"/>
+          <p:cNvSpPr txBox="1"/>
+          <p:nvPr/>
+        </p:nvSpPr>
+        <p:spPr>
+          <a:xfrm>
+            <a:off x="504000" y="1768680"/>
+            <a:ext cx="9072000" cy="4384080"/>
+          </a:xfrm>
+          <a:prstGeom prst="rect">
+            <a:avLst/>
+          </a:prstGeom>
+          <a:noFill/>
+          <a:ln>
+            <a:noFill/>
+          </a:ln>
+        </p:spPr>
+        <p:txBody>
+          <a:bodyPr lIns="0" tIns="0" rIns="0" bIns="0">
             <a:normAutofit/>
           </a:bodyPr>
+          <a:lstStyle/>
           <a:p>
             <a:pPr marL="432000" indent="-324000">
               <a:spcBef>
@@ -4396,171 +7081,51 @@
               <a:buChar char=""/>
             </a:pPr>
             <a:r>
-              <a:rPr b="0" lang="en-US" sz="1800" spc="-1" strike="noStrike">
+              <a:rPr lang="en-US" sz="3200" b="0" strike="noStrike" spc="-1">
                 <a:latin typeface="Arial"/>
               </a:rPr>
-              <a:t>Click to edit the outline text format</a:t>
-            </a:r>
-            <a:endParaRPr b="0" lang="en-US" sz="1800" spc="-1" strike="noStrike">
-              <a:latin typeface="Arial"/>
-            </a:endParaRPr>
-          </a:p>
-          <a:p>
-            <a:pPr lvl="1" marL="864000" indent="-324000">
-              <a:spcBef>
-                <a:spcPts val="1134"/>
-              </a:spcBef>
-              <a:buClr>
-                <a:srgbClr val="000000"/>
-              </a:buClr>
-              <a:buSzPct val="75000"/>
-              <a:buFont typeface="Symbol" charset="2"/>
-              <a:buChar char=""/>
-            </a:pPr>
-            <a:r>
-              <a:rPr b="0" lang="en-US" sz="1800" spc="-1" strike="noStrike">
-                <a:latin typeface="Arial"/>
-              </a:rPr>
-              <a:t>Second Outline Level</a:t>
-            </a:r>
-            <a:endParaRPr b="0" lang="en-US" sz="1800" spc="-1" strike="noStrike">
-              <a:latin typeface="Arial"/>
-            </a:endParaRPr>
-          </a:p>
-          <a:p>
-            <a:pPr lvl="2" marL="1296000" indent="-288000">
-              <a:spcBef>
-                <a:spcPts val="850"/>
-              </a:spcBef>
-              <a:buClr>
-                <a:srgbClr val="000000"/>
-              </a:buClr>
-              <a:buSzPct val="45000"/>
-              <a:buFont typeface="Wingdings" charset="2"/>
-              <a:buChar char=""/>
-            </a:pPr>
-            <a:r>
-              <a:rPr b="0" lang="en-US" sz="1800" spc="-1" strike="noStrike">
-                <a:latin typeface="Arial"/>
-              </a:rPr>
-              <a:t>Third Outline Level</a:t>
-            </a:r>
-            <a:endParaRPr b="0" lang="en-US" sz="1800" spc="-1" strike="noStrike">
-              <a:latin typeface="Arial"/>
-            </a:endParaRPr>
-          </a:p>
-          <a:p>
-            <a:pPr lvl="3" marL="1728000" indent="-216000">
-              <a:spcBef>
-                <a:spcPts val="567"/>
-              </a:spcBef>
-              <a:buClr>
-                <a:srgbClr val="000000"/>
-              </a:buClr>
-              <a:buSzPct val="75000"/>
-              <a:buFont typeface="Symbol" charset="2"/>
-              <a:buChar char=""/>
-            </a:pPr>
-            <a:r>
-              <a:rPr b="0" lang="en-US" sz="1800" spc="-1" strike="noStrike">
-                <a:latin typeface="Arial"/>
-              </a:rPr>
-              <a:t>Fourth Outline Level</a:t>
-            </a:r>
-            <a:endParaRPr b="0" lang="en-US" sz="1800" spc="-1" strike="noStrike">
-              <a:latin typeface="Arial"/>
-            </a:endParaRPr>
-          </a:p>
-          <a:p>
-            <a:pPr lvl="4" marL="2160000" indent="-216000">
-              <a:spcBef>
-                <a:spcPts val="283"/>
-              </a:spcBef>
-              <a:buClr>
-                <a:srgbClr val="000000"/>
-              </a:buClr>
-              <a:buSzPct val="45000"/>
-              <a:buFont typeface="Wingdings" charset="2"/>
-              <a:buChar char=""/>
-            </a:pPr>
-            <a:r>
-              <a:rPr b="0" lang="en-US" sz="1800" spc="-1" strike="noStrike">
-                <a:latin typeface="Arial"/>
-              </a:rPr>
-              <a:t>Fifth Outline Level</a:t>
-            </a:r>
-            <a:endParaRPr b="0" lang="en-US" sz="1800" spc="-1" strike="noStrike">
-              <a:latin typeface="Arial"/>
-            </a:endParaRPr>
-          </a:p>
-          <a:p>
-            <a:pPr lvl="5" marL="2592000" indent="-216000">
-              <a:spcBef>
-                <a:spcPts val="283"/>
-              </a:spcBef>
-              <a:buClr>
-                <a:srgbClr val="000000"/>
-              </a:buClr>
-              <a:buSzPct val="45000"/>
-              <a:buFont typeface="Wingdings" charset="2"/>
-              <a:buChar char=""/>
-            </a:pPr>
-            <a:r>
-              <a:rPr b="0" lang="en-US" sz="1800" spc="-1" strike="noStrike">
-                <a:latin typeface="Arial"/>
-              </a:rPr>
-              <a:t>Sixth Outline Level</a:t>
-            </a:r>
-            <a:endParaRPr b="0" lang="en-US" sz="1800" spc="-1" strike="noStrike">
-              <a:latin typeface="Arial"/>
-            </a:endParaRPr>
-          </a:p>
-          <a:p>
-            <a:pPr lvl="6" marL="3024000" indent="-216000">
-              <a:spcBef>
-                <a:spcPts val="283"/>
-              </a:spcBef>
-              <a:buClr>
-                <a:srgbClr val="000000"/>
-              </a:buClr>
-              <a:buSzPct val="45000"/>
-              <a:buFont typeface="Wingdings" charset="2"/>
-              <a:buChar char=""/>
-            </a:pPr>
-            <a:r>
-              <a:rPr b="0" lang="en-US" sz="1800" spc="-1" strike="noStrike">
-                <a:latin typeface="Arial"/>
-              </a:rPr>
-              <a:t>Seventh Outline Level</a:t>
-            </a:r>
-            <a:endParaRPr b="0" lang="en-US" sz="1800" spc="-1" strike="noStrike">
-              <a:latin typeface="Arial"/>
-            </a:endParaRPr>
+              <a:t>Enumeration is a user defined datatype in C language. It is used to assign names to the integral constants which makes a program easy to read and maintain. The keyword “enum” is used to declare an enumeration.</a:t>
+            </a:r>
           </a:p>
         </p:txBody>
       </p:sp>
     </p:spTree>
   </p:cSld>
-  <p:clrMap bg1="lt1" bg2="lt2" tx1="dk1" tx2="dk2" accent1="accent1" accent2="accent2" accent3="accent3" accent4="accent4" accent5="accent5" accent6="accent6" hlink="hlink" folHlink="folHlink"/>
-  <p:sldLayoutIdLst>
-    <p:sldLayoutId id="2147483662" r:id="rId3"/>
-    <p:sldLayoutId id="2147483663" r:id="rId4"/>
-    <p:sldLayoutId id="2147483664" r:id="rId5"/>
-    <p:sldLayoutId id="2147483665" r:id="rId6"/>
-    <p:sldLayoutId id="2147483666" r:id="rId7"/>
-    <p:sldLayoutId id="2147483667" r:id="rId8"/>
-    <p:sldLayoutId id="2147483668" r:id="rId9"/>
-    <p:sldLayoutId id="2147483669" r:id="rId10"/>
-    <p:sldLayoutId id="2147483670" r:id="rId11"/>
-    <p:sldLayoutId id="2147483671" r:id="rId12"/>
-    <p:sldLayoutId id="2147483672" r:id="rId13"/>
-    <p:sldLayoutId id="2147483673" r:id="rId14"/>
-  </p:sldLayoutIdLst>
-</p:sldMaster>
+  <p:clrMapOvr>
+    <a:masterClrMapping/>
+  </p:clrMapOvr>
+  <p:timing>
+    <p:tnLst>
+      <p:par>
+        <p:cTn id="1" dur="indefinite" restart="never" nodeType="tmRoot">
+          <p:childTnLst>
+            <p:seq>
+              <p:cTn id="2" dur="indefinite" nodeType="mainSeq"/>
+              <p:prevCondLst>
+                <p:cond evt="onPrev" delay="0">
+                  <p:tgtEl>
+                    <p:sldTgt/>
+                  </p:tgtEl>
+                </p:cond>
+              </p:prevCondLst>
+              <p:nextCondLst>
+                <p:cond evt="onNext" delay="0">
+                  <p:tgtEl>
+                    <p:sldTgt/>
+                  </p:tgtEl>
+                </p:cond>
+              </p:nextCondLst>
+            </p:seq>
+          </p:childTnLst>
+        </p:cTn>
+      </p:par>
+    </p:tnLst>
+  </p:timing>
+</p:sld>
 </file>
 
-<file path=ppt/slideMasters/slideMaster3.xml><?xml version="1.0" encoding="utf-8"?>
-<p:sldMaster xmlns:a="http://schemas.openxmlformats.org/drawingml/2006/main" xmlns:p="http://schemas.openxmlformats.org/presentationml/2006/main" xmlns:r="http://schemas.openxmlformats.org/officeDocument/2006/relationships" xmlns:p14="http://schemas.microsoft.com/office/powerpoint/2010/main" xmlns:p15="http://schemas.microsoft.com/office/powerpoint/2012/main" xmlns:mc="http://schemas.openxmlformats.org/markup-compatibility/2006">
+<file path=ppt/slides/slide5.xml><?xml version="1.0" encoding="utf-8"?>
+<p:sld xmlns:a="http://schemas.openxmlformats.org/drawingml/2006/main" xmlns:r="http://schemas.openxmlformats.org/officeDocument/2006/relationships" xmlns:p="http://schemas.openxmlformats.org/presentationml/2006/main">
   <p:cSld>
     <p:spTree>
       <p:nvGrpSpPr>
@@ -4576,32 +7141,15 @@
           <a:chExt cx="0" cy="0"/>
         </a:xfrm>
       </p:grpSpPr>
-      <p:pic>
-        <p:nvPicPr>
-          <p:cNvPr id="78" name="" descr=""/>
-          <p:cNvPicPr/>
-          <p:nvPr/>
-        </p:nvPicPr>
-        <p:blipFill>
-          <a:blip r:embed="rId2"/>
-          <a:stretch/>
-        </p:blipFill>
-        <p:spPr>
-          <a:xfrm>
-            <a:off x="720" y="720"/>
-            <a:ext cx="10079280" cy="7559280"/>
-          </a:xfrm>
-          <a:prstGeom prst="rect">
-            <a:avLst/>
-          </a:prstGeom>
-          <a:ln>
-            <a:noFill/>
-          </a:ln>
-        </p:spPr>
-      </p:pic>
-      <p:sp>
-        <p:nvSpPr>
-          <p:cNvPr id="79" name="PlaceHolder 1"/>
+      <p:sp>
+        <p:nvSpPr>
+          <p:cNvPr id="2" name="Title 1">
+            <a:extLst>
+              <a:ext uri="{FF2B5EF4-FFF2-40B4-BE49-F238E27FC236}">
+                <a16:creationId xmlns:a16="http://schemas.microsoft.com/office/drawing/2014/main" id="{E9E1FCCF-2558-7E46-B8E5-1CFF64BBBB4B}"/>
+              </a:ext>
+            </a:extLst>
+          </p:cNvPr>
           <p:cNvSpPr>
             <a:spLocks noGrp="1"/>
           </p:cNvSpPr>
@@ -4609,33 +7157,31 @@
             <p:ph type="title"/>
           </p:nvPr>
         </p:nvSpPr>
-        <p:spPr>
-          <a:xfrm>
-            <a:off x="504000" y="576000"/>
-            <a:ext cx="7199640" cy="719640"/>
-          </a:xfrm>
-          <a:prstGeom prst="rect">
-            <a:avLst/>
-          </a:prstGeom>
-        </p:spPr>
-        <p:txBody>
-          <a:bodyPr lIns="0" rIns="0" tIns="0" bIns="0" anchor="ctr"/>
-          <a:p>
-            <a:r>
-              <a:rPr b="0" lang="en-US" sz="1800" spc="-1" strike="noStrike">
-                <a:latin typeface="Arial"/>
-              </a:rPr>
-              <a:t>Click to edit the title text format</a:t>
-            </a:r>
-            <a:endParaRPr b="0" lang="en-US" sz="1800" spc="-1" strike="noStrike">
-              <a:latin typeface="Arial"/>
-            </a:endParaRPr>
-          </a:p>
-        </p:txBody>
-      </p:sp>
-      <p:sp>
-        <p:nvSpPr>
-          <p:cNvPr id="80" name="PlaceHolder 2"/>
+        <p:spPr/>
+        <p:txBody>
+          <a:bodyPr/>
+          <a:lstStyle/>
+          <a:p>
+            <a:r>
+              <a:rPr lang="en-US" dirty="0" err="1"/>
+              <a:t>Enum</a:t>
+            </a:r>
+            <a:r>
+              <a:rPr lang="en-US" dirty="0"/>
+              <a:t> types</a:t>
+            </a:r>
+          </a:p>
+        </p:txBody>
+      </p:sp>
+      <p:sp>
+        <p:nvSpPr>
+          <p:cNvPr id="3" name="Text Placeholder 2">
+            <a:extLst>
+              <a:ext uri="{FF2B5EF4-FFF2-40B4-BE49-F238E27FC236}">
+                <a16:creationId xmlns:a16="http://schemas.microsoft.com/office/drawing/2014/main" id="{7F983FA4-2393-114F-BDB6-E0816D165FDA}"/>
+              </a:ext>
+            </a:extLst>
+          </p:cNvPr>
           <p:cNvSpPr>
             <a:spLocks noGrp="1"/>
           </p:cNvSpPr>
@@ -4645,195 +7191,146 @@
         </p:nvSpPr>
         <p:spPr>
           <a:xfrm>
-            <a:off x="504000" y="1768680"/>
-            <a:ext cx="9072000" cy="4384080"/>
-          </a:xfrm>
-          <a:prstGeom prst="rect">
-            <a:avLst/>
-          </a:prstGeom>
-        </p:spPr>
-        <p:txBody>
-          <a:bodyPr lIns="0" rIns="0" tIns="0" bIns="0">
-            <a:normAutofit/>
+            <a:off x="504000" y="1689166"/>
+            <a:ext cx="9072000" cy="5029685"/>
+          </a:xfrm>
+        </p:spPr>
+        <p:txBody>
+          <a:bodyPr>
+            <a:normAutofit lnSpcReduction="10000"/>
           </a:bodyPr>
-          <a:p>
-            <a:pPr marL="432000" indent="-324000">
-              <a:spcBef>
-                <a:spcPts val="1417"/>
-              </a:spcBef>
-              <a:buClr>
-                <a:srgbClr val="000000"/>
-              </a:buClr>
-              <a:buSzPct val="45000"/>
-              <a:buFont typeface="Wingdings" charset="2"/>
-              <a:buChar char=""/>
-            </a:pPr>
-            <a:r>
-              <a:rPr b="0" lang="en-US" sz="3200" spc="-1" strike="noStrike">
-                <a:latin typeface="Arial"/>
-              </a:rPr>
-              <a:t>Click to edit the outline text format</a:t>
-            </a:r>
-            <a:endParaRPr b="0" lang="en-US" sz="3200" spc="-1" strike="noStrike">
-              <a:latin typeface="Arial"/>
-            </a:endParaRPr>
-          </a:p>
-          <a:p>
-            <a:pPr lvl="1" marL="864000" indent="-324000">
-              <a:spcBef>
-                <a:spcPts val="1134"/>
-              </a:spcBef>
-              <a:buClr>
-                <a:srgbClr val="000000"/>
-              </a:buClr>
-              <a:buSzPct val="75000"/>
-              <a:buFont typeface="Symbol" charset="2"/>
-              <a:buChar char=""/>
-            </a:pPr>
-            <a:r>
-              <a:rPr b="0" lang="en-US" sz="2800" spc="-1" strike="noStrike">
-                <a:latin typeface="Arial"/>
-              </a:rPr>
-              <a:t>Second Outline Level</a:t>
-            </a:r>
-            <a:endParaRPr b="0" lang="en-US" sz="2800" spc="-1" strike="noStrike">
-              <a:latin typeface="Arial"/>
-            </a:endParaRPr>
-          </a:p>
-          <a:p>
-            <a:pPr lvl="2" marL="1296000" indent="-288000">
-              <a:spcBef>
-                <a:spcPts val="850"/>
-              </a:spcBef>
-              <a:buClr>
-                <a:srgbClr val="000000"/>
-              </a:buClr>
-              <a:buSzPct val="45000"/>
-              <a:buFont typeface="Wingdings" charset="2"/>
-              <a:buChar char=""/>
-            </a:pPr>
-            <a:r>
-              <a:rPr b="0" lang="en-US" sz="2400" spc="-1" strike="noStrike">
-                <a:latin typeface="Arial"/>
-              </a:rPr>
-              <a:t>Third Outline Level</a:t>
-            </a:r>
-            <a:endParaRPr b="0" lang="en-US" sz="2400" spc="-1" strike="noStrike">
-              <a:latin typeface="Arial"/>
-            </a:endParaRPr>
-          </a:p>
-          <a:p>
-            <a:pPr lvl="3" marL="1728000" indent="-216000">
-              <a:spcBef>
-                <a:spcPts val="567"/>
-              </a:spcBef>
-              <a:buClr>
-                <a:srgbClr val="000000"/>
-              </a:buClr>
-              <a:buSzPct val="75000"/>
-              <a:buFont typeface="Symbol" charset="2"/>
-              <a:buChar char=""/>
-            </a:pPr>
-            <a:r>
-              <a:rPr b="0" lang="en-US" sz="2000" spc="-1" strike="noStrike">
-                <a:latin typeface="Arial"/>
-              </a:rPr>
-              <a:t>Fourth Outline Level</a:t>
-            </a:r>
-            <a:endParaRPr b="0" lang="en-US" sz="2000" spc="-1" strike="noStrike">
-              <a:latin typeface="Arial"/>
-            </a:endParaRPr>
-          </a:p>
-          <a:p>
-            <a:pPr lvl="4" marL="2160000" indent="-216000">
-              <a:spcBef>
-                <a:spcPts val="283"/>
-              </a:spcBef>
-              <a:buClr>
-                <a:srgbClr val="000000"/>
-              </a:buClr>
-              <a:buSzPct val="45000"/>
-              <a:buFont typeface="Wingdings" charset="2"/>
-              <a:buChar char=""/>
-            </a:pPr>
-            <a:r>
-              <a:rPr b="0" lang="en-US" sz="2000" spc="-1" strike="noStrike">
-                <a:latin typeface="Arial"/>
-              </a:rPr>
-              <a:t>Fifth Outline Level</a:t>
-            </a:r>
-            <a:endParaRPr b="0" lang="en-US" sz="2000" spc="-1" strike="noStrike">
-              <a:latin typeface="Arial"/>
-            </a:endParaRPr>
-          </a:p>
-          <a:p>
-            <a:pPr lvl="5" marL="2592000" indent="-216000">
-              <a:spcBef>
-                <a:spcPts val="283"/>
-              </a:spcBef>
-              <a:buClr>
-                <a:srgbClr val="000000"/>
-              </a:buClr>
-              <a:buSzPct val="45000"/>
-              <a:buFont typeface="Wingdings" charset="2"/>
-              <a:buChar char=""/>
-            </a:pPr>
-            <a:r>
-              <a:rPr b="0" lang="en-US" sz="2000" spc="-1" strike="noStrike">
-                <a:latin typeface="Arial"/>
-              </a:rPr>
-              <a:t>Sixth Outline Level</a:t>
-            </a:r>
-            <a:endParaRPr b="0" lang="en-US" sz="2000" spc="-1" strike="noStrike">
-              <a:latin typeface="Arial"/>
-            </a:endParaRPr>
-          </a:p>
-          <a:p>
-            <a:pPr lvl="6" marL="3024000" indent="-216000">
-              <a:spcBef>
-                <a:spcPts val="283"/>
-              </a:spcBef>
-              <a:buClr>
-                <a:srgbClr val="000000"/>
-              </a:buClr>
-              <a:buSzPct val="45000"/>
-              <a:buFont typeface="Wingdings" charset="2"/>
-              <a:buChar char=""/>
-            </a:pPr>
-            <a:r>
-              <a:rPr b="0" lang="en-US" sz="2000" spc="-1" strike="noStrike">
-                <a:latin typeface="Arial"/>
-              </a:rPr>
-              <a:t>Seventh Outline Level</a:t>
-            </a:r>
-            <a:endParaRPr b="0" lang="en-US" sz="2000" spc="-1" strike="noStrike">
-              <a:latin typeface="Arial"/>
-            </a:endParaRPr>
+          <a:lstStyle/>
+          <a:p>
+            <a:r>
+              <a:rPr lang="en-US" sz="2400" dirty="0"/>
+              <a:t>Enumerated Types are a special way of creating your own Type in C. </a:t>
+            </a:r>
+          </a:p>
+          <a:p>
+            <a:r>
+              <a:rPr lang="en-US" sz="2400" dirty="0" err="1"/>
+              <a:t>Enum</a:t>
+            </a:r>
+            <a:r>
+              <a:rPr lang="en-US" sz="2400" dirty="0"/>
+              <a:t> type is a "list of key words". </a:t>
+            </a:r>
+          </a:p>
+          <a:p>
+            <a:r>
+              <a:rPr lang="en-US" sz="2400" dirty="0"/>
+              <a:t>Enumerated types are used to </a:t>
+            </a:r>
+            <a:r>
+              <a:rPr lang="en-US" sz="2400" b="1" dirty="0"/>
+              <a:t>make a program clearer</a:t>
+            </a:r>
+            <a:r>
+              <a:rPr lang="en-US" sz="2400" dirty="0"/>
+              <a:t> to the reader/maintainer of the program. </a:t>
+            </a:r>
+          </a:p>
+          <a:p>
+            <a:r>
+              <a:rPr lang="en-US" sz="2400" dirty="0"/>
+              <a:t>For example, say we want to write a program that checks for keyboard presses to find if the down arrow or up arrow has been pressed. </a:t>
+            </a:r>
+          </a:p>
+          <a:p>
+            <a:pPr lvl="1"/>
+            <a:r>
+              <a:rPr lang="en-US" sz="1900" dirty="0"/>
+              <a:t>We could say: if ( </a:t>
+            </a:r>
+            <a:r>
+              <a:rPr lang="en-US" sz="1900" dirty="0" err="1"/>
+              <a:t>press_value</a:t>
+            </a:r>
+            <a:r>
+              <a:rPr lang="en-US" sz="1900" dirty="0"/>
+              <a:t> == 32 ). </a:t>
+            </a:r>
+          </a:p>
+          <a:p>
+            <a:pPr lvl="1"/>
+            <a:r>
+              <a:rPr lang="en-US" sz="1900" dirty="0"/>
+              <a:t>32 is the computers representation of the down arrow. </a:t>
+            </a:r>
+          </a:p>
+          <a:p>
+            <a:pPr lvl="1"/>
+            <a:r>
+              <a:rPr lang="en-US" sz="1900" dirty="0"/>
+              <a:t>Or, we could create our own enumerated type with the key words: </a:t>
+            </a:r>
+            <a:r>
+              <a:rPr lang="en-US" sz="1900" dirty="0" err="1"/>
+              <a:t>down_arrow</a:t>
+            </a:r>
+            <a:r>
+              <a:rPr lang="en-US" sz="1900" dirty="0"/>
+              <a:t> and </a:t>
+            </a:r>
+            <a:r>
+              <a:rPr lang="en-US" sz="1900" dirty="0" err="1"/>
+              <a:t>up_arrow</a:t>
+            </a:r>
+            <a:r>
+              <a:rPr lang="en-US" sz="1900" dirty="0"/>
+              <a:t>. </a:t>
+            </a:r>
+          </a:p>
+          <a:p>
+            <a:pPr lvl="1"/>
+            <a:r>
+              <a:rPr lang="en-US" sz="1900" dirty="0"/>
+              <a:t>Then we could say: if ( </a:t>
+            </a:r>
+            <a:r>
+              <a:rPr lang="en-US" sz="1900" dirty="0" err="1"/>
+              <a:t>press_value</a:t>
+            </a:r>
+            <a:r>
+              <a:rPr lang="en-US" sz="1900" dirty="0"/>
+              <a:t> == </a:t>
+            </a:r>
+            <a:r>
+              <a:rPr lang="en-US" sz="1900" dirty="0" err="1"/>
+              <a:t>down_arrow</a:t>
+            </a:r>
+            <a:r>
+              <a:rPr lang="en-US" sz="1900" dirty="0"/>
+              <a:t> ). </a:t>
+            </a:r>
+            <a:br>
+              <a:rPr lang="en-US" sz="2400" dirty="0"/>
+            </a:br>
+            <a:endParaRPr lang="en-US" sz="2400" dirty="0"/>
+          </a:p>
+          <a:p>
+            <a:r>
+              <a:rPr lang="en-US" sz="2400" dirty="0"/>
+              <a:t>This second version is much more readable and understandable to the programmer.</a:t>
+            </a:r>
           </a:p>
         </p:txBody>
       </p:sp>
     </p:spTree>
+    <p:extLst>
+      <p:ext uri="{BB962C8B-B14F-4D97-AF65-F5344CB8AC3E}">
+        <p14:creationId xmlns:p14="http://schemas.microsoft.com/office/powerpoint/2010/main" val="3742610617"/>
+      </p:ext>
+    </p:extLst>
   </p:cSld>
-  <p:clrMap bg1="lt1" bg2="lt2" tx1="dk1" tx2="dk2" accent1="accent1" accent2="accent2" accent3="accent3" accent4="accent4" accent5="accent5" accent6="accent6" hlink="hlink" folHlink="folHlink"/>
-  <p:sldLayoutIdLst>
-    <p:sldLayoutId id="2147483675" r:id="rId3"/>
-    <p:sldLayoutId id="2147483676" r:id="rId4"/>
-    <p:sldLayoutId id="2147483677" r:id="rId5"/>
-    <p:sldLayoutId id="2147483678" r:id="rId6"/>
-    <p:sldLayoutId id="2147483679" r:id="rId7"/>
-    <p:sldLayoutId id="2147483680" r:id="rId8"/>
-    <p:sldLayoutId id="2147483681" r:id="rId9"/>
-    <p:sldLayoutId id="2147483682" r:id="rId10"/>
-    <p:sldLayoutId id="2147483683" r:id="rId11"/>
-    <p:sldLayoutId id="2147483684" r:id="rId12"/>
-    <p:sldLayoutId id="2147483685" r:id="rId13"/>
-    <p:sldLayoutId id="2147483686" r:id="rId14"/>
-  </p:sldLayoutIdLst>
-</p:sldMaster>
+  <p:clrMapOvr>
+    <a:masterClrMapping/>
+  </p:clrMapOvr>
+</p:sld>
 </file>
 
-<file path=ppt/slides/slide1.xml><?xml version="1.0" encoding="utf-8"?>
-<p:sld xmlns:a="http://schemas.openxmlformats.org/drawingml/2006/main" xmlns:p="http://schemas.openxmlformats.org/presentationml/2006/main" xmlns:r="http://schemas.openxmlformats.org/officeDocument/2006/relationships" xmlns:p14="http://schemas.microsoft.com/office/powerpoint/2010/main" xmlns:p15="http://schemas.microsoft.com/office/powerpoint/2012/main" xmlns:mc="http://schemas.openxmlformats.org/markup-compatibility/2006">
+<file path=ppt/slides/slide6.xml><?xml version="1.0" encoding="utf-8"?>
+<p:sld xmlns:a="http://schemas.openxmlformats.org/drawingml/2006/main" xmlns:r="http://schemas.openxmlformats.org/officeDocument/2006/relationships" xmlns:p="http://schemas.openxmlformats.org/presentationml/2006/main">
   <p:cSld>
     <p:spTree>
       <p:nvGrpSpPr>
@@ -4851,185 +7348,255 @@
       </p:grpSpPr>
       <p:sp>
         <p:nvSpPr>
-          <p:cNvPr id="117" name="CustomShape 1"/>
-          <p:cNvSpPr/>
+          <p:cNvPr id="2" name="Title 1">
+            <a:extLst>
+              <a:ext uri="{FF2B5EF4-FFF2-40B4-BE49-F238E27FC236}">
+                <a16:creationId xmlns:a16="http://schemas.microsoft.com/office/drawing/2014/main" id="{ABD3B0CF-0E31-4E4F-ABD8-2C96EA5A6CE4}"/>
+              </a:ext>
+            </a:extLst>
+          </p:cNvPr>
+          <p:cNvSpPr>
+            <a:spLocks noGrp="1"/>
+          </p:cNvSpPr>
+          <p:nvPr>
+            <p:ph type="title"/>
+          </p:nvPr>
+        </p:nvSpPr>
+        <p:spPr>
+          <a:xfrm>
+            <a:off x="504000" y="576000"/>
+            <a:ext cx="8550548" cy="719640"/>
+          </a:xfrm>
+        </p:spPr>
+        <p:txBody>
+          <a:bodyPr/>
+          <a:lstStyle/>
+          <a:p>
+            <a:r>
+              <a:rPr lang="en-US" dirty="0"/>
+              <a:t>Enumeration type declaration</a:t>
+            </a:r>
+          </a:p>
+        </p:txBody>
+      </p:sp>
+      <p:sp>
+        <p:nvSpPr>
+          <p:cNvPr id="3" name="Text Placeholder 2">
+            <a:extLst>
+              <a:ext uri="{FF2B5EF4-FFF2-40B4-BE49-F238E27FC236}">
+                <a16:creationId xmlns:a16="http://schemas.microsoft.com/office/drawing/2014/main" id="{C7EC0E19-B04A-484D-95D4-8B45260DF91B}"/>
+              </a:ext>
+            </a:extLst>
+          </p:cNvPr>
+          <p:cNvSpPr>
+            <a:spLocks noGrp="1"/>
+          </p:cNvSpPr>
+          <p:nvPr>
+            <p:ph type="body"/>
+          </p:nvPr>
+        </p:nvSpPr>
+        <p:spPr>
+          <a:xfrm>
+            <a:off x="504000" y="1768680"/>
+            <a:ext cx="9072000" cy="5158894"/>
+          </a:xfrm>
+        </p:spPr>
+        <p:txBody>
+          <a:bodyPr>
+            <a:normAutofit/>
+          </a:bodyPr>
+          <a:lstStyle/>
+          <a:p>
+            <a:pPr marL="0" indent="0">
+              <a:buNone/>
+            </a:pPr>
+            <a:endParaRPr lang="en-US" sz="2400" dirty="0"/>
+          </a:p>
+          <a:p>
+            <a:r>
+              <a:rPr lang="en-US" sz="2400" dirty="0"/>
+              <a:t>When you create an enumerated type, only blueprint for the variable is created. Here's how you can create variables of </a:t>
+            </a:r>
+            <a:r>
+              <a:rPr lang="en-US" sz="2400" dirty="0" err="1"/>
+              <a:t>enum</a:t>
+            </a:r>
+            <a:r>
+              <a:rPr lang="en-US" sz="2400" dirty="0"/>
+              <a:t> type.</a:t>
+            </a:r>
+          </a:p>
+        </p:txBody>
+      </p:sp>
+      <p:sp>
+        <p:nvSpPr>
+          <p:cNvPr id="4" name="TextBox 3">
+            <a:extLst>
+              <a:ext uri="{FF2B5EF4-FFF2-40B4-BE49-F238E27FC236}">
+                <a16:creationId xmlns:a16="http://schemas.microsoft.com/office/drawing/2014/main" id="{7EF2E468-4977-464C-AAFE-85785E0EDD40}"/>
+              </a:ext>
+            </a:extLst>
+          </p:cNvPr>
+          <p:cNvSpPr txBox="1"/>
           <p:nvPr/>
         </p:nvSpPr>
         <p:spPr>
           <a:xfrm>
-            <a:off x="504000" y="576000"/>
-            <a:ext cx="7199640" cy="719640"/>
-          </a:xfrm>
-          <a:prstGeom prst="rect">
-            <a:avLst/>
-          </a:prstGeom>
-          <a:noFill/>
-          <a:ln>
-            <a:noFill/>
-          </a:ln>
-        </p:spPr>
-        <p:style>
-          <a:lnRef idx="0"/>
-          <a:fillRef idx="0"/>
-          <a:effectRef idx="0"/>
-          <a:fontRef idx="minor"/>
-        </p:style>
-        <p:txBody>
-          <a:bodyPr lIns="0" rIns="0" tIns="0" bIns="0" anchor="ctr"/>
-          <a:p>
-            <a:pPr>
-              <a:lnSpc>
-                <a:spcPct val="100000"/>
-              </a:lnSpc>
-            </a:pPr>
-            <a:r>
-              <a:rPr b="0" lang="en-US" sz="3600" spc="-1" strike="noStrike">
-                <a:latin typeface="Arial"/>
+            <a:off x="586409" y="3886589"/>
+            <a:ext cx="8468139" cy="2739211"/>
+          </a:xfrm>
+          <a:prstGeom prst="rect">
+            <a:avLst/>
+          </a:prstGeom>
+          <a:solidFill>
+            <a:schemeClr val="tx1"/>
+          </a:solidFill>
+        </p:spPr>
+        <p:txBody>
+          <a:bodyPr wrap="square" rtlCol="0">
+            <a:spAutoFit/>
+          </a:bodyPr>
+          <a:lstStyle/>
+          <a:p>
+            <a:pPr lvl="2"/>
+            <a:endParaRPr lang="en-US" sz="2200" dirty="0">
+              <a:solidFill>
+                <a:schemeClr val="bg1"/>
+              </a:solidFill>
+            </a:endParaRPr>
+          </a:p>
+          <a:p>
+            <a:r>
+              <a:rPr lang="en-US" sz="2200" dirty="0" err="1">
+                <a:solidFill>
+                  <a:schemeClr val="bg1"/>
+                </a:solidFill>
               </a:rPr>
-              <a:t>C and C++ learnings</a:t>
-            </a:r>
-            <a:endParaRPr b="0" lang="en-US" sz="3600" spc="-1" strike="noStrike">
-              <a:latin typeface="Arial"/>
-            </a:endParaRPr>
-          </a:p>
-        </p:txBody>
-      </p:sp>
-      <p:sp>
-        <p:nvSpPr>
-          <p:cNvPr id="118" name="CustomShape 2"/>
-          <p:cNvSpPr/>
-          <p:nvPr/>
-        </p:nvSpPr>
-        <p:spPr>
-          <a:xfrm>
-            <a:off x="504000" y="1800000"/>
-            <a:ext cx="9071640" cy="4384080"/>
-          </a:xfrm>
-          <a:prstGeom prst="rect">
-            <a:avLst/>
-          </a:prstGeom>
-          <a:noFill/>
-          <a:ln>
-            <a:noFill/>
-          </a:ln>
-        </p:spPr>
-        <p:style>
-          <a:lnRef idx="0"/>
-          <a:fillRef idx="0"/>
-          <a:effectRef idx="0"/>
-          <a:fontRef idx="minor"/>
-        </p:style>
-        <p:txBody>
-          <a:bodyPr lIns="0" rIns="0" tIns="0" bIns="0" anchor="ctr"/>
-          <a:p>
-            <a:pPr>
-              <a:lnSpc>
-                <a:spcPct val="100000"/>
-              </a:lnSpc>
-            </a:pPr>
-            <a:r>
-              <a:rPr b="0" lang="en-US" sz="1800" spc="-1" strike="noStrike" u="sng">
+              <a:t>enum</a:t>
+            </a:r>
+            <a:r>
+              <a:rPr lang="en-US" sz="2200" dirty="0">
                 <a:solidFill>
-                  <a:srgbClr val="0000ff"/>
+                  <a:schemeClr val="bg1"/>
                 </a:solidFill>
-                <a:uFillTx/>
-                <a:latin typeface="Arial"/>
-                <a:hlinkClick r:id="rId1"/>
               </a:rPr>
-              <a:t>https://www.geeksforgeeks.org/c-programming-language/</a:t>
-            </a:r>
-            <a:endParaRPr b="0" lang="en-US" sz="1800" spc="-1" strike="noStrike">
-              <a:latin typeface="Arial"/>
-            </a:endParaRPr>
-          </a:p>
-          <a:p>
-            <a:pPr>
-              <a:lnSpc>
-                <a:spcPct val="100000"/>
-              </a:lnSpc>
-            </a:pPr>
-            <a:r>
-              <a:rPr b="0" lang="en-US" sz="1800" spc="-1" strike="noStrike" u="sng">
+              <a:t> </a:t>
+            </a:r>
+            <a:r>
+              <a:rPr lang="en-US" sz="2200" dirty="0" err="1">
                 <a:solidFill>
-                  <a:srgbClr val="0000ff"/>
+                  <a:schemeClr val="bg1"/>
                 </a:solidFill>
-                <a:uFillTx/>
-                <a:latin typeface="Arial"/>
-                <a:hlinkClick r:id="rId2"/>
               </a:rPr>
-              <a:t>https://www.programiz.com/c-programming/c-keywords-identifier</a:t>
-            </a:r>
-            <a:endParaRPr b="0" lang="en-US" sz="1800" spc="-1" strike="noStrike">
-              <a:latin typeface="Arial"/>
-            </a:endParaRPr>
-          </a:p>
-          <a:p>
-            <a:pPr>
-              <a:lnSpc>
-                <a:spcPct val="100000"/>
-              </a:lnSpc>
-            </a:pPr>
-            <a:r>
-              <a:rPr b="0" lang="en-US" sz="1800" spc="-1" strike="noStrike" u="sng">
+              <a:t>boolean</a:t>
+            </a:r>
+            <a:r>
+              <a:rPr lang="en-US" sz="2200" dirty="0">
                 <a:solidFill>
-                  <a:srgbClr val="0000ff"/>
+                  <a:schemeClr val="bg1"/>
                 </a:solidFill>
-                <a:uFillTx/>
-                <a:latin typeface="Arial"/>
-                <a:hlinkClick r:id="rId3"/>
               </a:rPr>
-              <a:t>https://www.tutorialspoint.com/cprogramming/index.htm</a:t>
-            </a:r>
-            <a:endParaRPr b="0" lang="en-US" sz="1800" spc="-1" strike="noStrike">
-              <a:latin typeface="Arial"/>
-            </a:endParaRPr>
-          </a:p>
-          <a:p>
-            <a:pPr>
-              <a:lnSpc>
-                <a:spcPct val="100000"/>
-              </a:lnSpc>
-            </a:pPr>
-            <a:endParaRPr b="0" lang="en-US" sz="1800" spc="-1" strike="noStrike">
-              <a:latin typeface="Arial"/>
+              <a:t> { </a:t>
+            </a:r>
+          </a:p>
+          <a:p>
+            <a:pPr lvl="2"/>
+            <a:r>
+              <a:rPr lang="en-US" sz="2200" dirty="0">
+                <a:solidFill>
+                  <a:schemeClr val="bg1"/>
+                </a:solidFill>
+              </a:rPr>
+              <a:t>false, </a:t>
+            </a:r>
+          </a:p>
+          <a:p>
+            <a:pPr lvl="2"/>
+            <a:r>
+              <a:rPr lang="en-US" sz="2200" dirty="0">
+                <a:solidFill>
+                  <a:schemeClr val="bg1"/>
+                </a:solidFill>
+              </a:rPr>
+              <a:t>true </a:t>
+            </a:r>
+          </a:p>
+          <a:p>
+            <a:pPr lvl="2"/>
+            <a:r>
+              <a:rPr lang="en-US" sz="2200" dirty="0">
+                <a:solidFill>
+                  <a:schemeClr val="bg1"/>
+                </a:solidFill>
+              </a:rPr>
+              <a:t>}; </a:t>
+            </a:r>
+          </a:p>
+          <a:p>
+            <a:endParaRPr lang="en-US" sz="2200" dirty="0">
+              <a:solidFill>
+                <a:schemeClr val="bg1"/>
+              </a:solidFill>
+            </a:endParaRPr>
+          </a:p>
+          <a:p>
+            <a:r>
+              <a:rPr lang="en-US" sz="2200" dirty="0" err="1">
+                <a:solidFill>
+                  <a:schemeClr val="bg1"/>
+                </a:solidFill>
+              </a:rPr>
+              <a:t>enum</a:t>
+            </a:r>
+            <a:r>
+              <a:rPr lang="en-US" sz="2200" dirty="0">
+                <a:solidFill>
+                  <a:schemeClr val="bg1"/>
+                </a:solidFill>
+              </a:rPr>
+              <a:t> </a:t>
+            </a:r>
+            <a:r>
+              <a:rPr lang="en-US" sz="2200" dirty="0" err="1">
+                <a:solidFill>
+                  <a:schemeClr val="bg1"/>
+                </a:solidFill>
+              </a:rPr>
+              <a:t>boolean</a:t>
+            </a:r>
+            <a:r>
+              <a:rPr lang="en-US" sz="2200" dirty="0">
+                <a:solidFill>
+                  <a:schemeClr val="bg1"/>
+                </a:solidFill>
+              </a:rPr>
+              <a:t> check;</a:t>
+            </a:r>
+          </a:p>
+          <a:p>
+            <a:endParaRPr lang="en-US" dirty="0">
+              <a:solidFill>
+                <a:schemeClr val="bg1"/>
+              </a:solidFill>
             </a:endParaRPr>
           </a:p>
         </p:txBody>
       </p:sp>
     </p:spTree>
+    <p:extLst>
+      <p:ext uri="{BB962C8B-B14F-4D97-AF65-F5344CB8AC3E}">
+        <p14:creationId xmlns:p14="http://schemas.microsoft.com/office/powerpoint/2010/main" val="875735264"/>
+      </p:ext>
+    </p:extLst>
   </p:cSld>
-  <p:timing>
-    <p:tnLst>
-      <p:par>
-        <p:cTn id="1" dur="indefinite" restart="never" nodeType="tmRoot">
-          <p:childTnLst>
-            <p:seq>
-              <p:cTn id="2" dur="indefinite" nodeType="mainSeq"/>
-              <p:prevCondLst>
-                <p:cond delay="0" evt="onPrev">
-                  <p:tgtEl>
-                    <p:sldTgt/>
-                  </p:tgtEl>
-                </p:cond>
-              </p:prevCondLst>
-              <p:nextCondLst>
-                <p:cond delay="0" evt="onNext">
-                  <p:tgtEl>
-                    <p:sldTgt/>
-                  </p:tgtEl>
-                </p:cond>
-              </p:nextCondLst>
-            </p:seq>
-          </p:childTnLst>
-        </p:cTn>
-      </p:par>
-    </p:tnLst>
-  </p:timing>
+  <p:clrMapOvr>
+    <a:masterClrMapping/>
+  </p:clrMapOvr>
 </p:sld>
 </file>
 
-<file path=ppt/slides/slide2.xml><?xml version="1.0" encoding="utf-8"?>
-<p:sld xmlns:a="http://schemas.openxmlformats.org/drawingml/2006/main" xmlns:p="http://schemas.openxmlformats.org/presentationml/2006/main" xmlns:r="http://schemas.openxmlformats.org/officeDocument/2006/relationships" xmlns:p14="http://schemas.microsoft.com/office/powerpoint/2010/main" xmlns:p15="http://schemas.microsoft.com/office/powerpoint/2012/main" xmlns:mc="http://schemas.openxmlformats.org/markup-compatibility/2006">
+<file path=ppt/slides/slide7.xml><?xml version="1.0" encoding="utf-8"?>
+<p:sld xmlns:a="http://schemas.openxmlformats.org/drawingml/2006/main" xmlns:r="http://schemas.openxmlformats.org/officeDocument/2006/relationships" xmlns:p="http://schemas.openxmlformats.org/presentationml/2006/main">
   <p:cSld>
     <p:spTree>
       <p:nvGrpSpPr>
@@ -5047,164 +7614,226 @@
       </p:grpSpPr>
       <p:sp>
         <p:nvSpPr>
-          <p:cNvPr id="119" name="CustomShape 1"/>
+          <p:cNvPr id="2" name="Title 1">
+            <a:extLst>
+              <a:ext uri="{FF2B5EF4-FFF2-40B4-BE49-F238E27FC236}">
+                <a16:creationId xmlns:a16="http://schemas.microsoft.com/office/drawing/2014/main" id="{ABD3B0CF-0E31-4E4F-ABD8-2C96EA5A6CE4}"/>
+              </a:ext>
+            </a:extLst>
+          </p:cNvPr>
+          <p:cNvSpPr>
+            <a:spLocks noGrp="1"/>
+          </p:cNvSpPr>
+          <p:nvPr>
+            <p:ph type="title"/>
+          </p:nvPr>
+        </p:nvSpPr>
+        <p:spPr>
+          <a:xfrm>
+            <a:off x="504000" y="576000"/>
+            <a:ext cx="8550548" cy="719640"/>
+          </a:xfrm>
+        </p:spPr>
+        <p:txBody>
+          <a:bodyPr/>
+          <a:lstStyle/>
+          <a:p>
+            <a:r>
+              <a:rPr lang="en-US" dirty="0"/>
+              <a:t>Enumeration type declaration</a:t>
+            </a:r>
+          </a:p>
+        </p:txBody>
+      </p:sp>
+      <p:sp>
+        <p:nvSpPr>
+          <p:cNvPr id="4" name="TextBox 3">
+            <a:extLst>
+              <a:ext uri="{FF2B5EF4-FFF2-40B4-BE49-F238E27FC236}">
+                <a16:creationId xmlns:a16="http://schemas.microsoft.com/office/drawing/2014/main" id="{7EF2E468-4977-464C-AAFE-85785E0EDD40}"/>
+              </a:ext>
+            </a:extLst>
+          </p:cNvPr>
+          <p:cNvSpPr txBox="1"/>
+          <p:nvPr/>
+        </p:nvSpPr>
+        <p:spPr>
+          <a:xfrm>
+            <a:off x="745434" y="3041374"/>
+            <a:ext cx="8468139" cy="2062103"/>
+          </a:xfrm>
+          <a:prstGeom prst="rect">
+            <a:avLst/>
+          </a:prstGeom>
+          <a:solidFill>
+            <a:schemeClr val="tx1"/>
+          </a:solidFill>
+        </p:spPr>
+        <p:txBody>
+          <a:bodyPr wrap="square" rtlCol="0">
+            <a:spAutoFit/>
+          </a:bodyPr>
+          <a:lstStyle/>
+          <a:p>
+            <a:pPr lvl="2"/>
+            <a:endParaRPr lang="en-US" sz="2200" dirty="0">
+              <a:solidFill>
+                <a:schemeClr val="bg1"/>
+              </a:solidFill>
+            </a:endParaRPr>
+          </a:p>
+          <a:p>
+            <a:r>
+              <a:rPr lang="en-US" sz="2200" dirty="0" err="1">
+                <a:solidFill>
+                  <a:schemeClr val="bg1"/>
+                </a:solidFill>
+              </a:rPr>
+              <a:t>enum</a:t>
+            </a:r>
+            <a:r>
+              <a:rPr lang="en-US" sz="2200" dirty="0">
+                <a:solidFill>
+                  <a:schemeClr val="bg1"/>
+                </a:solidFill>
+              </a:rPr>
+              <a:t> </a:t>
+            </a:r>
+            <a:r>
+              <a:rPr lang="en-US" sz="2200" dirty="0" err="1">
+                <a:solidFill>
+                  <a:schemeClr val="bg1"/>
+                </a:solidFill>
+              </a:rPr>
+              <a:t>boolean</a:t>
+            </a:r>
+            <a:r>
+              <a:rPr lang="en-US" sz="2200" dirty="0">
+                <a:solidFill>
+                  <a:schemeClr val="bg1"/>
+                </a:solidFill>
+              </a:rPr>
+              <a:t> { </a:t>
+            </a:r>
+          </a:p>
+          <a:p>
+            <a:pPr lvl="2"/>
+            <a:r>
+              <a:rPr lang="en-US" sz="2200" dirty="0">
+                <a:solidFill>
+                  <a:schemeClr val="bg1"/>
+                </a:solidFill>
+              </a:rPr>
+              <a:t>false, </a:t>
+            </a:r>
+          </a:p>
+          <a:p>
+            <a:pPr lvl="2"/>
+            <a:r>
+              <a:rPr lang="en-US" sz="2200" dirty="0">
+                <a:solidFill>
+                  <a:schemeClr val="bg1"/>
+                </a:solidFill>
+              </a:rPr>
+              <a:t>true </a:t>
+            </a:r>
+          </a:p>
+          <a:p>
+            <a:pPr lvl="2"/>
+            <a:r>
+              <a:rPr lang="en-US" sz="2200" dirty="0">
+                <a:solidFill>
+                  <a:schemeClr val="bg1"/>
+                </a:solidFill>
+              </a:rPr>
+              <a:t>} check;</a:t>
+            </a:r>
+          </a:p>
+          <a:p>
+            <a:endParaRPr lang="en-US" dirty="0">
+              <a:solidFill>
+                <a:schemeClr val="bg1"/>
+              </a:solidFill>
+            </a:endParaRPr>
+          </a:p>
+        </p:txBody>
+      </p:sp>
+      <p:sp>
+        <p:nvSpPr>
+          <p:cNvPr id="5" name="Rectangle 4">
+            <a:extLst>
+              <a:ext uri="{FF2B5EF4-FFF2-40B4-BE49-F238E27FC236}">
+                <a16:creationId xmlns:a16="http://schemas.microsoft.com/office/drawing/2014/main" id="{CE912ADB-F2A8-3D49-9F40-AF01C9B7D137}"/>
+              </a:ext>
+            </a:extLst>
+          </p:cNvPr>
           <p:cNvSpPr/>
           <p:nvPr/>
         </p:nvSpPr>
         <p:spPr>
           <a:xfrm>
-            <a:off x="504000" y="576000"/>
-            <a:ext cx="7199640" cy="719640"/>
-          </a:xfrm>
-          <a:prstGeom prst="rect">
-            <a:avLst/>
-          </a:prstGeom>
-          <a:noFill/>
-          <a:ln>
-            <a:noFill/>
-          </a:ln>
-        </p:spPr>
-        <p:style>
-          <a:lnRef idx="0"/>
-          <a:fillRef idx="0"/>
-          <a:effectRef idx="0"/>
-          <a:fontRef idx="minor"/>
-        </p:style>
-        <p:txBody>
-          <a:bodyPr lIns="0" rIns="0" tIns="0" bIns="0" anchor="ctr"/>
-          <a:p>
-            <a:pPr>
-              <a:lnSpc>
-                <a:spcPct val="100000"/>
-              </a:lnSpc>
-            </a:pPr>
-            <a:r>
-              <a:rPr b="0" lang="en-US" sz="3600" spc="-1" strike="noStrike">
-                <a:latin typeface="Arial"/>
+            <a:off x="652394" y="1737204"/>
+            <a:ext cx="8402154" cy="954107"/>
+          </a:xfrm>
+          <a:prstGeom prst="rect">
+            <a:avLst/>
+          </a:prstGeom>
+        </p:spPr>
+        <p:txBody>
+          <a:bodyPr wrap="square">
+            <a:spAutoFit/>
+          </a:bodyPr>
+          <a:lstStyle/>
+          <a:p>
+            <a:r>
+              <a:rPr lang="en-US" sz="2800" b="0" i="0" dirty="0">
+                <a:solidFill>
+                  <a:srgbClr val="252830"/>
+                </a:solidFill>
+                <a:effectLst/>
+                <a:latin typeface="Open Sans"/>
               </a:rPr>
-              <a:t>C Data types</a:t>
-            </a:r>
-            <a:endParaRPr b="0" lang="en-US" sz="3600" spc="-1" strike="noStrike">
-              <a:latin typeface="Arial"/>
-            </a:endParaRPr>
-          </a:p>
-        </p:txBody>
-      </p:sp>
-      <p:sp>
-        <p:nvSpPr>
-          <p:cNvPr id="120" name="CustomShape 2"/>
-          <p:cNvSpPr/>
-          <p:nvPr/>
-        </p:nvSpPr>
-        <p:spPr>
-          <a:xfrm>
-            <a:off x="504000" y="1800000"/>
-            <a:ext cx="9071640" cy="4384080"/>
-          </a:xfrm>
-          <a:prstGeom prst="rect">
-            <a:avLst/>
-          </a:prstGeom>
-          <a:noFill/>
-          <a:ln>
-            <a:noFill/>
-          </a:ln>
-        </p:spPr>
-        <p:style>
-          <a:lnRef idx="0"/>
-          <a:fillRef idx="0"/>
-          <a:effectRef idx="0"/>
-          <a:fontRef idx="minor"/>
-        </p:style>
-        <p:txBody>
-          <a:bodyPr lIns="0" rIns="0" tIns="0" bIns="0">
-            <a:normAutofit/>
-          </a:bodyPr>
-          <a:p>
-            <a:pPr marL="432000" indent="-323640">
-              <a:lnSpc>
-                <a:spcPct val="100000"/>
-              </a:lnSpc>
-              <a:spcAft>
-                <a:spcPts val="1417"/>
-              </a:spcAft>
-              <a:buClr>
-                <a:srgbClr val="99cc66"/>
-              </a:buClr>
-              <a:buSzPct val="45000"/>
-              <a:buFont typeface="Wingdings" charset="2"/>
-              <a:buChar char=""/>
-            </a:pPr>
-            <a:r>
-              <a:rPr b="0" lang="en-US" sz="2600" spc="-1" strike="noStrike">
-                <a:latin typeface="Arial"/>
+              <a:t>Here is another way to declare same </a:t>
+            </a:r>
+            <a:r>
+              <a:rPr lang="en-US" sz="2800" b="0" i="0" dirty="0">
+                <a:solidFill>
+                  <a:srgbClr val="252830"/>
+                </a:solidFill>
+                <a:effectLst/>
+                <a:latin typeface="Menlo" panose="020B0609030804020204" pitchFamily="49" charset="0"/>
               </a:rPr>
-              <a:t>Data types in c refer to an extensive system used for declaring variables or functions of different types. </a:t>
-            </a:r>
-            <a:endParaRPr b="0" lang="en-US" sz="2600" spc="-1" strike="noStrike">
-              <a:latin typeface="Arial"/>
-            </a:endParaRPr>
-          </a:p>
-          <a:p>
-            <a:pPr marL="432000" indent="-323640">
-              <a:lnSpc>
-                <a:spcPct val="100000"/>
-              </a:lnSpc>
-              <a:spcAft>
-                <a:spcPts val="1417"/>
-              </a:spcAft>
-              <a:buClr>
-                <a:srgbClr val="99cc66"/>
-              </a:buClr>
-              <a:buSzPct val="45000"/>
-              <a:buFont typeface="Wingdings" charset="2"/>
-              <a:buChar char=""/>
-            </a:pPr>
-            <a:r>
-              <a:rPr b="0" lang="en-US" sz="2600" spc="-1" strike="noStrike">
-                <a:latin typeface="Arial"/>
+              <a:t>check</a:t>
+            </a:r>
+            <a:r>
+              <a:rPr lang="en-US" sz="2800" b="0" i="0" dirty="0">
+                <a:solidFill>
+                  <a:srgbClr val="252830"/>
+                </a:solidFill>
+                <a:effectLst/>
+                <a:latin typeface="Open Sans"/>
               </a:rPr>
-              <a:t>The type of a variable determines how much space it occupies in storage and how the bit pattern stored is interpreted.</a:t>
-            </a:r>
-            <a:endParaRPr b="0" lang="en-US" sz="2600" spc="-1" strike="noStrike">
-              <a:latin typeface="Arial"/>
-            </a:endParaRPr>
+              <a:t> variable using different syntax.</a:t>
+            </a:r>
+            <a:endParaRPr lang="en-US" sz="2800" dirty="0"/>
           </a:p>
         </p:txBody>
       </p:sp>
     </p:spTree>
+    <p:extLst>
+      <p:ext uri="{BB962C8B-B14F-4D97-AF65-F5344CB8AC3E}">
+        <p14:creationId xmlns:p14="http://schemas.microsoft.com/office/powerpoint/2010/main" val="3185231499"/>
+      </p:ext>
+    </p:extLst>
   </p:cSld>
-  <p:timing>
-    <p:tnLst>
-      <p:par>
-        <p:cTn id="3" dur="indefinite" restart="never" nodeType="tmRoot">
-          <p:childTnLst>
-            <p:seq>
-              <p:cTn id="4" dur="indefinite" nodeType="mainSeq"/>
-              <p:prevCondLst>
-                <p:cond delay="0" evt="onPrev">
-                  <p:tgtEl>
-                    <p:sldTgt/>
-                  </p:tgtEl>
-                </p:cond>
-              </p:prevCondLst>
-              <p:nextCondLst>
-                <p:cond delay="0" evt="onNext">
-                  <p:tgtEl>
-                    <p:sldTgt/>
-                  </p:tgtEl>
-                </p:cond>
-              </p:nextCondLst>
-            </p:seq>
-          </p:childTnLst>
-        </p:cTn>
-      </p:par>
-    </p:tnLst>
-  </p:timing>
+  <p:clrMapOvr>
+    <a:masterClrMapping/>
+  </p:clrMapOvr>
 </p:sld>
 </file>
 
-<file path=ppt/slides/slide3.xml><?xml version="1.0" encoding="utf-8"?>
-<p:sld xmlns:a="http://schemas.openxmlformats.org/drawingml/2006/main" xmlns:p="http://schemas.openxmlformats.org/presentationml/2006/main" xmlns:r="http://schemas.openxmlformats.org/officeDocument/2006/relationships" xmlns:p14="http://schemas.microsoft.com/office/powerpoint/2010/main" xmlns:p15="http://schemas.microsoft.com/office/powerpoint/2012/main" xmlns:mc="http://schemas.openxmlformats.org/markup-compatibility/2006">
+<file path=ppt/slides/slide8.xml><?xml version="1.0" encoding="utf-8"?>
+<p:sld xmlns:a="http://schemas.openxmlformats.org/drawingml/2006/main" xmlns:r="http://schemas.openxmlformats.org/officeDocument/2006/relationships" xmlns:p="http://schemas.openxmlformats.org/presentationml/2006/main">
   <p:cSld>
     <p:spTree>
       <p:nvGrpSpPr>
@@ -5220,108 +7849,79 @@
           <a:chExt cx="0" cy="0"/>
         </a:xfrm>
       </p:grpSpPr>
+      <p:sp>
+        <p:nvSpPr>
+          <p:cNvPr id="2" name="Title 1">
+            <a:extLst>
+              <a:ext uri="{FF2B5EF4-FFF2-40B4-BE49-F238E27FC236}">
+                <a16:creationId xmlns:a16="http://schemas.microsoft.com/office/drawing/2014/main" id="{432012CF-CD8E-1142-BB9B-791EA68E94F0}"/>
+              </a:ext>
+            </a:extLst>
+          </p:cNvPr>
+          <p:cNvSpPr>
+            <a:spLocks noGrp="1"/>
+          </p:cNvSpPr>
+          <p:nvPr>
+            <p:ph type="title"/>
+          </p:nvPr>
+        </p:nvSpPr>
+        <p:spPr/>
+        <p:txBody>
+          <a:bodyPr/>
+          <a:lstStyle/>
+          <a:p>
+            <a:r>
+              <a:rPr lang="en-US" dirty="0"/>
+              <a:t>Enumeration type</a:t>
+            </a:r>
+          </a:p>
+        </p:txBody>
+      </p:sp>
       <p:pic>
         <p:nvPicPr>
-          <p:cNvPr id="121" name="" descr=""/>
-          <p:cNvPicPr/>
+          <p:cNvPr id="4" name="Picture 3">
+            <a:extLst>
+              <a:ext uri="{FF2B5EF4-FFF2-40B4-BE49-F238E27FC236}">
+                <a16:creationId xmlns:a16="http://schemas.microsoft.com/office/drawing/2014/main" id="{87642C6C-8E68-F74B-9351-C934176AD07F}"/>
+              </a:ext>
+            </a:extLst>
+          </p:cNvPr>
+          <p:cNvPicPr>
+            <a:picLocks noChangeAspect="1"/>
+          </p:cNvPicPr>
           <p:nvPr/>
         </p:nvPicPr>
         <p:blipFill>
-          <a:blip r:embed="rId1"/>
-          <a:stretch/>
+          <a:blip r:embed="rId2"/>
+          <a:stretch>
+            <a:fillRect/>
+          </a:stretch>
         </p:blipFill>
         <p:spPr>
           <a:xfrm>
-            <a:off x="1005840" y="1554480"/>
-            <a:ext cx="7131960" cy="5211720"/>
-          </a:xfrm>
-          <a:prstGeom prst="rect">
-            <a:avLst/>
-          </a:prstGeom>
-          <a:ln>
-            <a:noFill/>
-          </a:ln>
+            <a:off x="377686" y="1623455"/>
+            <a:ext cx="9045782" cy="4968327"/>
+          </a:xfrm>
+          <a:prstGeom prst="rect">
+            <a:avLst/>
+          </a:prstGeom>
         </p:spPr>
       </p:pic>
-      <p:sp>
-        <p:nvSpPr>
-          <p:cNvPr id="122" name="CustomShape 1"/>
-          <p:cNvSpPr/>
-          <p:nvPr/>
-        </p:nvSpPr>
-        <p:spPr>
-          <a:xfrm>
-            <a:off x="504000" y="576000"/>
-            <a:ext cx="7199640" cy="719640"/>
-          </a:xfrm>
-          <a:prstGeom prst="rect">
-            <a:avLst/>
-          </a:prstGeom>
-          <a:noFill/>
-          <a:ln>
-            <a:noFill/>
-          </a:ln>
-        </p:spPr>
-        <p:style>
-          <a:lnRef idx="0"/>
-          <a:fillRef idx="0"/>
-          <a:effectRef idx="0"/>
-          <a:fontRef idx="minor"/>
-        </p:style>
-        <p:txBody>
-          <a:bodyPr lIns="0" rIns="0" tIns="0" bIns="0" anchor="ctr"/>
-          <a:p>
-            <a:pPr>
-              <a:lnSpc>
-                <a:spcPct val="100000"/>
-              </a:lnSpc>
-            </a:pPr>
-            <a:r>
-              <a:rPr b="0" lang="en-US" sz="3600" spc="-1" strike="noStrike">
-                <a:latin typeface="Arial"/>
-              </a:rPr>
-              <a:t>C Data types</a:t>
-            </a:r>
-            <a:endParaRPr b="0" lang="en-US" sz="3600" spc="-1" strike="noStrike">
-              <a:latin typeface="Arial"/>
-            </a:endParaRPr>
-          </a:p>
-        </p:txBody>
-      </p:sp>
     </p:spTree>
+    <p:extLst>
+      <p:ext uri="{BB962C8B-B14F-4D97-AF65-F5344CB8AC3E}">
+        <p14:creationId xmlns:p14="http://schemas.microsoft.com/office/powerpoint/2010/main" val="2387849758"/>
+      </p:ext>
+    </p:extLst>
   </p:cSld>
-  <p:timing>
-    <p:tnLst>
-      <p:par>
-        <p:cTn id="5" dur="indefinite" restart="never" nodeType="tmRoot">
-          <p:childTnLst>
-            <p:seq>
-              <p:cTn id="6" dur="indefinite" nodeType="mainSeq"/>
-              <p:prevCondLst>
-                <p:cond delay="0" evt="onPrev">
-                  <p:tgtEl>
-                    <p:sldTgt/>
-                  </p:tgtEl>
-                </p:cond>
-              </p:prevCondLst>
-              <p:nextCondLst>
-                <p:cond delay="0" evt="onNext">
-                  <p:tgtEl>
-                    <p:sldTgt/>
-                  </p:tgtEl>
-                </p:cond>
-              </p:nextCondLst>
-            </p:seq>
-          </p:childTnLst>
-        </p:cTn>
-      </p:par>
-    </p:tnLst>
-  </p:timing>
+  <p:clrMapOvr>
+    <a:masterClrMapping/>
+  </p:clrMapOvr>
 </p:sld>
 </file>
 
-<file path=ppt/slides/slide4.xml><?xml version="1.0" encoding="utf-8"?>
-<p:sld xmlns:a="http://schemas.openxmlformats.org/drawingml/2006/main" xmlns:p="http://schemas.openxmlformats.org/presentationml/2006/main" xmlns:r="http://schemas.openxmlformats.org/officeDocument/2006/relationships" xmlns:p14="http://schemas.microsoft.com/office/powerpoint/2010/main" xmlns:p15="http://schemas.microsoft.com/office/powerpoint/2012/main" xmlns:mc="http://schemas.openxmlformats.org/markup-compatibility/2006">
+<file path=ppt/slides/slide9.xml><?xml version="1.0" encoding="utf-8"?>
+<p:sld xmlns:a="http://schemas.openxmlformats.org/drawingml/2006/main" xmlns:r="http://schemas.openxmlformats.org/officeDocument/2006/relationships" xmlns:p="http://schemas.openxmlformats.org/presentationml/2006/main">
   <p:cSld>
     <p:spTree>
       <p:nvGrpSpPr>
@@ -5339,115 +7939,121 @@
       </p:grpSpPr>
       <p:sp>
         <p:nvSpPr>
-          <p:cNvPr id="123" name="TextShape 1"/>
-          <p:cNvSpPr txBox="1"/>
+          <p:cNvPr id="2" name="Title 1">
+            <a:extLst>
+              <a:ext uri="{FF2B5EF4-FFF2-40B4-BE49-F238E27FC236}">
+                <a16:creationId xmlns:a16="http://schemas.microsoft.com/office/drawing/2014/main" id="{C3161D22-4D2D-0C42-BABF-8BB896C2BBF8}"/>
+              </a:ext>
+            </a:extLst>
+          </p:cNvPr>
+          <p:cNvSpPr>
+            <a:spLocks noGrp="1"/>
+          </p:cNvSpPr>
+          <p:nvPr>
+            <p:ph type="title"/>
+          </p:nvPr>
+        </p:nvSpPr>
+        <p:spPr/>
+        <p:txBody>
+          <a:bodyPr/>
+          <a:lstStyle/>
+          <a:p>
+            <a:r>
+              <a:rPr lang="en-US" dirty="0"/>
+              <a:t>Why </a:t>
+            </a:r>
+            <a:r>
+              <a:rPr lang="en-US" dirty="0" err="1"/>
+              <a:t>enums</a:t>
+            </a:r>
+            <a:r>
+              <a:rPr lang="en-US" dirty="0"/>
+              <a:t> are used</a:t>
+            </a:r>
+          </a:p>
+        </p:txBody>
+      </p:sp>
+      <p:pic>
+        <p:nvPicPr>
+          <p:cNvPr id="4" name="Picture 3">
+            <a:extLst>
+              <a:ext uri="{FF2B5EF4-FFF2-40B4-BE49-F238E27FC236}">
+                <a16:creationId xmlns:a16="http://schemas.microsoft.com/office/drawing/2014/main" id="{45FFAEBC-49B3-D74C-9776-34F80F1BD28D}"/>
+              </a:ext>
+            </a:extLst>
+          </p:cNvPr>
+          <p:cNvPicPr>
+            <a:picLocks noChangeAspect="1"/>
+          </p:cNvPicPr>
           <p:nvPr/>
-        </p:nvSpPr>
-        <p:spPr>
-          <a:xfrm>
-            <a:off x="504000" y="576000"/>
-            <a:ext cx="7199640" cy="719640"/>
-          </a:xfrm>
-          <a:prstGeom prst="rect">
-            <a:avLst/>
-          </a:prstGeom>
-          <a:noFill/>
-          <a:ln>
-            <a:noFill/>
-          </a:ln>
-        </p:spPr>
-        <p:txBody>
-          <a:bodyPr lIns="0" rIns="0" tIns="0" bIns="0" anchor="ctr"/>
-          <a:p>
-            <a:pPr algn="ctr"/>
-            <a:r>
-              <a:rPr b="0" lang="en-US" sz="4400" spc="-1" strike="noStrike">
-                <a:latin typeface="Arial"/>
+        </p:nvPicPr>
+        <p:blipFill>
+          <a:blip r:embed="rId2"/>
+          <a:stretch>
+            <a:fillRect/>
+          </a:stretch>
+        </p:blipFill>
+        <p:spPr>
+          <a:xfrm>
+            <a:off x="1172817" y="1510228"/>
+            <a:ext cx="6409671" cy="5492855"/>
+          </a:xfrm>
+          <a:prstGeom prst="rect">
+            <a:avLst/>
+          </a:prstGeom>
+        </p:spPr>
+      </p:pic>
+      <p:sp>
+        <p:nvSpPr>
+          <p:cNvPr id="5" name="Rectangle 4">
+            <a:extLst>
+              <a:ext uri="{FF2B5EF4-FFF2-40B4-BE49-F238E27FC236}">
+                <a16:creationId xmlns:a16="http://schemas.microsoft.com/office/drawing/2014/main" id="{A4BE89CD-F93C-DF4D-951A-363F1987138C}"/>
+              </a:ext>
+            </a:extLst>
+          </p:cNvPr>
+          <p:cNvSpPr/>
+          <p:nvPr/>
+        </p:nvSpPr>
+        <p:spPr>
+          <a:xfrm>
+            <a:off x="5512628" y="2395130"/>
+            <a:ext cx="5038725" cy="1477328"/>
+          </a:xfrm>
+          <a:prstGeom prst="rect">
+            <a:avLst/>
+          </a:prstGeom>
+        </p:spPr>
+        <p:txBody>
+          <a:bodyPr>
+            <a:spAutoFit/>
+          </a:bodyPr>
+          <a:lstStyle/>
+          <a:p>
+            <a:r>
+              <a:rPr lang="en-US" b="0" i="1" dirty="0">
+                <a:solidFill>
+                  <a:srgbClr val="252830"/>
+                </a:solidFill>
+                <a:effectLst/>
+                <a:latin typeface="Open Sans"/>
               </a:rPr>
-              <a:t>C Enum</a:t>
-            </a:r>
-            <a:endParaRPr b="0" lang="en-US" sz="4400" spc="-1" strike="noStrike">
-              <a:latin typeface="Arial"/>
-            </a:endParaRPr>
-          </a:p>
-        </p:txBody>
-      </p:sp>
-      <p:sp>
-        <p:nvSpPr>
-          <p:cNvPr id="124" name="TextShape 2"/>
-          <p:cNvSpPr txBox="1"/>
-          <p:nvPr/>
-        </p:nvSpPr>
-        <p:spPr>
-          <a:xfrm>
-            <a:off x="504000" y="1768680"/>
-            <a:ext cx="9072000" cy="4384080"/>
-          </a:xfrm>
-          <a:prstGeom prst="rect">
-            <a:avLst/>
-          </a:prstGeom>
-          <a:noFill/>
-          <a:ln>
-            <a:noFill/>
-          </a:ln>
-        </p:spPr>
-        <p:txBody>
-          <a:bodyPr lIns="0" rIns="0" tIns="0" bIns="0">
-            <a:normAutofit/>
-          </a:bodyPr>
-          <a:p>
-            <a:pPr marL="432000" indent="-324000">
-              <a:spcBef>
-                <a:spcPts val="1417"/>
-              </a:spcBef>
-              <a:buClr>
-                <a:srgbClr val="000000"/>
-              </a:buClr>
-              <a:buSzPct val="45000"/>
-              <a:buFont typeface="Wingdings" charset="2"/>
-              <a:buChar char=""/>
-            </a:pPr>
-            <a:r>
-              <a:rPr b="0" lang="en-US" sz="3200" spc="-1" strike="noStrike">
-                <a:latin typeface="Arial"/>
-              </a:rPr>
-              <a:t>Enumeration is a user defined datatype in C language. It is used to assign names to the integral constants which makes a program easy to read and maintain. The keyword “enum” is used to declare an enumeration.</a:t>
-            </a:r>
-            <a:endParaRPr b="0" lang="en-US" sz="3200" spc="-1" strike="noStrike">
-              <a:latin typeface="Arial"/>
-            </a:endParaRPr>
+              <a:t>You can accomplish almost anything in C programming without using enumerations. However, they can be pretty handy in certain situations. That's what differentiates good programmers from great programmers.</a:t>
+            </a:r>
+            <a:endParaRPr lang="en-US" i="1" dirty="0"/>
           </a:p>
         </p:txBody>
       </p:sp>
     </p:spTree>
+    <p:extLst>
+      <p:ext uri="{BB962C8B-B14F-4D97-AF65-F5344CB8AC3E}">
+        <p14:creationId xmlns:p14="http://schemas.microsoft.com/office/powerpoint/2010/main" val="689349294"/>
+      </p:ext>
+    </p:extLst>
   </p:cSld>
-  <p:timing>
-    <p:tnLst>
-      <p:par>
-        <p:cTn id="7" dur="indefinite" restart="never" nodeType="tmRoot">
-          <p:childTnLst>
-            <p:seq>
-              <p:cTn id="8" dur="indefinite" nodeType="mainSeq"/>
-              <p:prevCondLst>
-                <p:cond delay="0" evt="onPrev">
-                  <p:tgtEl>
-                    <p:sldTgt/>
-                  </p:tgtEl>
-                </p:cond>
-              </p:prevCondLst>
-              <p:nextCondLst>
-                <p:cond delay="0" evt="onNext">
-                  <p:tgtEl>
-                    <p:sldTgt/>
-                  </p:tgtEl>
-                </p:cond>
-              </p:nextCondLst>
-            </p:seq>
-          </p:childTnLst>
-        </p:cTn>
-      </p:par>
-    </p:tnLst>
-  </p:timing>
+  <p:clrMapOvr>
+    <a:masterClrMapping/>
+  </p:clrMapOvr>
 </p:sld>
 </file>
 
@@ -5462,31 +8068,31 @@
         <a:sysClr val="window" lastClr="FFFFFF"/>
       </a:lt1>
       <a:dk2>
-        <a:srgbClr val="1f497d"/>
+        <a:srgbClr val="1F497D"/>
       </a:dk2>
       <a:lt2>
-        <a:srgbClr val="eeece1"/>
+        <a:srgbClr val="EEECE1"/>
       </a:lt2>
       <a:accent1>
-        <a:srgbClr val="4f81bd"/>
+        <a:srgbClr val="4F81BD"/>
       </a:accent1>
       <a:accent2>
-        <a:srgbClr val="c0504d"/>
+        <a:srgbClr val="C0504D"/>
       </a:accent2>
       <a:accent3>
-        <a:srgbClr val="9bbb59"/>
+        <a:srgbClr val="9BBB59"/>
       </a:accent3>
       <a:accent4>
-        <a:srgbClr val="8064a2"/>
+        <a:srgbClr val="8064A2"/>
       </a:accent4>
       <a:accent5>
-        <a:srgbClr val="4bacc6"/>
+        <a:srgbClr val="4BACC6"/>
       </a:accent5>
       <a:accent6>
-        <a:srgbClr val="f79646"/>
+        <a:srgbClr val="F79646"/>
       </a:accent6>
       <a:hlink>
-        <a:srgbClr val="0000ff"/>
+        <a:srgbClr val="0000FF"/>
       </a:hlink>
       <a:folHlink>
         <a:srgbClr val="800080"/>
@@ -5671,6 +8277,8 @@
       </a:bgFillStyleLst>
     </a:fmtScheme>
   </a:themeElements>
+  <a:objectDefaults/>
+  <a:extraClrSchemeLst/>
 </a:theme>
 </file>
 
@@ -5685,31 +8293,31 @@
         <a:sysClr val="window" lastClr="FFFFFF"/>
       </a:lt1>
       <a:dk2>
-        <a:srgbClr val="1f497d"/>
+        <a:srgbClr val="1F497D"/>
       </a:dk2>
       <a:lt2>
-        <a:srgbClr val="eeece1"/>
+        <a:srgbClr val="EEECE1"/>
       </a:lt2>
       <a:accent1>
-        <a:srgbClr val="4f81bd"/>
+        <a:srgbClr val="4F81BD"/>
       </a:accent1>
       <a:accent2>
-        <a:srgbClr val="c0504d"/>
+        <a:srgbClr val="C0504D"/>
       </a:accent2>
       <a:accent3>
-        <a:srgbClr val="9bbb59"/>
+        <a:srgbClr val="9BBB59"/>
       </a:accent3>
       <a:accent4>
-        <a:srgbClr val="8064a2"/>
+        <a:srgbClr val="8064A2"/>
       </a:accent4>
       <a:accent5>
-        <a:srgbClr val="4bacc6"/>
+        <a:srgbClr val="4BACC6"/>
       </a:accent5>
       <a:accent6>
-        <a:srgbClr val="f79646"/>
+        <a:srgbClr val="F79646"/>
       </a:accent6>
       <a:hlink>
-        <a:srgbClr val="0000ff"/>
+        <a:srgbClr val="0000FF"/>
       </a:hlink>
       <a:folHlink>
         <a:srgbClr val="800080"/>
@@ -5894,6 +8502,8 @@
       </a:bgFillStyleLst>
     </a:fmtScheme>
   </a:themeElements>
+  <a:objectDefaults/>
+  <a:extraClrSchemeLst/>
 </a:theme>
 </file>
 
@@ -5908,31 +8518,31 @@
         <a:sysClr val="window" lastClr="FFFFFF"/>
       </a:lt1>
       <a:dk2>
-        <a:srgbClr val="1f497d"/>
+        <a:srgbClr val="1F497D"/>
       </a:dk2>
       <a:lt2>
-        <a:srgbClr val="eeece1"/>
+        <a:srgbClr val="EEECE1"/>
       </a:lt2>
       <a:accent1>
-        <a:srgbClr val="4f81bd"/>
+        <a:srgbClr val="4F81BD"/>
       </a:accent1>
       <a:accent2>
-        <a:srgbClr val="c0504d"/>
+        <a:srgbClr val="C0504D"/>
       </a:accent2>
       <a:accent3>
-        <a:srgbClr val="9bbb59"/>
+        <a:srgbClr val="9BBB59"/>
       </a:accent3>
       <a:accent4>
-        <a:srgbClr val="8064a2"/>
+        <a:srgbClr val="8064A2"/>
       </a:accent4>
       <a:accent5>
-        <a:srgbClr val="4bacc6"/>
+        <a:srgbClr val="4BACC6"/>
       </a:accent5>
       <a:accent6>
-        <a:srgbClr val="f79646"/>
+        <a:srgbClr val="F79646"/>
       </a:accent6>
       <a:hlink>
-        <a:srgbClr val="0000ff"/>
+        <a:srgbClr val="0000FF"/>
       </a:hlink>
       <a:folHlink>
         <a:srgbClr val="800080"/>
@@ -6117,5 +8727,7 @@
       </a:bgFillStyleLst>
     </a:fmtScheme>
   </a:themeElements>
+  <a:objectDefaults/>
+  <a:extraClrSchemeLst/>
 </a:theme>
 </file>